--- a/Documentation/Samza-Snapshot.pptx
+++ b/Documentation/Samza-Snapshot.pptx
@@ -8,7 +8,13 @@
     <p:sldId id="256" r:id="rId2"/>
     <p:sldId id="257" r:id="rId3"/>
     <p:sldId id="258" r:id="rId4"/>
-    <p:sldId id="259" r:id="rId5"/>
+    <p:sldId id="262" r:id="rId5"/>
+    <p:sldId id="263" r:id="rId6"/>
+    <p:sldId id="259" r:id="rId7"/>
+    <p:sldId id="260" r:id="rId8"/>
+    <p:sldId id="264" r:id="rId9"/>
+    <p:sldId id="265" r:id="rId10"/>
+    <p:sldId id="261" r:id="rId11"/>
   </p:sldIdLst>
   <p:sldSz cx="12192000" cy="6858000"/>
   <p:notesSz cx="6858000" cy="9144000"/>
@@ -107,6 +113,11 @@
       </a:defRPr>
     </a:lvl9pPr>
   </p:defaultTextStyle>
+  <p:extLst>
+    <p:ext uri="{EFAFB233-063F-42B5-8137-9DF3F51BA10A}">
+      <p15:sldGuideLst xmlns:p15="http://schemas.microsoft.com/office/powerpoint/2012/main"/>
+    </p:ext>
+  </p:extLst>
 </p:presentation>
 </file>
 
@@ -241,7 +252,7 @@
           <a:p>
             <a:fld id="{EABFC6C6-683A-4A69-9D6A-406DFB3FC926}" type="datetimeFigureOut">
               <a:rPr lang="en-US" smtClean="0"/>
-              <a:t>5/21/2018</a:t>
+              <a:t>5/23/2018</a:t>
             </a:fld>
             <a:endParaRPr lang="en-US"/>
           </a:p>
@@ -411,7 +422,7 @@
           <a:p>
             <a:fld id="{EABFC6C6-683A-4A69-9D6A-406DFB3FC926}" type="datetimeFigureOut">
               <a:rPr lang="en-US" smtClean="0"/>
-              <a:t>5/21/2018</a:t>
+              <a:t>5/23/2018</a:t>
             </a:fld>
             <a:endParaRPr lang="en-US"/>
           </a:p>
@@ -591,7 +602,7 @@
           <a:p>
             <a:fld id="{EABFC6C6-683A-4A69-9D6A-406DFB3FC926}" type="datetimeFigureOut">
               <a:rPr lang="en-US" smtClean="0"/>
-              <a:t>5/21/2018</a:t>
+              <a:t>5/23/2018</a:t>
             </a:fld>
             <a:endParaRPr lang="en-US"/>
           </a:p>
@@ -761,7 +772,7 @@
           <a:p>
             <a:fld id="{EABFC6C6-683A-4A69-9D6A-406DFB3FC926}" type="datetimeFigureOut">
               <a:rPr lang="en-US" smtClean="0"/>
-              <a:t>5/21/2018</a:t>
+              <a:t>5/23/2018</a:t>
             </a:fld>
             <a:endParaRPr lang="en-US"/>
           </a:p>
@@ -1007,7 +1018,7 @@
           <a:p>
             <a:fld id="{EABFC6C6-683A-4A69-9D6A-406DFB3FC926}" type="datetimeFigureOut">
               <a:rPr lang="en-US" smtClean="0"/>
-              <a:t>5/21/2018</a:t>
+              <a:t>5/23/2018</a:t>
             </a:fld>
             <a:endParaRPr lang="en-US"/>
           </a:p>
@@ -1239,7 +1250,7 @@
           <a:p>
             <a:fld id="{EABFC6C6-683A-4A69-9D6A-406DFB3FC926}" type="datetimeFigureOut">
               <a:rPr lang="en-US" smtClean="0"/>
-              <a:t>5/21/2018</a:t>
+              <a:t>5/23/2018</a:t>
             </a:fld>
             <a:endParaRPr lang="en-US"/>
           </a:p>
@@ -1606,7 +1617,7 @@
           <a:p>
             <a:fld id="{EABFC6C6-683A-4A69-9D6A-406DFB3FC926}" type="datetimeFigureOut">
               <a:rPr lang="en-US" smtClean="0"/>
-              <a:t>5/21/2018</a:t>
+              <a:t>5/23/2018</a:t>
             </a:fld>
             <a:endParaRPr lang="en-US"/>
           </a:p>
@@ -1724,7 +1735,7 @@
           <a:p>
             <a:fld id="{EABFC6C6-683A-4A69-9D6A-406DFB3FC926}" type="datetimeFigureOut">
               <a:rPr lang="en-US" smtClean="0"/>
-              <a:t>5/21/2018</a:t>
+              <a:t>5/23/2018</a:t>
             </a:fld>
             <a:endParaRPr lang="en-US"/>
           </a:p>
@@ -1819,7 +1830,7 @@
           <a:p>
             <a:fld id="{EABFC6C6-683A-4A69-9D6A-406DFB3FC926}" type="datetimeFigureOut">
               <a:rPr lang="en-US" smtClean="0"/>
-              <a:t>5/21/2018</a:t>
+              <a:t>5/23/2018</a:t>
             </a:fld>
             <a:endParaRPr lang="en-US"/>
           </a:p>
@@ -2096,7 +2107,7 @@
           <a:p>
             <a:fld id="{EABFC6C6-683A-4A69-9D6A-406DFB3FC926}" type="datetimeFigureOut">
               <a:rPr lang="en-US" smtClean="0"/>
-              <a:t>5/21/2018</a:t>
+              <a:t>5/23/2018</a:t>
             </a:fld>
             <a:endParaRPr lang="en-US"/>
           </a:p>
@@ -2349,7 +2360,7 @@
           <a:p>
             <a:fld id="{EABFC6C6-683A-4A69-9D6A-406DFB3FC926}" type="datetimeFigureOut">
               <a:rPr lang="en-US" smtClean="0"/>
-              <a:t>5/21/2018</a:t>
+              <a:t>5/23/2018</a:t>
             </a:fld>
             <a:endParaRPr lang="en-US"/>
           </a:p>
@@ -2562,7 +2573,7 @@
           <a:p>
             <a:fld id="{EABFC6C6-683A-4A69-9D6A-406DFB3FC926}" type="datetimeFigureOut">
               <a:rPr lang="en-US" smtClean="0"/>
-              <a:t>5/21/2018</a:t>
+              <a:t>5/23/2018</a:t>
             </a:fld>
             <a:endParaRPr lang="en-US"/>
           </a:p>
@@ -3026,6 +3037,74 @@
 </p:sld>
 </file>
 
+<file path=ppt/slides/slide10.xml><?xml version="1.0" encoding="utf-8"?>
+<p:sld xmlns:a="http://schemas.openxmlformats.org/drawingml/2006/main" xmlns:r="http://schemas.openxmlformats.org/officeDocument/2006/relationships" xmlns:p="http://schemas.openxmlformats.org/presentationml/2006/main">
+  <p:cSld>
+    <p:spTree>
+      <p:nvGrpSpPr>
+        <p:cNvPr id="1" name=""/>
+        <p:cNvGrpSpPr/>
+        <p:nvPr/>
+      </p:nvGrpSpPr>
+      <p:grpSpPr>
+        <a:xfrm>
+          <a:off x="0" y="0"/>
+          <a:ext cx="0" cy="0"/>
+          <a:chOff x="0" y="0"/>
+          <a:chExt cx="0" cy="0"/>
+        </a:xfrm>
+      </p:grpSpPr>
+      <p:sp>
+        <p:nvSpPr>
+          <p:cNvPr id="2" name="Title 1"/>
+          <p:cNvSpPr>
+            <a:spLocks noGrp="1"/>
+          </p:cNvSpPr>
+          <p:nvPr>
+            <p:ph type="title"/>
+          </p:nvPr>
+        </p:nvSpPr>
+        <p:spPr/>
+        <p:txBody>
+          <a:bodyPr/>
+          <a:lstStyle/>
+          <a:p>
+            <a:endParaRPr lang="en-US"/>
+          </a:p>
+        </p:txBody>
+      </p:sp>
+      <p:sp>
+        <p:nvSpPr>
+          <p:cNvPr id="3" name="Content Placeholder 2"/>
+          <p:cNvSpPr>
+            <a:spLocks noGrp="1"/>
+          </p:cNvSpPr>
+          <p:nvPr>
+            <p:ph idx="1"/>
+          </p:nvPr>
+        </p:nvSpPr>
+        <p:spPr/>
+        <p:txBody>
+          <a:bodyPr/>
+          <a:lstStyle/>
+          <a:p>
+            <a:endParaRPr lang="en-US"/>
+          </a:p>
+        </p:txBody>
+      </p:sp>
+    </p:spTree>
+    <p:extLst>
+      <p:ext uri="{BB962C8B-B14F-4D97-AF65-F5344CB8AC3E}">
+        <p14:creationId xmlns:p14="http://schemas.microsoft.com/office/powerpoint/2010/main" val="3277101569"/>
+      </p:ext>
+    </p:extLst>
+  </p:cSld>
+  <p:clrMapOvr>
+    <a:masterClrMapping/>
+  </p:clrMapOvr>
+</p:sld>
+</file>
+
 <file path=ppt/slides/slide2.xml><?xml version="1.0" encoding="utf-8"?>
 <p:sld xmlns:a="http://schemas.openxmlformats.org/drawingml/2006/main" xmlns:r="http://schemas.openxmlformats.org/officeDocument/2006/relationships" xmlns:p="http://schemas.openxmlformats.org/presentationml/2006/main">
   <p:cSld>
@@ -3988,7 +4067,12 @@
             <p:ph type="title"/>
           </p:nvPr>
         </p:nvSpPr>
-        <p:spPr/>
+        <p:spPr>
+          <a:xfrm>
+            <a:off x="141846" y="-212684"/>
+            <a:ext cx="10515600" cy="1325563"/>
+          </a:xfrm>
+        </p:spPr>
         <p:txBody>
           <a:bodyPr/>
           <a:lstStyle/>
@@ -4009,7 +4093,7 @@
         </p:nvSpPr>
         <p:spPr>
           <a:xfrm>
-            <a:off x="293077" y="1440886"/>
+            <a:off x="190514" y="739755"/>
             <a:ext cx="4070839" cy="369332"/>
           </a:xfrm>
           <a:prstGeom prst="rect">
@@ -4043,8 +4127,8 @@
         </p:nvSpPr>
         <p:spPr>
           <a:xfrm>
-            <a:off x="588356" y="1748954"/>
-            <a:ext cx="4898043" cy="4801314"/>
+            <a:off x="501603" y="1015335"/>
+            <a:ext cx="4898043" cy="5909310"/>
           </a:xfrm>
           <a:prstGeom prst="rect">
             <a:avLst/>
@@ -4143,10 +4227,6 @@
               <a:buAutoNum type="arabicParenR"/>
             </a:pPr>
             <a:r>
-              <a:rPr lang="en-US" dirty="0" smtClean="0"/>
-              <a:t>The </a:t>
-            </a:r>
-            <a:r>
               <a:rPr lang="en-US" dirty="0" err="1" smtClean="0"/>
               <a:t>JobModel</a:t>
             </a:r>
@@ -4156,7 +4236,11 @@
             </a:r>
             <a:r>
               <a:rPr lang="en-US" altLang="zh-CN" dirty="0" smtClean="0"/>
-              <a:t> will publish the </a:t>
+              <a:t> </a:t>
+            </a:r>
+            <a:r>
+              <a:rPr lang="en-US" altLang="zh-CN" dirty="0" smtClean="0"/>
+              <a:t>will publish the </a:t>
             </a:r>
             <a:r>
               <a:rPr lang="en-US" altLang="zh-CN" dirty="0" err="1" smtClean="0"/>
@@ -4164,15 +4248,19 @@
             </a:r>
             <a:r>
               <a:rPr lang="en-US" altLang="zh-CN" dirty="0" smtClean="0"/>
-              <a:t> to all </a:t>
+              <a:t> to </a:t>
             </a:r>
             <a:r>
               <a:rPr lang="en-US" altLang="zh-CN" dirty="0" err="1" smtClean="0"/>
-              <a:t>StreamProcessors</a:t>
+              <a:t>ZooKeeper</a:t>
             </a:r>
             <a:r>
               <a:rPr lang="en-US" altLang="zh-CN" dirty="0" smtClean="0"/>
-              <a:t> when the number of processors are equal to the number of containers in the </a:t>
+              <a:t> server </a:t>
+            </a:r>
+            <a:r>
+              <a:rPr lang="en-US" altLang="zh-CN" dirty="0" smtClean="0"/>
+              <a:t>when the number of processors are equal to the number of containers in the </a:t>
             </a:r>
             <a:r>
               <a:rPr lang="en-US" altLang="zh-CN" dirty="0" err="1" smtClean="0"/>
@@ -4180,7 +4268,7 @@
             </a:r>
             <a:r>
               <a:rPr lang="en-US" altLang="zh-CN" dirty="0" smtClean="0"/>
-              <a:t>.</a:t>
+              <a:t>. </a:t>
             </a:r>
           </a:p>
           <a:p>
@@ -4194,12 +4282,59 @@
               <a:buAutoNum type="arabicParenR"/>
             </a:pPr>
             <a:r>
+              <a:rPr lang="en-US" altLang="zh-CN" dirty="0" err="1" smtClean="0"/>
+              <a:t>JobModelUpdater</a:t>
+            </a:r>
+            <a:r>
+              <a:rPr lang="en-US" altLang="zh-CN" dirty="0" smtClean="0"/>
+              <a:t> will also start a Barrier in </a:t>
+            </a:r>
+            <a:r>
+              <a:rPr lang="en-US" altLang="zh-CN" dirty="0" err="1" smtClean="0"/>
+              <a:t>ZooKeeper</a:t>
+            </a:r>
+            <a:r>
+              <a:rPr lang="en-US" altLang="zh-CN" dirty="0" smtClean="0"/>
+              <a:t> server, which will wait until all </a:t>
+            </a:r>
+            <a:r>
+              <a:rPr lang="en-US" altLang="zh-CN" dirty="0" err="1" smtClean="0"/>
+              <a:t>StreamProcessors</a:t>
+            </a:r>
+            <a:r>
+              <a:rPr lang="en-US" altLang="zh-CN" dirty="0" smtClean="0"/>
+              <a:t> knows the </a:t>
+            </a:r>
+            <a:r>
+              <a:rPr lang="en-US" altLang="zh-CN" dirty="0" err="1" smtClean="0"/>
+              <a:t>newJobModel</a:t>
+            </a:r>
+            <a:r>
+              <a:rPr lang="en-US" altLang="zh-CN" dirty="0" smtClean="0"/>
+              <a:t>. </a:t>
+            </a:r>
+          </a:p>
+          <a:p>
+            <a:pPr marL="342900" indent="-342900">
+              <a:buAutoNum type="arabicParenR"/>
+            </a:pPr>
+            <a:endParaRPr lang="en-US" dirty="0" smtClean="0"/>
+          </a:p>
+          <a:p>
+            <a:pPr marL="342900" indent="-342900">
+              <a:buAutoNum type="arabicParenR"/>
+            </a:pPr>
+            <a:r>
               <a:rPr lang="en-US" dirty="0" err="1" smtClean="0"/>
               <a:t>LeaderJobCoordinator</a:t>
             </a:r>
             <a:r>
               <a:rPr lang="en-US" dirty="0" smtClean="0"/>
-              <a:t> can set the </a:t>
+              <a:t> </a:t>
+            </a:r>
+            <a:r>
+              <a:rPr lang="en-US" dirty="0" smtClean="0"/>
+              <a:t>can set the </a:t>
             </a:r>
             <a:r>
               <a:rPr lang="en-US" dirty="0" err="1" smtClean="0"/>
@@ -4565,8 +4700,8 @@
         </p:nvSpPr>
         <p:spPr>
           <a:xfrm>
-            <a:off x="6803402" y="5084068"/>
-            <a:ext cx="3613640" cy="670666"/>
+            <a:off x="6646310" y="5071068"/>
+            <a:ext cx="4011136" cy="1271470"/>
           </a:xfrm>
           <a:prstGeom prst="rect">
             <a:avLst/>
@@ -4603,7 +4738,7 @@
         </p:nvSpPr>
         <p:spPr>
           <a:xfrm>
-            <a:off x="7670721" y="5234735"/>
+            <a:off x="7562709" y="5062752"/>
             <a:ext cx="1912697" cy="369332"/>
           </a:xfrm>
           <a:prstGeom prst="rect">
@@ -4700,15 +4835,13 @@
       <p:cxnSp>
         <p:nvCxnSpPr>
           <p:cNvPr id="26" name="Straight Arrow Connector 25"/>
-          <p:cNvCxnSpPr>
-            <a:endCxn id="10" idx="2"/>
-          </p:cNvCxnSpPr>
+          <p:cNvCxnSpPr/>
           <p:nvPr/>
         </p:nvCxnSpPr>
         <p:spPr>
-          <a:xfrm flipH="1" flipV="1">
-            <a:off x="8537331" y="3888393"/>
-            <a:ext cx="35170" cy="1195676"/>
+          <a:xfrm flipV="1">
+            <a:off x="7482250" y="3888394"/>
+            <a:ext cx="1055080" cy="1714144"/>
           </a:xfrm>
           <a:prstGeom prst="straightConnector1">
             <a:avLst/>
@@ -4735,13 +4868,15 @@
       <p:cxnSp>
         <p:nvCxnSpPr>
           <p:cNvPr id="30" name="Straight Arrow Connector 29"/>
-          <p:cNvCxnSpPr/>
+          <p:cNvCxnSpPr>
+            <a:endCxn id="37" idx="0"/>
+          </p:cNvCxnSpPr>
           <p:nvPr/>
         </p:nvCxnSpPr>
         <p:spPr>
-          <a:xfrm>
-            <a:off x="9583418" y="3888393"/>
-            <a:ext cx="0" cy="1195675"/>
+          <a:xfrm flipH="1">
+            <a:off x="8670073" y="3888393"/>
+            <a:ext cx="744757" cy="1714145"/>
           </a:xfrm>
           <a:prstGeom prst="straightConnector1">
             <a:avLst/>
@@ -4789,7 +4924,7 @@
           <a:p>
             <a:r>
               <a:rPr lang="en-US" dirty="0" smtClean="0"/>
-              <a:t>4)</a:t>
+              <a:t>5)</a:t>
             </a:r>
             <a:endParaRPr lang="en-US" dirty="0"/>
           </a:p>
@@ -4833,7 +4968,7 @@
         </p:nvSpPr>
         <p:spPr>
           <a:xfrm>
-            <a:off x="8207784" y="4475258"/>
+            <a:off x="8068279" y="4420516"/>
             <a:ext cx="394751" cy="369332"/>
           </a:xfrm>
           <a:prstGeom prst="rect">
@@ -4863,7 +4998,7 @@
         </p:nvSpPr>
         <p:spPr>
           <a:xfrm>
-            <a:off x="9256820" y="4475258"/>
+            <a:off x="9089087" y="4417395"/>
             <a:ext cx="460311" cy="369332"/>
           </a:xfrm>
           <a:prstGeom prst="rect">
@@ -4880,6 +5015,275 @@
             <a:r>
               <a:rPr lang="en-US" dirty="0" smtClean="0"/>
               <a:t>3)</a:t>
+            </a:r>
+            <a:endParaRPr lang="en-US" dirty="0"/>
+          </a:p>
+        </p:txBody>
+      </p:sp>
+      <p:cxnSp>
+        <p:nvCxnSpPr>
+          <p:cNvPr id="21" name="Straight Arrow Connector 20"/>
+          <p:cNvCxnSpPr>
+            <a:endCxn id="39" idx="0"/>
+          </p:cNvCxnSpPr>
+          <p:nvPr/>
+        </p:nvCxnSpPr>
+        <p:spPr>
+          <a:xfrm>
+            <a:off x="9777046" y="3888393"/>
+            <a:ext cx="163334" cy="1714145"/>
+          </a:xfrm>
+          <a:prstGeom prst="straightConnector1">
+            <a:avLst/>
+          </a:prstGeom>
+          <a:ln>
+            <a:tailEnd type="triangle"/>
+          </a:ln>
+        </p:spPr>
+        <p:style>
+          <a:lnRef idx="1">
+            <a:schemeClr val="accent1"/>
+          </a:lnRef>
+          <a:fillRef idx="0">
+            <a:schemeClr val="accent1"/>
+          </a:fillRef>
+          <a:effectRef idx="0">
+            <a:schemeClr val="accent1"/>
+          </a:effectRef>
+          <a:fontRef idx="minor">
+            <a:schemeClr val="tx1"/>
+          </a:fontRef>
+        </p:style>
+      </p:cxnSp>
+      <p:sp>
+        <p:nvSpPr>
+          <p:cNvPr id="22" name="TextBox 21"/>
+          <p:cNvSpPr txBox="1"/>
+          <p:nvPr/>
+        </p:nvSpPr>
+        <p:spPr>
+          <a:xfrm>
+            <a:off x="9803379" y="4433517"/>
+            <a:ext cx="407025" cy="369332"/>
+          </a:xfrm>
+          <a:prstGeom prst="rect">
+            <a:avLst/>
+          </a:prstGeom>
+          <a:noFill/>
+        </p:spPr>
+        <p:txBody>
+          <a:bodyPr wrap="square" rtlCol="0">
+            <a:spAutoFit/>
+          </a:bodyPr>
+          <a:lstStyle/>
+          <a:p>
+            <a:r>
+              <a:rPr lang="en-US" dirty="0" smtClean="0"/>
+              <a:t>4)</a:t>
+            </a:r>
+            <a:endParaRPr lang="en-US" dirty="0"/>
+          </a:p>
+        </p:txBody>
+      </p:sp>
+      <p:sp>
+        <p:nvSpPr>
+          <p:cNvPr id="31" name="Rounded Rectangle 30"/>
+          <p:cNvSpPr/>
+          <p:nvPr/>
+        </p:nvSpPr>
+        <p:spPr>
+          <a:xfrm>
+            <a:off x="6788832" y="5602538"/>
+            <a:ext cx="1151053" cy="469936"/>
+          </a:xfrm>
+          <a:prstGeom prst="roundRect">
+            <a:avLst/>
+          </a:prstGeom>
+        </p:spPr>
+        <p:style>
+          <a:lnRef idx="2">
+            <a:schemeClr val="accent1"/>
+          </a:lnRef>
+          <a:fillRef idx="1">
+            <a:schemeClr val="lt1"/>
+          </a:fillRef>
+          <a:effectRef idx="0">
+            <a:schemeClr val="accent1"/>
+          </a:effectRef>
+          <a:fontRef idx="minor">
+            <a:schemeClr val="dk1"/>
+          </a:fontRef>
+        </p:style>
+        <p:txBody>
+          <a:bodyPr rtlCol="0" anchor="ctr"/>
+          <a:lstStyle/>
+          <a:p>
+            <a:pPr algn="ctr"/>
+            <a:endParaRPr lang="en-US"/>
+          </a:p>
+        </p:txBody>
+      </p:sp>
+      <p:sp>
+        <p:nvSpPr>
+          <p:cNvPr id="36" name="TextBox 35"/>
+          <p:cNvSpPr txBox="1"/>
+          <p:nvPr/>
+        </p:nvSpPr>
+        <p:spPr>
+          <a:xfrm>
+            <a:off x="6788832" y="5661130"/>
+            <a:ext cx="1230566" cy="369332"/>
+          </a:xfrm>
+          <a:prstGeom prst="rect">
+            <a:avLst/>
+          </a:prstGeom>
+          <a:noFill/>
+        </p:spPr>
+        <p:txBody>
+          <a:bodyPr wrap="square" rtlCol="0">
+            <a:spAutoFit/>
+          </a:bodyPr>
+          <a:lstStyle/>
+          <a:p>
+            <a:r>
+              <a:rPr lang="en-US" dirty="0" smtClean="0"/>
+              <a:t>Processors</a:t>
+            </a:r>
+            <a:endParaRPr lang="en-US" dirty="0"/>
+          </a:p>
+        </p:txBody>
+      </p:sp>
+      <p:sp>
+        <p:nvSpPr>
+          <p:cNvPr id="37" name="Rounded Rectangle 36"/>
+          <p:cNvSpPr/>
+          <p:nvPr/>
+        </p:nvSpPr>
+        <p:spPr>
+          <a:xfrm>
+            <a:off x="8082407" y="5602538"/>
+            <a:ext cx="1175331" cy="469936"/>
+          </a:xfrm>
+          <a:prstGeom prst="roundRect">
+            <a:avLst/>
+          </a:prstGeom>
+        </p:spPr>
+        <p:style>
+          <a:lnRef idx="2">
+            <a:schemeClr val="accent1"/>
+          </a:lnRef>
+          <a:fillRef idx="1">
+            <a:schemeClr val="lt1"/>
+          </a:fillRef>
+          <a:effectRef idx="0">
+            <a:schemeClr val="accent1"/>
+          </a:effectRef>
+          <a:fontRef idx="minor">
+            <a:schemeClr val="dk1"/>
+          </a:fontRef>
+        </p:style>
+        <p:txBody>
+          <a:bodyPr rtlCol="0" anchor="ctr"/>
+          <a:lstStyle/>
+          <a:p>
+            <a:pPr algn="ctr"/>
+            <a:endParaRPr lang="en-US"/>
+          </a:p>
+        </p:txBody>
+      </p:sp>
+      <p:sp>
+        <p:nvSpPr>
+          <p:cNvPr id="38" name="TextBox 37"/>
+          <p:cNvSpPr txBox="1"/>
+          <p:nvPr/>
+        </p:nvSpPr>
+        <p:spPr>
+          <a:xfrm>
+            <a:off x="8099435" y="5661130"/>
+            <a:ext cx="1221393" cy="369332"/>
+          </a:xfrm>
+          <a:prstGeom prst="rect">
+            <a:avLst/>
+          </a:prstGeom>
+          <a:noFill/>
+        </p:spPr>
+        <p:txBody>
+          <a:bodyPr wrap="square" rtlCol="0">
+            <a:spAutoFit/>
+          </a:bodyPr>
+          <a:lstStyle/>
+          <a:p>
+            <a:r>
+              <a:rPr lang="en-US" dirty="0" err="1" smtClean="0"/>
+              <a:t>JobModel</a:t>
+            </a:r>
+            <a:endParaRPr lang="en-US" dirty="0"/>
+          </a:p>
+        </p:txBody>
+      </p:sp>
+      <p:sp>
+        <p:nvSpPr>
+          <p:cNvPr id="39" name="Rounded Rectangle 38"/>
+          <p:cNvSpPr/>
+          <p:nvPr/>
+        </p:nvSpPr>
+        <p:spPr>
+          <a:xfrm>
+            <a:off x="9352714" y="5602538"/>
+            <a:ext cx="1175331" cy="469936"/>
+          </a:xfrm>
+          <a:prstGeom prst="roundRect">
+            <a:avLst/>
+          </a:prstGeom>
+        </p:spPr>
+        <p:style>
+          <a:lnRef idx="2">
+            <a:schemeClr val="accent1"/>
+          </a:lnRef>
+          <a:fillRef idx="1">
+            <a:schemeClr val="lt1"/>
+          </a:fillRef>
+          <a:effectRef idx="0">
+            <a:schemeClr val="accent1"/>
+          </a:effectRef>
+          <a:fontRef idx="minor">
+            <a:schemeClr val="dk1"/>
+          </a:fontRef>
+        </p:style>
+        <p:txBody>
+          <a:bodyPr rtlCol="0" anchor="ctr"/>
+          <a:lstStyle/>
+          <a:p>
+            <a:pPr algn="ctr"/>
+            <a:endParaRPr lang="en-US"/>
+          </a:p>
+        </p:txBody>
+      </p:sp>
+      <p:sp>
+        <p:nvSpPr>
+          <p:cNvPr id="40" name="TextBox 39"/>
+          <p:cNvSpPr txBox="1"/>
+          <p:nvPr/>
+        </p:nvSpPr>
+        <p:spPr>
+          <a:xfrm>
+            <a:off x="9512706" y="5661130"/>
+            <a:ext cx="907339" cy="369332"/>
+          </a:xfrm>
+          <a:prstGeom prst="rect">
+            <a:avLst/>
+          </a:prstGeom>
+          <a:noFill/>
+        </p:spPr>
+        <p:txBody>
+          <a:bodyPr wrap="square" rtlCol="0">
+            <a:spAutoFit/>
+          </a:bodyPr>
+          <a:lstStyle/>
+          <a:p>
+            <a:r>
+              <a:rPr lang="en-US" dirty="0" smtClean="0"/>
+              <a:t>Barrier</a:t>
             </a:r>
             <a:endParaRPr lang="en-US" dirty="0"/>
           </a:p>
@@ -4927,6 +5331,1617 @@
         </p:nvSpPr>
         <p:spPr>
           <a:xfrm>
+            <a:off x="0" y="-162413"/>
+            <a:ext cx="10515600" cy="1325563"/>
+          </a:xfrm>
+        </p:spPr>
+        <p:txBody>
+          <a:bodyPr/>
+          <a:lstStyle/>
+          <a:p>
+            <a:r>
+              <a:rPr lang="en-US"/>
+              <a:t>LeaderJobCoordinator</a:t>
+            </a:r>
+          </a:p>
+        </p:txBody>
+      </p:sp>
+      <p:sp>
+        <p:nvSpPr>
+          <p:cNvPr id="4" name="TextBox 3"/>
+          <p:cNvSpPr txBox="1"/>
+          <p:nvPr/>
+        </p:nvSpPr>
+        <p:spPr>
+          <a:xfrm>
+            <a:off x="196362" y="1349965"/>
+            <a:ext cx="4199792" cy="923330"/>
+          </a:xfrm>
+          <a:prstGeom prst="rect">
+            <a:avLst/>
+          </a:prstGeom>
+          <a:noFill/>
+        </p:spPr>
+        <p:txBody>
+          <a:bodyPr wrap="square" rtlCol="0">
+            <a:spAutoFit/>
+          </a:bodyPr>
+          <a:lstStyle/>
+          <a:p>
+            <a:r>
+              <a:rPr lang="en-US" dirty="0" smtClean="0"/>
+              <a:t>1. In AM container, the run-leader.sh script will be run and the </a:t>
+            </a:r>
+            <a:r>
+              <a:rPr lang="en-US" dirty="0" err="1" smtClean="0"/>
+              <a:t>LeaderJobCoordinator</a:t>
+            </a:r>
+            <a:r>
+              <a:rPr lang="en-US" dirty="0" smtClean="0"/>
+              <a:t> will be started.</a:t>
+            </a:r>
+            <a:endParaRPr lang="en-US" dirty="0"/>
+          </a:p>
+        </p:txBody>
+      </p:sp>
+      <p:sp>
+        <p:nvSpPr>
+          <p:cNvPr id="5" name="TextBox 4"/>
+          <p:cNvSpPr txBox="1"/>
+          <p:nvPr/>
+        </p:nvSpPr>
+        <p:spPr>
+          <a:xfrm>
+            <a:off x="183169" y="2591319"/>
+            <a:ext cx="4683369" cy="646331"/>
+          </a:xfrm>
+          <a:prstGeom prst="rect">
+            <a:avLst/>
+          </a:prstGeom>
+          <a:noFill/>
+        </p:spPr>
+        <p:txBody>
+          <a:bodyPr wrap="square" rtlCol="0">
+            <a:spAutoFit/>
+          </a:bodyPr>
+          <a:lstStyle/>
+          <a:p>
+            <a:r>
+              <a:rPr lang="en-US" dirty="0" smtClean="0"/>
+              <a:t>2. Start all old components: </a:t>
+            </a:r>
+            <a:r>
+              <a:rPr lang="en-US" dirty="0" err="1" smtClean="0"/>
+              <a:t>JobModelManager</a:t>
+            </a:r>
+            <a:r>
+              <a:rPr lang="en-US" dirty="0" smtClean="0"/>
+              <a:t>, </a:t>
+            </a:r>
+            <a:r>
+              <a:rPr lang="en-US" dirty="0" err="1" smtClean="0"/>
+              <a:t>ContainerProcessManager</a:t>
+            </a:r>
+            <a:r>
+              <a:rPr lang="en-US" dirty="0" smtClean="0"/>
+              <a:t>, etc.</a:t>
+            </a:r>
+            <a:endParaRPr lang="en-US" dirty="0"/>
+          </a:p>
+        </p:txBody>
+      </p:sp>
+      <p:sp>
+        <p:nvSpPr>
+          <p:cNvPr id="6" name="TextBox 5"/>
+          <p:cNvSpPr txBox="1"/>
+          <p:nvPr/>
+        </p:nvSpPr>
+        <p:spPr>
+          <a:xfrm>
+            <a:off x="196361" y="3573149"/>
+            <a:ext cx="5114558" cy="923330"/>
+          </a:xfrm>
+          <a:prstGeom prst="rect">
+            <a:avLst/>
+          </a:prstGeom>
+          <a:noFill/>
+        </p:spPr>
+        <p:txBody>
+          <a:bodyPr wrap="square" rtlCol="0">
+            <a:spAutoFit/>
+          </a:bodyPr>
+          <a:lstStyle/>
+          <a:p>
+            <a:r>
+              <a:rPr lang="en-US" dirty="0" smtClean="0"/>
+              <a:t>3. Start </a:t>
+            </a:r>
+            <a:r>
+              <a:rPr lang="en-US" dirty="0" err="1" smtClean="0"/>
+              <a:t>JobModelUpdater</a:t>
+            </a:r>
+            <a:r>
+              <a:rPr lang="en-US" dirty="0" smtClean="0"/>
+              <a:t>. </a:t>
+            </a:r>
+            <a:r>
+              <a:rPr lang="en-US" dirty="0" err="1" smtClean="0"/>
+              <a:t>JobModelUpdater</a:t>
+            </a:r>
+            <a:r>
+              <a:rPr lang="en-US" dirty="0" smtClean="0"/>
+              <a:t> will publish </a:t>
+            </a:r>
+            <a:r>
+              <a:rPr lang="en-US" dirty="0" err="1" smtClean="0"/>
+              <a:t>JobModel</a:t>
+            </a:r>
+            <a:r>
+              <a:rPr lang="en-US" dirty="0" smtClean="0"/>
+              <a:t> to </a:t>
+            </a:r>
+            <a:r>
+              <a:rPr lang="en-US" dirty="0" err="1" smtClean="0"/>
+              <a:t>ZooKeeper</a:t>
+            </a:r>
+            <a:r>
+              <a:rPr lang="en-US" dirty="0" smtClean="0"/>
+              <a:t> server for all </a:t>
+            </a:r>
+            <a:r>
+              <a:rPr lang="en-US" dirty="0" err="1" smtClean="0"/>
+              <a:t>StreamProcessors</a:t>
+            </a:r>
+            <a:r>
+              <a:rPr lang="en-US" dirty="0" smtClean="0"/>
+              <a:t> to read.</a:t>
+            </a:r>
+          </a:p>
+        </p:txBody>
+      </p:sp>
+      <p:sp>
+        <p:nvSpPr>
+          <p:cNvPr id="7" name="TextBox 6"/>
+          <p:cNvSpPr txBox="1"/>
+          <p:nvPr/>
+        </p:nvSpPr>
+        <p:spPr>
+          <a:xfrm>
+            <a:off x="196361" y="4946883"/>
+            <a:ext cx="4507524" cy="1200329"/>
+          </a:xfrm>
+          <a:prstGeom prst="rect">
+            <a:avLst/>
+          </a:prstGeom>
+          <a:noFill/>
+        </p:spPr>
+        <p:txBody>
+          <a:bodyPr wrap="square" rtlCol="0">
+            <a:spAutoFit/>
+          </a:bodyPr>
+          <a:lstStyle/>
+          <a:p>
+            <a:r>
+              <a:rPr lang="en-US" dirty="0" err="1" smtClean="0"/>
+              <a:t>ShellCommandConfig.scala</a:t>
+            </a:r>
+            <a:r>
+              <a:rPr lang="en-US" dirty="0" smtClean="0"/>
+              <a:t> file has been modify so that </a:t>
+            </a:r>
+            <a:r>
+              <a:rPr lang="en-US" dirty="0" err="1" smtClean="0"/>
+              <a:t>LeaderJobCoordinator</a:t>
+            </a:r>
+            <a:r>
+              <a:rPr lang="en-US" dirty="0" smtClean="0"/>
+              <a:t> will run run-follower.sh instead of run-container.sh when containers start.</a:t>
+            </a:r>
+            <a:endParaRPr lang="en-US" dirty="0"/>
+          </a:p>
+        </p:txBody>
+      </p:sp>
+      <p:pic>
+        <p:nvPicPr>
+          <p:cNvPr id="8" name="Picture 7"/>
+          <p:cNvPicPr>
+            <a:picLocks noChangeAspect="1"/>
+          </p:cNvPicPr>
+          <p:nvPr/>
+        </p:nvPicPr>
+        <p:blipFill>
+          <a:blip r:embed="rId2"/>
+          <a:stretch>
+            <a:fillRect/>
+          </a:stretch>
+        </p:blipFill>
+        <p:spPr>
+          <a:xfrm>
+            <a:off x="5644662" y="716696"/>
+            <a:ext cx="5697781" cy="773692"/>
+          </a:xfrm>
+          <a:prstGeom prst="rect">
+            <a:avLst/>
+          </a:prstGeom>
+        </p:spPr>
+      </p:pic>
+      <p:cxnSp>
+        <p:nvCxnSpPr>
+          <p:cNvPr id="10" name="Straight Arrow Connector 9"/>
+          <p:cNvCxnSpPr>
+            <a:stCxn id="4" idx="3"/>
+            <a:endCxn id="8" idx="1"/>
+          </p:cNvCxnSpPr>
+          <p:nvPr/>
+        </p:nvCxnSpPr>
+        <p:spPr>
+          <a:xfrm flipV="1">
+            <a:off x="4396154" y="1103542"/>
+            <a:ext cx="1248508" cy="708088"/>
+          </a:xfrm>
+          <a:prstGeom prst="straightConnector1">
+            <a:avLst/>
+          </a:prstGeom>
+          <a:ln>
+            <a:tailEnd type="triangle"/>
+          </a:ln>
+        </p:spPr>
+        <p:style>
+          <a:lnRef idx="1">
+            <a:schemeClr val="accent1"/>
+          </a:lnRef>
+          <a:fillRef idx="0">
+            <a:schemeClr val="accent1"/>
+          </a:fillRef>
+          <a:effectRef idx="0">
+            <a:schemeClr val="accent1"/>
+          </a:effectRef>
+          <a:fontRef idx="minor">
+            <a:schemeClr val="tx1"/>
+          </a:fontRef>
+        </p:style>
+      </p:cxnSp>
+      <p:pic>
+        <p:nvPicPr>
+          <p:cNvPr id="13" name="Picture 12"/>
+          <p:cNvPicPr>
+            <a:picLocks noChangeAspect="1"/>
+          </p:cNvPicPr>
+          <p:nvPr/>
+        </p:nvPicPr>
+        <p:blipFill>
+          <a:blip r:embed="rId3"/>
+          <a:stretch>
+            <a:fillRect/>
+          </a:stretch>
+        </p:blipFill>
+        <p:spPr>
+          <a:xfrm>
+            <a:off x="5844119" y="5743942"/>
+            <a:ext cx="4671481" cy="806540"/>
+          </a:xfrm>
+          <a:prstGeom prst="rect">
+            <a:avLst/>
+          </a:prstGeom>
+        </p:spPr>
+      </p:pic>
+      <p:cxnSp>
+        <p:nvCxnSpPr>
+          <p:cNvPr id="15" name="Straight Arrow Connector 14"/>
+          <p:cNvCxnSpPr>
+            <a:stCxn id="7" idx="3"/>
+            <a:endCxn id="13" idx="1"/>
+          </p:cNvCxnSpPr>
+          <p:nvPr/>
+        </p:nvCxnSpPr>
+        <p:spPr>
+          <a:xfrm>
+            <a:off x="4703885" y="5547048"/>
+            <a:ext cx="1140234" cy="600164"/>
+          </a:xfrm>
+          <a:prstGeom prst="straightConnector1">
+            <a:avLst/>
+          </a:prstGeom>
+          <a:ln>
+            <a:tailEnd type="triangle"/>
+          </a:ln>
+        </p:spPr>
+        <p:style>
+          <a:lnRef idx="1">
+            <a:schemeClr val="accent1"/>
+          </a:lnRef>
+          <a:fillRef idx="0">
+            <a:schemeClr val="accent1"/>
+          </a:fillRef>
+          <a:effectRef idx="0">
+            <a:schemeClr val="accent1"/>
+          </a:effectRef>
+          <a:fontRef idx="minor">
+            <a:schemeClr val="tx1"/>
+          </a:fontRef>
+        </p:style>
+      </p:cxnSp>
+      <p:pic>
+        <p:nvPicPr>
+          <p:cNvPr id="22" name="Picture 21"/>
+          <p:cNvPicPr>
+            <a:picLocks noChangeAspect="1"/>
+          </p:cNvPicPr>
+          <p:nvPr/>
+        </p:nvPicPr>
+        <p:blipFill>
+          <a:blip r:embed="rId4"/>
+          <a:stretch>
+            <a:fillRect/>
+          </a:stretch>
+        </p:blipFill>
+        <p:spPr>
+          <a:xfrm>
+            <a:off x="5792713" y="1562302"/>
+            <a:ext cx="3581349" cy="2061126"/>
+          </a:xfrm>
+          <a:prstGeom prst="rect">
+            <a:avLst/>
+          </a:prstGeom>
+        </p:spPr>
+      </p:pic>
+      <p:cxnSp>
+        <p:nvCxnSpPr>
+          <p:cNvPr id="21" name="Straight Arrow Connector 20"/>
+          <p:cNvCxnSpPr/>
+          <p:nvPr/>
+        </p:nvCxnSpPr>
+        <p:spPr>
+          <a:xfrm flipV="1">
+            <a:off x="4703885" y="3077585"/>
+            <a:ext cx="1318846" cy="999392"/>
+          </a:xfrm>
+          <a:prstGeom prst="straightConnector1">
+            <a:avLst/>
+          </a:prstGeom>
+          <a:ln>
+            <a:tailEnd type="triangle"/>
+          </a:ln>
+        </p:spPr>
+        <p:style>
+          <a:lnRef idx="1">
+            <a:schemeClr val="accent1"/>
+          </a:lnRef>
+          <a:fillRef idx="0">
+            <a:schemeClr val="accent1"/>
+          </a:fillRef>
+          <a:effectRef idx="0">
+            <a:schemeClr val="accent1"/>
+          </a:effectRef>
+          <a:fontRef idx="minor">
+            <a:schemeClr val="tx1"/>
+          </a:fontRef>
+        </p:style>
+      </p:cxnSp>
+      <p:cxnSp>
+        <p:nvCxnSpPr>
+          <p:cNvPr id="19" name="Straight Arrow Connector 18"/>
+          <p:cNvCxnSpPr>
+            <a:stCxn id="5" idx="3"/>
+          </p:cNvCxnSpPr>
+          <p:nvPr/>
+        </p:nvCxnSpPr>
+        <p:spPr>
+          <a:xfrm flipV="1">
+            <a:off x="4866538" y="2281005"/>
+            <a:ext cx="1088828" cy="633480"/>
+          </a:xfrm>
+          <a:prstGeom prst="straightConnector1">
+            <a:avLst/>
+          </a:prstGeom>
+          <a:ln>
+            <a:tailEnd type="triangle"/>
+          </a:ln>
+        </p:spPr>
+        <p:style>
+          <a:lnRef idx="1">
+            <a:schemeClr val="accent1"/>
+          </a:lnRef>
+          <a:fillRef idx="0">
+            <a:schemeClr val="accent1"/>
+          </a:fillRef>
+          <a:effectRef idx="0">
+            <a:schemeClr val="accent1"/>
+          </a:effectRef>
+          <a:fontRef idx="minor">
+            <a:schemeClr val="tx1"/>
+          </a:fontRef>
+        </p:style>
+      </p:cxnSp>
+      <p:pic>
+        <p:nvPicPr>
+          <p:cNvPr id="27" name="Picture 26"/>
+          <p:cNvPicPr>
+            <a:picLocks noChangeAspect="1"/>
+          </p:cNvPicPr>
+          <p:nvPr/>
+        </p:nvPicPr>
+        <p:blipFill>
+          <a:blip r:embed="rId5"/>
+          <a:stretch>
+            <a:fillRect/>
+          </a:stretch>
+        </p:blipFill>
+        <p:spPr>
+          <a:xfrm>
+            <a:off x="5844119" y="3723641"/>
+            <a:ext cx="4829175" cy="219075"/>
+          </a:xfrm>
+          <a:prstGeom prst="rect">
+            <a:avLst/>
+          </a:prstGeom>
+        </p:spPr>
+      </p:pic>
+      <p:pic>
+        <p:nvPicPr>
+          <p:cNvPr id="28" name="Picture 27"/>
+          <p:cNvPicPr>
+            <a:picLocks noChangeAspect="1"/>
+          </p:cNvPicPr>
+          <p:nvPr/>
+        </p:nvPicPr>
+        <p:blipFill>
+          <a:blip r:embed="rId6"/>
+          <a:stretch>
+            <a:fillRect/>
+          </a:stretch>
+        </p:blipFill>
+        <p:spPr>
+          <a:xfrm>
+            <a:off x="5955366" y="3897954"/>
+            <a:ext cx="3952875" cy="1057275"/>
+          </a:xfrm>
+          <a:prstGeom prst="rect">
+            <a:avLst/>
+          </a:prstGeom>
+        </p:spPr>
+      </p:pic>
+      <p:cxnSp>
+        <p:nvCxnSpPr>
+          <p:cNvPr id="30" name="Straight Arrow Connector 29"/>
+          <p:cNvCxnSpPr/>
+          <p:nvPr/>
+        </p:nvCxnSpPr>
+        <p:spPr>
+          <a:xfrm>
+            <a:off x="4703885" y="4076977"/>
+            <a:ext cx="1591407" cy="419502"/>
+          </a:xfrm>
+          <a:prstGeom prst="straightConnector1">
+            <a:avLst/>
+          </a:prstGeom>
+          <a:ln>
+            <a:tailEnd type="triangle"/>
+          </a:ln>
+        </p:spPr>
+        <p:style>
+          <a:lnRef idx="1">
+            <a:schemeClr val="accent1"/>
+          </a:lnRef>
+          <a:fillRef idx="0">
+            <a:schemeClr val="accent1"/>
+          </a:fillRef>
+          <a:effectRef idx="0">
+            <a:schemeClr val="accent1"/>
+          </a:effectRef>
+          <a:fontRef idx="minor">
+            <a:schemeClr val="tx1"/>
+          </a:fontRef>
+        </p:style>
+      </p:cxnSp>
+    </p:spTree>
+    <p:extLst>
+      <p:ext uri="{BB962C8B-B14F-4D97-AF65-F5344CB8AC3E}">
+        <p14:creationId xmlns:p14="http://schemas.microsoft.com/office/powerpoint/2010/main" val="3172290269"/>
+      </p:ext>
+    </p:extLst>
+  </p:cSld>
+  <p:clrMapOvr>
+    <a:masterClrMapping/>
+  </p:clrMapOvr>
+</p:sld>
+</file>
+
+<file path=ppt/slides/slide5.xml><?xml version="1.0" encoding="utf-8"?>
+<p:sld xmlns:a="http://schemas.openxmlformats.org/drawingml/2006/main" xmlns:r="http://schemas.openxmlformats.org/officeDocument/2006/relationships" xmlns:p="http://schemas.openxmlformats.org/presentationml/2006/main">
+  <p:cSld>
+    <p:spTree>
+      <p:nvGrpSpPr>
+        <p:cNvPr id="1" name=""/>
+        <p:cNvGrpSpPr/>
+        <p:nvPr/>
+      </p:nvGrpSpPr>
+      <p:grpSpPr>
+        <a:xfrm>
+          <a:off x="0" y="0"/>
+          <a:ext cx="0" cy="0"/>
+          <a:chOff x="0" y="0"/>
+          <a:chExt cx="0" cy="0"/>
+        </a:xfrm>
+      </p:grpSpPr>
+      <p:sp>
+        <p:nvSpPr>
+          <p:cNvPr id="2" name="Title 1"/>
+          <p:cNvSpPr>
+            <a:spLocks noGrp="1"/>
+          </p:cNvSpPr>
+          <p:nvPr>
+            <p:ph type="title"/>
+          </p:nvPr>
+        </p:nvSpPr>
+        <p:spPr>
+          <a:xfrm>
+            <a:off x="141846" y="-212684"/>
+            <a:ext cx="10515600" cy="1325563"/>
+          </a:xfrm>
+        </p:spPr>
+        <p:txBody>
+          <a:bodyPr/>
+          <a:lstStyle/>
+          <a:p>
+            <a:r>
+              <a:rPr lang="en-US" dirty="0" err="1" smtClean="0"/>
+              <a:t>JobModelUpdater</a:t>
+            </a:r>
+            <a:endParaRPr lang="en-US" dirty="0"/>
+          </a:p>
+        </p:txBody>
+      </p:sp>
+      <p:sp>
+        <p:nvSpPr>
+          <p:cNvPr id="4" name="TextBox 3"/>
+          <p:cNvSpPr txBox="1"/>
+          <p:nvPr/>
+        </p:nvSpPr>
+        <p:spPr>
+          <a:xfrm>
+            <a:off x="190514" y="739755"/>
+            <a:ext cx="4070839" cy="369332"/>
+          </a:xfrm>
+          <a:prstGeom prst="rect">
+            <a:avLst/>
+          </a:prstGeom>
+          <a:noFill/>
+        </p:spPr>
+        <p:txBody>
+          <a:bodyPr wrap="square" rtlCol="0">
+            <a:spAutoFit/>
+          </a:bodyPr>
+          <a:lstStyle/>
+          <a:p>
+            <a:r>
+              <a:rPr lang="en-US" dirty="0" smtClean="0"/>
+              <a:t>3. Start </a:t>
+            </a:r>
+            <a:r>
+              <a:rPr lang="en-US" dirty="0" err="1" smtClean="0"/>
+              <a:t>JobModelUpdater</a:t>
+            </a:r>
+            <a:endParaRPr lang="en-US" dirty="0" smtClean="0"/>
+          </a:p>
+        </p:txBody>
+      </p:sp>
+      <p:sp>
+        <p:nvSpPr>
+          <p:cNvPr id="5" name="TextBox 4"/>
+          <p:cNvSpPr txBox="1"/>
+          <p:nvPr/>
+        </p:nvSpPr>
+        <p:spPr>
+          <a:xfrm>
+            <a:off x="501603" y="1015335"/>
+            <a:ext cx="4898043" cy="5909310"/>
+          </a:xfrm>
+          <a:prstGeom prst="rect">
+            <a:avLst/>
+          </a:prstGeom>
+          <a:noFill/>
+        </p:spPr>
+        <p:txBody>
+          <a:bodyPr wrap="square" rtlCol="0">
+            <a:spAutoFit/>
+          </a:bodyPr>
+          <a:lstStyle/>
+          <a:p>
+            <a:pPr marL="342900" indent="-342900">
+              <a:buAutoNum type="arabicParenR"/>
+            </a:pPr>
+            <a:r>
+              <a:rPr lang="en-US" dirty="0" smtClean="0"/>
+              <a:t>Use </a:t>
+            </a:r>
+            <a:r>
+              <a:rPr lang="en-US" dirty="0" err="1" smtClean="0"/>
+              <a:t>ZkUtils</a:t>
+            </a:r>
+            <a:r>
+              <a:rPr lang="en-US" dirty="0" smtClean="0"/>
+              <a:t> and </a:t>
+            </a:r>
+            <a:r>
+              <a:rPr lang="en-US" dirty="0" err="1" smtClean="0"/>
+              <a:t>FollowerControllerImpl</a:t>
+            </a:r>
+            <a:r>
+              <a:rPr lang="en-US" dirty="0" smtClean="0"/>
+              <a:t> to register with </a:t>
+            </a:r>
+            <a:r>
+              <a:rPr lang="en-US" dirty="0" err="1" smtClean="0"/>
+              <a:t>ZooKeeper</a:t>
+            </a:r>
+            <a:r>
+              <a:rPr lang="en-US" dirty="0" smtClean="0"/>
+              <a:t> server. </a:t>
+            </a:r>
+          </a:p>
+          <a:p>
+            <a:pPr marL="342900" indent="-342900">
+              <a:buAutoNum type="arabicParenR"/>
+            </a:pPr>
+            <a:endParaRPr lang="en-US" dirty="0" smtClean="0"/>
+          </a:p>
+          <a:p>
+            <a:pPr marL="342900" indent="-342900">
+              <a:buAutoNum type="arabicParenR"/>
+            </a:pPr>
+            <a:r>
+              <a:rPr lang="en-US" dirty="0" err="1" smtClean="0"/>
+              <a:t>FollowerControllerImpl</a:t>
+            </a:r>
+            <a:r>
+              <a:rPr lang="en-US" dirty="0" smtClean="0"/>
+              <a:t> will subscribe to change of online processors. If the list of online processors changes, the </a:t>
+            </a:r>
+            <a:r>
+              <a:rPr lang="en-US" dirty="0" err="1" smtClean="0"/>
+              <a:t>ZooKeeper</a:t>
+            </a:r>
+            <a:r>
+              <a:rPr lang="en-US" dirty="0" smtClean="0"/>
+              <a:t> server will inform </a:t>
+            </a:r>
+            <a:r>
+              <a:rPr lang="en-US" dirty="0" err="1" smtClean="0"/>
+              <a:t>JobModelUpdater</a:t>
+            </a:r>
+            <a:r>
+              <a:rPr lang="en-US" dirty="0" smtClean="0"/>
+              <a:t> through callback method (</a:t>
+            </a:r>
+            <a:r>
+              <a:rPr lang="en-US" dirty="0" err="1" smtClean="0"/>
+              <a:t>onProcessorsChange</a:t>
+            </a:r>
+            <a:r>
+              <a:rPr lang="en-US" dirty="0" smtClean="0"/>
+              <a:t>)</a:t>
+            </a:r>
+          </a:p>
+          <a:p>
+            <a:pPr marL="342900" indent="-342900">
+              <a:buAutoNum type="arabicParenR"/>
+            </a:pPr>
+            <a:endParaRPr lang="en-US" dirty="0" smtClean="0"/>
+          </a:p>
+          <a:p>
+            <a:pPr marL="342900" indent="-342900">
+              <a:buAutoNum type="arabicParenR"/>
+            </a:pPr>
+            <a:r>
+              <a:rPr lang="en-US" dirty="0" err="1" smtClean="0"/>
+              <a:t>JobModel</a:t>
+            </a:r>
+            <a:r>
+              <a:rPr lang="en-US" altLang="zh-CN" dirty="0" err="1" smtClean="0"/>
+              <a:t>Updater</a:t>
+            </a:r>
+            <a:r>
+              <a:rPr lang="en-US" altLang="zh-CN" dirty="0" smtClean="0"/>
+              <a:t> </a:t>
+            </a:r>
+            <a:r>
+              <a:rPr lang="en-US" altLang="zh-CN" dirty="0" smtClean="0"/>
+              <a:t>will publish the </a:t>
+            </a:r>
+            <a:r>
+              <a:rPr lang="en-US" altLang="zh-CN" dirty="0" err="1" smtClean="0"/>
+              <a:t>newJobModel</a:t>
+            </a:r>
+            <a:r>
+              <a:rPr lang="en-US" altLang="zh-CN" dirty="0" smtClean="0"/>
+              <a:t> to </a:t>
+            </a:r>
+            <a:r>
+              <a:rPr lang="en-US" altLang="zh-CN" dirty="0" err="1" smtClean="0"/>
+              <a:t>ZooKeeper</a:t>
+            </a:r>
+            <a:r>
+              <a:rPr lang="en-US" altLang="zh-CN" dirty="0" smtClean="0"/>
+              <a:t> server </a:t>
+            </a:r>
+            <a:r>
+              <a:rPr lang="en-US" altLang="zh-CN" dirty="0" smtClean="0"/>
+              <a:t>when the number of processors are equal to the number of containers in the </a:t>
+            </a:r>
+            <a:r>
+              <a:rPr lang="en-US" altLang="zh-CN" dirty="0" err="1" smtClean="0"/>
+              <a:t>newJobModel</a:t>
+            </a:r>
+            <a:r>
+              <a:rPr lang="en-US" altLang="zh-CN" dirty="0" smtClean="0"/>
+              <a:t>. </a:t>
+            </a:r>
+          </a:p>
+          <a:p>
+            <a:pPr marL="342900" indent="-342900">
+              <a:buAutoNum type="arabicParenR"/>
+            </a:pPr>
+            <a:endParaRPr lang="en-US" altLang="zh-CN" dirty="0" smtClean="0"/>
+          </a:p>
+          <a:p>
+            <a:pPr marL="342900" indent="-342900">
+              <a:buAutoNum type="arabicParenR"/>
+            </a:pPr>
+            <a:r>
+              <a:rPr lang="en-US" altLang="zh-CN" dirty="0" err="1" smtClean="0"/>
+              <a:t>JobModelUpdater</a:t>
+            </a:r>
+            <a:r>
+              <a:rPr lang="en-US" altLang="zh-CN" dirty="0" smtClean="0"/>
+              <a:t> will also start a Barrier in </a:t>
+            </a:r>
+            <a:r>
+              <a:rPr lang="en-US" altLang="zh-CN" dirty="0" err="1" smtClean="0"/>
+              <a:t>ZooKeeper</a:t>
+            </a:r>
+            <a:r>
+              <a:rPr lang="en-US" altLang="zh-CN" dirty="0" smtClean="0"/>
+              <a:t> server, which will wait until all </a:t>
+            </a:r>
+            <a:r>
+              <a:rPr lang="en-US" altLang="zh-CN" dirty="0" err="1" smtClean="0"/>
+              <a:t>StreamProcessors</a:t>
+            </a:r>
+            <a:r>
+              <a:rPr lang="en-US" altLang="zh-CN" dirty="0" smtClean="0"/>
+              <a:t> knows the </a:t>
+            </a:r>
+            <a:r>
+              <a:rPr lang="en-US" altLang="zh-CN" dirty="0" err="1" smtClean="0"/>
+              <a:t>newJobModel</a:t>
+            </a:r>
+            <a:r>
+              <a:rPr lang="en-US" altLang="zh-CN" dirty="0" smtClean="0"/>
+              <a:t>. </a:t>
+            </a:r>
+          </a:p>
+          <a:p>
+            <a:pPr marL="342900" indent="-342900">
+              <a:buAutoNum type="arabicParenR"/>
+            </a:pPr>
+            <a:endParaRPr lang="en-US" dirty="0" smtClean="0"/>
+          </a:p>
+          <a:p>
+            <a:pPr marL="342900" indent="-342900">
+              <a:buAutoNum type="arabicParenR"/>
+            </a:pPr>
+            <a:r>
+              <a:rPr lang="en-US" dirty="0" err="1" smtClean="0"/>
+              <a:t>LeaderJobCoordinator</a:t>
+            </a:r>
+            <a:r>
+              <a:rPr lang="en-US" dirty="0" smtClean="0"/>
+              <a:t> </a:t>
+            </a:r>
+            <a:r>
+              <a:rPr lang="en-US" dirty="0" smtClean="0"/>
+              <a:t>can set the </a:t>
+            </a:r>
+            <a:r>
+              <a:rPr lang="en-US" dirty="0" err="1" smtClean="0"/>
+              <a:t>newJobModel</a:t>
+            </a:r>
+            <a:r>
+              <a:rPr lang="en-US" dirty="0" smtClean="0"/>
+              <a:t> to be published in </a:t>
+            </a:r>
+            <a:r>
+              <a:rPr lang="en-US" dirty="0" err="1" smtClean="0"/>
+              <a:t>JobModelUpdater</a:t>
+            </a:r>
+            <a:endParaRPr lang="en-US" dirty="0"/>
+          </a:p>
+        </p:txBody>
+      </p:sp>
+      <p:pic>
+        <p:nvPicPr>
+          <p:cNvPr id="3" name="Picture 2"/>
+          <p:cNvPicPr>
+            <a:picLocks noChangeAspect="1"/>
+          </p:cNvPicPr>
+          <p:nvPr/>
+        </p:nvPicPr>
+        <p:blipFill>
+          <a:blip r:embed="rId2"/>
+          <a:stretch>
+            <a:fillRect/>
+          </a:stretch>
+        </p:blipFill>
+        <p:spPr>
+          <a:xfrm>
+            <a:off x="6176242" y="58819"/>
+            <a:ext cx="4374527" cy="1392473"/>
+          </a:xfrm>
+          <a:prstGeom prst="rect">
+            <a:avLst/>
+          </a:prstGeom>
+        </p:spPr>
+      </p:pic>
+      <p:cxnSp>
+        <p:nvCxnSpPr>
+          <p:cNvPr id="20" name="Straight Arrow Connector 19"/>
+          <p:cNvCxnSpPr/>
+          <p:nvPr/>
+        </p:nvCxnSpPr>
+        <p:spPr>
+          <a:xfrm flipV="1">
+            <a:off x="4818185" y="518746"/>
+            <a:ext cx="1529861" cy="870439"/>
+          </a:xfrm>
+          <a:prstGeom prst="straightConnector1">
+            <a:avLst/>
+          </a:prstGeom>
+          <a:ln>
+            <a:tailEnd type="triangle"/>
+          </a:ln>
+        </p:spPr>
+        <p:style>
+          <a:lnRef idx="1">
+            <a:schemeClr val="accent1"/>
+          </a:lnRef>
+          <a:fillRef idx="0">
+            <a:schemeClr val="accent1"/>
+          </a:fillRef>
+          <a:effectRef idx="0">
+            <a:schemeClr val="accent1"/>
+          </a:effectRef>
+          <a:fontRef idx="minor">
+            <a:schemeClr val="tx1"/>
+          </a:fontRef>
+        </p:style>
+      </p:cxnSp>
+      <p:cxnSp>
+        <p:nvCxnSpPr>
+          <p:cNvPr id="25" name="Straight Arrow Connector 24"/>
+          <p:cNvCxnSpPr/>
+          <p:nvPr/>
+        </p:nvCxnSpPr>
+        <p:spPr>
+          <a:xfrm flipV="1">
+            <a:off x="4844562" y="940635"/>
+            <a:ext cx="1503484" cy="447824"/>
+          </a:xfrm>
+          <a:prstGeom prst="straightConnector1">
+            <a:avLst/>
+          </a:prstGeom>
+          <a:ln>
+            <a:tailEnd type="triangle"/>
+          </a:ln>
+        </p:spPr>
+        <p:style>
+          <a:lnRef idx="1">
+            <a:schemeClr val="accent1"/>
+          </a:lnRef>
+          <a:fillRef idx="0">
+            <a:schemeClr val="accent1"/>
+          </a:fillRef>
+          <a:effectRef idx="0">
+            <a:schemeClr val="accent1"/>
+          </a:effectRef>
+          <a:fontRef idx="minor">
+            <a:schemeClr val="tx1"/>
+          </a:fontRef>
+        </p:style>
+      </p:cxnSp>
+      <p:pic>
+        <p:nvPicPr>
+          <p:cNvPr id="27" name="Picture 26"/>
+          <p:cNvPicPr>
+            <a:picLocks noChangeAspect="1"/>
+          </p:cNvPicPr>
+          <p:nvPr/>
+        </p:nvPicPr>
+        <p:blipFill>
+          <a:blip r:embed="rId3"/>
+          <a:stretch>
+            <a:fillRect/>
+          </a:stretch>
+        </p:blipFill>
+        <p:spPr>
+          <a:xfrm>
+            <a:off x="6176242" y="1495515"/>
+            <a:ext cx="3371775" cy="674355"/>
+          </a:xfrm>
+          <a:prstGeom prst="rect">
+            <a:avLst/>
+          </a:prstGeom>
+        </p:spPr>
+      </p:pic>
+      <p:cxnSp>
+        <p:nvCxnSpPr>
+          <p:cNvPr id="29" name="Straight Arrow Connector 28"/>
+          <p:cNvCxnSpPr/>
+          <p:nvPr/>
+        </p:nvCxnSpPr>
+        <p:spPr>
+          <a:xfrm>
+            <a:off x="4818185" y="1376423"/>
+            <a:ext cx="1529861" cy="540680"/>
+          </a:xfrm>
+          <a:prstGeom prst="straightConnector1">
+            <a:avLst/>
+          </a:prstGeom>
+          <a:ln>
+            <a:tailEnd type="triangle"/>
+          </a:ln>
+        </p:spPr>
+        <p:style>
+          <a:lnRef idx="1">
+            <a:schemeClr val="accent1"/>
+          </a:lnRef>
+          <a:fillRef idx="0">
+            <a:schemeClr val="accent1"/>
+          </a:fillRef>
+          <a:effectRef idx="0">
+            <a:schemeClr val="accent1"/>
+          </a:effectRef>
+          <a:fontRef idx="minor">
+            <a:schemeClr val="tx1"/>
+          </a:fontRef>
+        </p:style>
+      </p:cxnSp>
+      <p:pic>
+        <p:nvPicPr>
+          <p:cNvPr id="43" name="Picture 42"/>
+          <p:cNvPicPr>
+            <a:picLocks noChangeAspect="1"/>
+          </p:cNvPicPr>
+          <p:nvPr/>
+        </p:nvPicPr>
+        <p:blipFill>
+          <a:blip r:embed="rId4"/>
+          <a:stretch>
+            <a:fillRect/>
+          </a:stretch>
+        </p:blipFill>
+        <p:spPr>
+          <a:xfrm>
+            <a:off x="6311960" y="2120615"/>
+            <a:ext cx="3714384" cy="1209064"/>
+          </a:xfrm>
+          <a:prstGeom prst="rect">
+            <a:avLst/>
+          </a:prstGeom>
+        </p:spPr>
+      </p:pic>
+      <p:cxnSp>
+        <p:nvCxnSpPr>
+          <p:cNvPr id="45" name="Straight Arrow Connector 44"/>
+          <p:cNvCxnSpPr/>
+          <p:nvPr/>
+        </p:nvCxnSpPr>
+        <p:spPr>
+          <a:xfrm>
+            <a:off x="4739054" y="2193409"/>
+            <a:ext cx="1951892" cy="866314"/>
+          </a:xfrm>
+          <a:prstGeom prst="straightConnector1">
+            <a:avLst/>
+          </a:prstGeom>
+          <a:ln>
+            <a:tailEnd type="triangle"/>
+          </a:ln>
+        </p:spPr>
+        <p:style>
+          <a:lnRef idx="1">
+            <a:schemeClr val="accent1"/>
+          </a:lnRef>
+          <a:fillRef idx="0">
+            <a:schemeClr val="accent1"/>
+          </a:fillRef>
+          <a:effectRef idx="0">
+            <a:schemeClr val="accent1"/>
+          </a:effectRef>
+          <a:fontRef idx="minor">
+            <a:schemeClr val="tx1"/>
+          </a:fontRef>
+        </p:style>
+      </p:cxnSp>
+      <p:pic>
+        <p:nvPicPr>
+          <p:cNvPr id="49" name="Picture 48"/>
+          <p:cNvPicPr>
+            <a:picLocks noChangeAspect="1"/>
+          </p:cNvPicPr>
+          <p:nvPr/>
+        </p:nvPicPr>
+        <p:blipFill>
+          <a:blip r:embed="rId5"/>
+          <a:stretch>
+            <a:fillRect/>
+          </a:stretch>
+        </p:blipFill>
+        <p:spPr>
+          <a:xfrm>
+            <a:off x="6542398" y="3329679"/>
+            <a:ext cx="3642213" cy="348794"/>
+          </a:xfrm>
+          <a:prstGeom prst="rect">
+            <a:avLst/>
+          </a:prstGeom>
+        </p:spPr>
+      </p:pic>
+      <p:pic>
+        <p:nvPicPr>
+          <p:cNvPr id="55" name="Picture 54"/>
+          <p:cNvPicPr>
+            <a:picLocks noChangeAspect="1"/>
+          </p:cNvPicPr>
+          <p:nvPr/>
+        </p:nvPicPr>
+        <p:blipFill>
+          <a:blip r:embed="rId6"/>
+          <a:stretch>
+            <a:fillRect/>
+          </a:stretch>
+        </p:blipFill>
+        <p:spPr>
+          <a:xfrm>
+            <a:off x="6690946" y="3723117"/>
+            <a:ext cx="3615836" cy="191923"/>
+          </a:xfrm>
+          <a:prstGeom prst="rect">
+            <a:avLst/>
+          </a:prstGeom>
+        </p:spPr>
+      </p:pic>
+      <p:pic>
+        <p:nvPicPr>
+          <p:cNvPr id="56" name="Picture 55"/>
+          <p:cNvPicPr>
+            <a:picLocks noChangeAspect="1"/>
+          </p:cNvPicPr>
+          <p:nvPr/>
+        </p:nvPicPr>
+        <p:blipFill>
+          <a:blip r:embed="rId7"/>
+          <a:stretch>
+            <a:fillRect/>
+          </a:stretch>
+        </p:blipFill>
+        <p:spPr>
+          <a:xfrm>
+            <a:off x="6928337" y="3862319"/>
+            <a:ext cx="4048429" cy="215342"/>
+          </a:xfrm>
+          <a:prstGeom prst="rect">
+            <a:avLst/>
+          </a:prstGeom>
+        </p:spPr>
+      </p:pic>
+      <p:pic>
+        <p:nvPicPr>
+          <p:cNvPr id="57" name="Picture 56"/>
+          <p:cNvPicPr>
+            <a:picLocks noChangeAspect="1"/>
+          </p:cNvPicPr>
+          <p:nvPr/>
+        </p:nvPicPr>
+        <p:blipFill>
+          <a:blip r:embed="rId8"/>
+          <a:stretch>
+            <a:fillRect/>
+          </a:stretch>
+        </p:blipFill>
+        <p:spPr>
+          <a:xfrm>
+            <a:off x="7060222" y="4048257"/>
+            <a:ext cx="4439381" cy="427969"/>
+          </a:xfrm>
+          <a:prstGeom prst="rect">
+            <a:avLst/>
+          </a:prstGeom>
+        </p:spPr>
+      </p:pic>
+      <p:cxnSp>
+        <p:nvCxnSpPr>
+          <p:cNvPr id="59" name="Straight Arrow Connector 58"/>
+          <p:cNvCxnSpPr/>
+          <p:nvPr/>
+        </p:nvCxnSpPr>
+        <p:spPr>
+          <a:xfrm>
+            <a:off x="4739054" y="3059723"/>
+            <a:ext cx="2321168" cy="1350486"/>
+          </a:xfrm>
+          <a:prstGeom prst="straightConnector1">
+            <a:avLst/>
+          </a:prstGeom>
+          <a:ln>
+            <a:tailEnd type="triangle"/>
+          </a:ln>
+        </p:spPr>
+        <p:style>
+          <a:lnRef idx="1">
+            <a:schemeClr val="accent1"/>
+          </a:lnRef>
+          <a:fillRef idx="0">
+            <a:schemeClr val="accent1"/>
+          </a:fillRef>
+          <a:effectRef idx="0">
+            <a:schemeClr val="accent1"/>
+          </a:effectRef>
+          <a:fontRef idx="minor">
+            <a:schemeClr val="tx1"/>
+          </a:fontRef>
+        </p:style>
+      </p:cxnSp>
+      <p:cxnSp>
+        <p:nvCxnSpPr>
+          <p:cNvPr id="61" name="Straight Arrow Connector 60"/>
+          <p:cNvCxnSpPr/>
+          <p:nvPr/>
+        </p:nvCxnSpPr>
+        <p:spPr>
+          <a:xfrm flipH="1">
+            <a:off x="7939454" y="3556312"/>
+            <a:ext cx="870438" cy="166805"/>
+          </a:xfrm>
+          <a:prstGeom prst="straightConnector1">
+            <a:avLst/>
+          </a:prstGeom>
+          <a:ln>
+            <a:tailEnd type="triangle"/>
+          </a:ln>
+        </p:spPr>
+        <p:style>
+          <a:lnRef idx="1">
+            <a:schemeClr val="accent1"/>
+          </a:lnRef>
+          <a:fillRef idx="0">
+            <a:schemeClr val="accent1"/>
+          </a:fillRef>
+          <a:effectRef idx="0">
+            <a:schemeClr val="accent1"/>
+          </a:effectRef>
+          <a:fontRef idx="minor">
+            <a:schemeClr val="tx1"/>
+          </a:fontRef>
+        </p:style>
+      </p:cxnSp>
+      <p:cxnSp>
+        <p:nvCxnSpPr>
+          <p:cNvPr id="63" name="Straight Arrow Connector 62"/>
+          <p:cNvCxnSpPr/>
+          <p:nvPr/>
+        </p:nvCxnSpPr>
+        <p:spPr>
+          <a:xfrm>
+            <a:off x="7290660" y="3111299"/>
+            <a:ext cx="367440" cy="213253"/>
+          </a:xfrm>
+          <a:prstGeom prst="straightConnector1">
+            <a:avLst/>
+          </a:prstGeom>
+          <a:ln>
+            <a:tailEnd type="triangle"/>
+          </a:ln>
+        </p:spPr>
+        <p:style>
+          <a:lnRef idx="1">
+            <a:schemeClr val="accent1"/>
+          </a:lnRef>
+          <a:fillRef idx="0">
+            <a:schemeClr val="accent1"/>
+          </a:fillRef>
+          <a:effectRef idx="0">
+            <a:schemeClr val="accent1"/>
+          </a:effectRef>
+          <a:fontRef idx="minor">
+            <a:schemeClr val="tx1"/>
+          </a:fontRef>
+        </p:style>
+      </p:cxnSp>
+      <p:pic>
+        <p:nvPicPr>
+          <p:cNvPr id="66" name="Picture 65"/>
+          <p:cNvPicPr>
+            <a:picLocks noChangeAspect="1"/>
+          </p:cNvPicPr>
+          <p:nvPr/>
+        </p:nvPicPr>
+        <p:blipFill>
+          <a:blip r:embed="rId9"/>
+          <a:stretch>
+            <a:fillRect/>
+          </a:stretch>
+        </p:blipFill>
+        <p:spPr>
+          <a:xfrm>
+            <a:off x="6091970" y="4504674"/>
+            <a:ext cx="3711453" cy="173262"/>
+          </a:xfrm>
+          <a:prstGeom prst="rect">
+            <a:avLst/>
+          </a:prstGeom>
+        </p:spPr>
+      </p:pic>
+      <p:pic>
+        <p:nvPicPr>
+          <p:cNvPr id="67" name="Picture 66"/>
+          <p:cNvPicPr>
+            <a:picLocks noChangeAspect="1"/>
+          </p:cNvPicPr>
+          <p:nvPr/>
+        </p:nvPicPr>
+        <p:blipFill>
+          <a:blip r:embed="rId10"/>
+          <a:stretch>
+            <a:fillRect/>
+          </a:stretch>
+        </p:blipFill>
+        <p:spPr>
+          <a:xfrm>
+            <a:off x="6535443" y="4613501"/>
+            <a:ext cx="4375811" cy="318389"/>
+          </a:xfrm>
+          <a:prstGeom prst="rect">
+            <a:avLst/>
+          </a:prstGeom>
+        </p:spPr>
+      </p:pic>
+      <p:cxnSp>
+        <p:nvCxnSpPr>
+          <p:cNvPr id="69" name="Straight Arrow Connector 68"/>
+          <p:cNvCxnSpPr/>
+          <p:nvPr/>
+        </p:nvCxnSpPr>
+        <p:spPr>
+          <a:xfrm flipH="1">
+            <a:off x="7825154" y="4438657"/>
+            <a:ext cx="465992" cy="94959"/>
+          </a:xfrm>
+          <a:prstGeom prst="straightConnector1">
+            <a:avLst/>
+          </a:prstGeom>
+          <a:ln>
+            <a:tailEnd type="triangle"/>
+          </a:ln>
+        </p:spPr>
+        <p:style>
+          <a:lnRef idx="1">
+            <a:schemeClr val="accent1"/>
+          </a:lnRef>
+          <a:fillRef idx="0">
+            <a:schemeClr val="accent1"/>
+          </a:fillRef>
+          <a:effectRef idx="0">
+            <a:schemeClr val="accent1"/>
+          </a:effectRef>
+          <a:fontRef idx="minor">
+            <a:schemeClr val="tx1"/>
+          </a:fontRef>
+        </p:style>
+      </p:cxnSp>
+      <p:pic>
+        <p:nvPicPr>
+          <p:cNvPr id="70" name="Picture 69"/>
+          <p:cNvPicPr>
+            <a:picLocks noChangeAspect="1"/>
+          </p:cNvPicPr>
+          <p:nvPr/>
+        </p:nvPicPr>
+        <p:blipFill>
+          <a:blip r:embed="rId11"/>
+          <a:stretch>
+            <a:fillRect/>
+          </a:stretch>
+        </p:blipFill>
+        <p:spPr>
+          <a:xfrm>
+            <a:off x="6100004" y="4887537"/>
+            <a:ext cx="3524250" cy="209550"/>
+          </a:xfrm>
+          <a:prstGeom prst="rect">
+            <a:avLst/>
+          </a:prstGeom>
+        </p:spPr>
+      </p:pic>
+      <p:pic>
+        <p:nvPicPr>
+          <p:cNvPr id="71" name="Picture 70"/>
+          <p:cNvPicPr>
+            <a:picLocks noChangeAspect="1"/>
+          </p:cNvPicPr>
+          <p:nvPr/>
+        </p:nvPicPr>
+        <p:blipFill>
+          <a:blip r:embed="rId12"/>
+          <a:stretch>
+            <a:fillRect/>
+          </a:stretch>
+        </p:blipFill>
+        <p:spPr>
+          <a:xfrm>
+            <a:off x="6285583" y="5036697"/>
+            <a:ext cx="5562600" cy="390525"/>
+          </a:xfrm>
+          <a:prstGeom prst="rect">
+            <a:avLst/>
+          </a:prstGeom>
+        </p:spPr>
+      </p:pic>
+      <p:cxnSp>
+        <p:nvCxnSpPr>
+          <p:cNvPr id="73" name="Straight Arrow Connector 72"/>
+          <p:cNvCxnSpPr/>
+          <p:nvPr/>
+        </p:nvCxnSpPr>
+        <p:spPr>
+          <a:xfrm>
+            <a:off x="5249008" y="4077661"/>
+            <a:ext cx="1222130" cy="1232893"/>
+          </a:xfrm>
+          <a:prstGeom prst="straightConnector1">
+            <a:avLst/>
+          </a:prstGeom>
+          <a:ln>
+            <a:tailEnd type="triangle"/>
+          </a:ln>
+        </p:spPr>
+        <p:style>
+          <a:lnRef idx="1">
+            <a:schemeClr val="accent1"/>
+          </a:lnRef>
+          <a:fillRef idx="0">
+            <a:schemeClr val="accent1"/>
+          </a:fillRef>
+          <a:effectRef idx="0">
+            <a:schemeClr val="accent1"/>
+          </a:effectRef>
+          <a:fontRef idx="minor">
+            <a:schemeClr val="tx1"/>
+          </a:fontRef>
+        </p:style>
+      </p:cxnSp>
+      <p:pic>
+        <p:nvPicPr>
+          <p:cNvPr id="74" name="Picture 73"/>
+          <p:cNvPicPr>
+            <a:picLocks noChangeAspect="1"/>
+          </p:cNvPicPr>
+          <p:nvPr/>
+        </p:nvPicPr>
+        <p:blipFill>
+          <a:blip r:embed="rId13"/>
+          <a:stretch>
+            <a:fillRect/>
+          </a:stretch>
+        </p:blipFill>
+        <p:spPr>
+          <a:xfrm>
+            <a:off x="6710830" y="5384123"/>
+            <a:ext cx="4200424" cy="1092678"/>
+          </a:xfrm>
+          <a:prstGeom prst="rect">
+            <a:avLst/>
+          </a:prstGeom>
+        </p:spPr>
+      </p:pic>
+      <p:cxnSp>
+        <p:nvCxnSpPr>
+          <p:cNvPr id="76" name="Straight Arrow Connector 75"/>
+          <p:cNvCxnSpPr/>
+          <p:nvPr/>
+        </p:nvCxnSpPr>
+        <p:spPr>
+          <a:xfrm>
+            <a:off x="5081954" y="5310554"/>
+            <a:ext cx="1628876" cy="773723"/>
+          </a:xfrm>
+          <a:prstGeom prst="straightConnector1">
+            <a:avLst/>
+          </a:prstGeom>
+          <a:ln>
+            <a:tailEnd type="triangle"/>
+          </a:ln>
+        </p:spPr>
+        <p:style>
+          <a:lnRef idx="1">
+            <a:schemeClr val="accent1"/>
+          </a:lnRef>
+          <a:fillRef idx="0">
+            <a:schemeClr val="accent1"/>
+          </a:fillRef>
+          <a:effectRef idx="0">
+            <a:schemeClr val="accent1"/>
+          </a:effectRef>
+          <a:fontRef idx="minor">
+            <a:schemeClr val="tx1"/>
+          </a:fontRef>
+        </p:style>
+      </p:cxnSp>
+      <p:cxnSp>
+        <p:nvCxnSpPr>
+          <p:cNvPr id="78" name="Straight Arrow Connector 77"/>
+          <p:cNvCxnSpPr/>
+          <p:nvPr/>
+        </p:nvCxnSpPr>
+        <p:spPr>
+          <a:xfrm>
+            <a:off x="5249008" y="4077661"/>
+            <a:ext cx="1461822" cy="1625141"/>
+          </a:xfrm>
+          <a:prstGeom prst="straightConnector1">
+            <a:avLst/>
+          </a:prstGeom>
+          <a:ln>
+            <a:tailEnd type="triangle"/>
+          </a:ln>
+        </p:spPr>
+        <p:style>
+          <a:lnRef idx="1">
+            <a:schemeClr val="accent1"/>
+          </a:lnRef>
+          <a:fillRef idx="0">
+            <a:schemeClr val="accent1"/>
+          </a:fillRef>
+          <a:effectRef idx="0">
+            <a:schemeClr val="accent1"/>
+          </a:effectRef>
+          <a:fontRef idx="minor">
+            <a:schemeClr val="tx1"/>
+          </a:fontRef>
+        </p:style>
+      </p:cxnSp>
+      <p:cxnSp>
+        <p:nvCxnSpPr>
+          <p:cNvPr id="80" name="Straight Arrow Connector 79"/>
+          <p:cNvCxnSpPr/>
+          <p:nvPr/>
+        </p:nvCxnSpPr>
+        <p:spPr>
+          <a:xfrm>
+            <a:off x="5249008" y="4077661"/>
+            <a:ext cx="1441938" cy="2305554"/>
+          </a:xfrm>
+          <a:prstGeom prst="straightConnector1">
+            <a:avLst/>
+          </a:prstGeom>
+          <a:ln>
+            <a:tailEnd type="triangle"/>
+          </a:ln>
+        </p:spPr>
+        <p:style>
+          <a:lnRef idx="1">
+            <a:schemeClr val="accent1"/>
+          </a:lnRef>
+          <a:fillRef idx="0">
+            <a:schemeClr val="accent1"/>
+          </a:fillRef>
+          <a:effectRef idx="0">
+            <a:schemeClr val="accent1"/>
+          </a:effectRef>
+          <a:fontRef idx="minor">
+            <a:schemeClr val="tx1"/>
+          </a:fontRef>
+        </p:style>
+      </p:cxnSp>
+      <p:pic>
+        <p:nvPicPr>
+          <p:cNvPr id="81" name="Picture 80"/>
+          <p:cNvPicPr>
+            <a:picLocks noChangeAspect="1"/>
+          </p:cNvPicPr>
+          <p:nvPr/>
+        </p:nvPicPr>
+        <p:blipFill>
+          <a:blip r:embed="rId14"/>
+          <a:stretch>
+            <a:fillRect/>
+          </a:stretch>
+        </p:blipFill>
+        <p:spPr>
+          <a:xfrm>
+            <a:off x="4028807" y="6297744"/>
+            <a:ext cx="2513591" cy="517504"/>
+          </a:xfrm>
+          <a:prstGeom prst="rect">
+            <a:avLst/>
+          </a:prstGeom>
+        </p:spPr>
+      </p:pic>
+      <p:cxnSp>
+        <p:nvCxnSpPr>
+          <p:cNvPr id="83" name="Straight Arrow Connector 82"/>
+          <p:cNvCxnSpPr/>
+          <p:nvPr/>
+        </p:nvCxnSpPr>
+        <p:spPr>
+          <a:xfrm>
+            <a:off x="4177516" y="6160267"/>
+            <a:ext cx="561538" cy="133685"/>
+          </a:xfrm>
+          <a:prstGeom prst="straightConnector1">
+            <a:avLst/>
+          </a:prstGeom>
+          <a:ln>
+            <a:tailEnd type="triangle"/>
+          </a:ln>
+        </p:spPr>
+        <p:style>
+          <a:lnRef idx="1">
+            <a:schemeClr val="accent1"/>
+          </a:lnRef>
+          <a:fillRef idx="0">
+            <a:schemeClr val="accent1"/>
+          </a:fillRef>
+          <a:effectRef idx="0">
+            <a:schemeClr val="accent1"/>
+          </a:effectRef>
+          <a:fontRef idx="minor">
+            <a:schemeClr val="tx1"/>
+          </a:fontRef>
+        </p:style>
+      </p:cxnSp>
+    </p:spTree>
+    <p:extLst>
+      <p:ext uri="{BB962C8B-B14F-4D97-AF65-F5344CB8AC3E}">
+        <p14:creationId xmlns:p14="http://schemas.microsoft.com/office/powerpoint/2010/main" val="1388518157"/>
+      </p:ext>
+    </p:extLst>
+  </p:cSld>
+  <p:clrMapOvr>
+    <a:masterClrMapping/>
+  </p:clrMapOvr>
+</p:sld>
+</file>
+
+<file path=ppt/slides/slide6.xml><?xml version="1.0" encoding="utf-8"?>
+<p:sld xmlns:a="http://schemas.openxmlformats.org/drawingml/2006/main" xmlns:r="http://schemas.openxmlformats.org/officeDocument/2006/relationships" xmlns:p="http://schemas.openxmlformats.org/presentationml/2006/main">
+  <p:cSld>
+    <p:spTree>
+      <p:nvGrpSpPr>
+        <p:cNvPr id="1" name=""/>
+        <p:cNvGrpSpPr/>
+        <p:nvPr/>
+      </p:nvGrpSpPr>
+      <p:grpSpPr>
+        <a:xfrm>
+          <a:off x="0" y="0"/>
+          <a:ext cx="0" cy="0"/>
+          <a:chOff x="0" y="0"/>
+          <a:chExt cx="0" cy="0"/>
+        </a:xfrm>
+      </p:grpSpPr>
+      <p:sp>
+        <p:nvSpPr>
+          <p:cNvPr id="2" name="Title 1"/>
+          <p:cNvSpPr>
+            <a:spLocks noGrp="1"/>
+          </p:cNvSpPr>
+          <p:nvPr>
+            <p:ph type="title"/>
+          </p:nvPr>
+        </p:nvSpPr>
+        <p:spPr>
+          <a:xfrm>
             <a:off x="117231" y="-131885"/>
             <a:ext cx="10515600" cy="1325563"/>
           </a:xfrm>
@@ -4937,7 +6952,7 @@
           <a:p>
             <a:r>
               <a:rPr lang="en-US" dirty="0" err="1" smtClean="0"/>
-              <a:t>FollowerJobCoordinator</a:t>
+              <a:t>StreamProcessor</a:t>
             </a:r>
             <a:endParaRPr lang="en-US" dirty="0"/>
           </a:p>
@@ -5056,7 +7071,7 @@
         <p:spPr>
           <a:xfrm>
             <a:off x="7038242" y="1573824"/>
-            <a:ext cx="4273062" cy="967153"/>
+            <a:ext cx="4273062" cy="1151791"/>
           </a:xfrm>
           <a:prstGeom prst="rect">
             <a:avLst/>
@@ -5124,11 +7139,16 @@
         <p:spPr>
           <a:xfrm>
             <a:off x="6976695" y="2992316"/>
-            <a:ext cx="4273062" cy="2661138"/>
-          </a:xfrm>
-          <a:prstGeom prst="rect">
-            <a:avLst/>
-          </a:prstGeom>
+            <a:ext cx="4273062" cy="2898530"/>
+          </a:xfrm>
+          <a:prstGeom prst="rect">
+            <a:avLst/>
+          </a:prstGeom>
+          <a:ln>
+            <a:solidFill>
+              <a:schemeClr val="tx1"/>
+            </a:solidFill>
+          </a:ln>
         </p:spPr>
         <p:style>
           <a:lnRef idx="2">
@@ -5194,8 +7214,8 @@
         </p:nvCxnSpPr>
         <p:spPr>
           <a:xfrm>
-            <a:off x="9174773" y="2540977"/>
-            <a:ext cx="13189" cy="451339"/>
+            <a:off x="9174773" y="2725615"/>
+            <a:ext cx="13189" cy="266701"/>
           </a:xfrm>
           <a:prstGeom prst="straightConnector1">
             <a:avLst/>
@@ -5228,7 +7248,7 @@
         <p:spPr>
           <a:xfrm>
             <a:off x="7266842" y="3370385"/>
-            <a:ext cx="3815861" cy="1016977"/>
+            <a:ext cx="3815861" cy="1153867"/>
           </a:xfrm>
           <a:prstGeom prst="rect">
             <a:avLst/>
@@ -5287,10 +7307,4597 @@
           </a:p>
         </p:txBody>
       </p:sp>
+      <p:sp>
+        <p:nvSpPr>
+          <p:cNvPr id="10" name="Rectangle 9"/>
+          <p:cNvSpPr/>
+          <p:nvPr/>
+        </p:nvSpPr>
+        <p:spPr>
+          <a:xfrm>
+            <a:off x="7128362" y="2071843"/>
+            <a:ext cx="4092819" cy="580559"/>
+          </a:xfrm>
+          <a:prstGeom prst="rect">
+            <a:avLst/>
+          </a:prstGeom>
+        </p:spPr>
+        <p:style>
+          <a:lnRef idx="2">
+            <a:schemeClr val="accent1"/>
+          </a:lnRef>
+          <a:fillRef idx="1">
+            <a:schemeClr val="lt1"/>
+          </a:fillRef>
+          <a:effectRef idx="0">
+            <a:schemeClr val="accent1"/>
+          </a:effectRef>
+          <a:fontRef idx="minor">
+            <a:schemeClr val="dk1"/>
+          </a:fontRef>
+        </p:style>
+        <p:txBody>
+          <a:bodyPr rtlCol="0" anchor="ctr"/>
+          <a:lstStyle/>
+          <a:p>
+            <a:pPr algn="ctr"/>
+            <a:endParaRPr lang="en-US"/>
+          </a:p>
+        </p:txBody>
+      </p:sp>
+      <p:sp>
+        <p:nvSpPr>
+          <p:cNvPr id="12" name="TextBox 11"/>
+          <p:cNvSpPr txBox="1"/>
+          <p:nvPr/>
+        </p:nvSpPr>
+        <p:spPr>
+          <a:xfrm>
+            <a:off x="7128362" y="2189285"/>
+            <a:ext cx="4134582" cy="369332"/>
+          </a:xfrm>
+          <a:prstGeom prst="rect">
+            <a:avLst/>
+          </a:prstGeom>
+          <a:noFill/>
+        </p:spPr>
+        <p:txBody>
+          <a:bodyPr wrap="square" rtlCol="0">
+            <a:spAutoFit/>
+          </a:bodyPr>
+          <a:lstStyle/>
+          <a:p>
+            <a:r>
+              <a:rPr lang="en-US" dirty="0" err="1" smtClean="0"/>
+              <a:t>FollowerStreamProcessorLifeCycleListener</a:t>
+            </a:r>
+            <a:endParaRPr lang="en-US" dirty="0"/>
+          </a:p>
+        </p:txBody>
+      </p:sp>
+      <p:sp>
+        <p:nvSpPr>
+          <p:cNvPr id="13" name="Rectangle 12"/>
+          <p:cNvSpPr/>
+          <p:nvPr/>
+        </p:nvSpPr>
+        <p:spPr>
+          <a:xfrm>
+            <a:off x="7275634" y="5331281"/>
+            <a:ext cx="3811466" cy="414147"/>
+          </a:xfrm>
+          <a:prstGeom prst="rect">
+            <a:avLst/>
+          </a:prstGeom>
+          <a:ln>
+            <a:solidFill>
+              <a:schemeClr val="tx1"/>
+            </a:solidFill>
+          </a:ln>
+        </p:spPr>
+        <p:style>
+          <a:lnRef idx="2">
+            <a:schemeClr val="accent1"/>
+          </a:lnRef>
+          <a:fillRef idx="1">
+            <a:schemeClr val="lt1"/>
+          </a:fillRef>
+          <a:effectRef idx="0">
+            <a:schemeClr val="accent1"/>
+          </a:effectRef>
+          <a:fontRef idx="minor">
+            <a:schemeClr val="dk1"/>
+          </a:fontRef>
+        </p:style>
+        <p:txBody>
+          <a:bodyPr rtlCol="0" anchor="ctr"/>
+          <a:lstStyle/>
+          <a:p>
+            <a:pPr algn="ctr"/>
+            <a:endParaRPr lang="en-US"/>
+          </a:p>
+        </p:txBody>
+      </p:sp>
+      <p:sp>
+        <p:nvSpPr>
+          <p:cNvPr id="14" name="TextBox 13"/>
+          <p:cNvSpPr txBox="1"/>
+          <p:nvPr/>
+        </p:nvSpPr>
+        <p:spPr>
+          <a:xfrm>
+            <a:off x="8317520" y="5331281"/>
+            <a:ext cx="1758463" cy="369332"/>
+          </a:xfrm>
+          <a:prstGeom prst="rect">
+            <a:avLst/>
+          </a:prstGeom>
+          <a:noFill/>
+        </p:spPr>
+        <p:txBody>
+          <a:bodyPr wrap="square" rtlCol="0">
+            <a:spAutoFit/>
+          </a:bodyPr>
+          <a:lstStyle/>
+          <a:p>
+            <a:r>
+              <a:rPr lang="en-US" dirty="0" err="1" smtClean="0"/>
+              <a:t>SamzaContainer</a:t>
+            </a:r>
+            <a:endParaRPr lang="en-US" dirty="0"/>
+          </a:p>
+        </p:txBody>
+      </p:sp>
+      <p:sp>
+        <p:nvSpPr>
+          <p:cNvPr id="16" name="Rectangle 15"/>
+          <p:cNvSpPr/>
+          <p:nvPr/>
+        </p:nvSpPr>
+        <p:spPr>
+          <a:xfrm>
+            <a:off x="7768006" y="4523726"/>
+            <a:ext cx="2864825" cy="460186"/>
+          </a:xfrm>
+          <a:prstGeom prst="rect">
+            <a:avLst/>
+          </a:prstGeom>
+          <a:ln>
+            <a:solidFill>
+              <a:schemeClr val="tx1"/>
+            </a:solidFill>
+          </a:ln>
+        </p:spPr>
+        <p:style>
+          <a:lnRef idx="2">
+            <a:schemeClr val="accent1"/>
+          </a:lnRef>
+          <a:fillRef idx="1">
+            <a:schemeClr val="lt1"/>
+          </a:fillRef>
+          <a:effectRef idx="0">
+            <a:schemeClr val="accent1"/>
+          </a:effectRef>
+          <a:fontRef idx="minor">
+            <a:schemeClr val="dk1"/>
+          </a:fontRef>
+        </p:style>
+        <p:txBody>
+          <a:bodyPr rtlCol="0" anchor="ctr"/>
+          <a:lstStyle/>
+          <a:p>
+            <a:pPr algn="ctr"/>
+            <a:endParaRPr lang="en-US"/>
+          </a:p>
+        </p:txBody>
+      </p:sp>
+      <p:sp>
+        <p:nvSpPr>
+          <p:cNvPr id="17" name="TextBox 16"/>
+          <p:cNvSpPr txBox="1"/>
+          <p:nvPr/>
+        </p:nvSpPr>
+        <p:spPr>
+          <a:xfrm>
+            <a:off x="7973522" y="4555453"/>
+            <a:ext cx="2444261" cy="369332"/>
+          </a:xfrm>
+          <a:prstGeom prst="rect">
+            <a:avLst/>
+          </a:prstGeom>
+          <a:noFill/>
+        </p:spPr>
+        <p:txBody>
+          <a:bodyPr wrap="square" rtlCol="0">
+            <a:spAutoFit/>
+          </a:bodyPr>
+          <a:lstStyle/>
+          <a:p>
+            <a:r>
+              <a:rPr lang="en-US" dirty="0" err="1" smtClean="0"/>
+              <a:t>JobCoordinatorListener</a:t>
+            </a:r>
+            <a:endParaRPr lang="en-US" dirty="0"/>
+          </a:p>
+        </p:txBody>
+      </p:sp>
+      <p:sp>
+        <p:nvSpPr>
+          <p:cNvPr id="20" name="Rectangle 19"/>
+          <p:cNvSpPr/>
+          <p:nvPr/>
+        </p:nvSpPr>
+        <p:spPr>
+          <a:xfrm>
+            <a:off x="7499838" y="3771444"/>
+            <a:ext cx="3358662" cy="346342"/>
+          </a:xfrm>
+          <a:prstGeom prst="rect">
+            <a:avLst/>
+          </a:prstGeom>
+        </p:spPr>
+        <p:style>
+          <a:lnRef idx="2">
+            <a:schemeClr val="accent1"/>
+          </a:lnRef>
+          <a:fillRef idx="1">
+            <a:schemeClr val="lt1"/>
+          </a:fillRef>
+          <a:effectRef idx="0">
+            <a:schemeClr val="accent1"/>
+          </a:effectRef>
+          <a:fontRef idx="minor">
+            <a:schemeClr val="dk1"/>
+          </a:fontRef>
+        </p:style>
+        <p:txBody>
+          <a:bodyPr rtlCol="0" anchor="ctr"/>
+          <a:lstStyle/>
+          <a:p>
+            <a:pPr algn="ctr"/>
+            <a:endParaRPr lang="en-US"/>
+          </a:p>
+        </p:txBody>
+      </p:sp>
+      <p:sp>
+        <p:nvSpPr>
+          <p:cNvPr id="22" name="TextBox 21"/>
+          <p:cNvSpPr txBox="1"/>
+          <p:nvPr/>
+        </p:nvSpPr>
+        <p:spPr>
+          <a:xfrm>
+            <a:off x="8719769" y="3739717"/>
+            <a:ext cx="923195" cy="369332"/>
+          </a:xfrm>
+          <a:prstGeom prst="rect">
+            <a:avLst/>
+          </a:prstGeom>
+          <a:noFill/>
+        </p:spPr>
+        <p:txBody>
+          <a:bodyPr wrap="square" rtlCol="0">
+            <a:spAutoFit/>
+          </a:bodyPr>
+          <a:lstStyle/>
+          <a:p>
+            <a:r>
+              <a:rPr lang="en-US" dirty="0" err="1" smtClean="0"/>
+              <a:t>ZkUtils</a:t>
+            </a:r>
+            <a:endParaRPr lang="en-US" dirty="0"/>
+          </a:p>
+        </p:txBody>
+      </p:sp>
+      <p:sp>
+        <p:nvSpPr>
+          <p:cNvPr id="25" name="Rectangle 24"/>
+          <p:cNvSpPr/>
+          <p:nvPr/>
+        </p:nvSpPr>
+        <p:spPr>
+          <a:xfrm>
+            <a:off x="7499838" y="4149513"/>
+            <a:ext cx="3358662" cy="346342"/>
+          </a:xfrm>
+          <a:prstGeom prst="rect">
+            <a:avLst/>
+          </a:prstGeom>
+        </p:spPr>
+        <p:style>
+          <a:lnRef idx="2">
+            <a:schemeClr val="accent1"/>
+          </a:lnRef>
+          <a:fillRef idx="1">
+            <a:schemeClr val="lt1"/>
+          </a:fillRef>
+          <a:effectRef idx="0">
+            <a:schemeClr val="accent1"/>
+          </a:effectRef>
+          <a:fontRef idx="minor">
+            <a:schemeClr val="dk1"/>
+          </a:fontRef>
+        </p:style>
+        <p:txBody>
+          <a:bodyPr rtlCol="0" anchor="ctr"/>
+          <a:lstStyle/>
+          <a:p>
+            <a:pPr algn="ctr"/>
+            <a:endParaRPr lang="en-US"/>
+          </a:p>
+        </p:txBody>
+      </p:sp>
+      <p:sp>
+        <p:nvSpPr>
+          <p:cNvPr id="26" name="TextBox 25"/>
+          <p:cNvSpPr txBox="1"/>
+          <p:nvPr/>
+        </p:nvSpPr>
+        <p:spPr>
+          <a:xfrm>
+            <a:off x="7973522" y="4117786"/>
+            <a:ext cx="2659309" cy="369332"/>
+          </a:xfrm>
+          <a:prstGeom prst="rect">
+            <a:avLst/>
+          </a:prstGeom>
+          <a:noFill/>
+        </p:spPr>
+        <p:txBody>
+          <a:bodyPr wrap="square" rtlCol="0">
+            <a:spAutoFit/>
+          </a:bodyPr>
+          <a:lstStyle/>
+          <a:p>
+            <a:r>
+              <a:rPr lang="en-US" dirty="0" err="1" smtClean="0"/>
+              <a:t>FollowerControllerImpl</a:t>
+            </a:r>
+            <a:endParaRPr lang="en-US" dirty="0"/>
+          </a:p>
+        </p:txBody>
+      </p:sp>
+      <p:sp>
+        <p:nvSpPr>
+          <p:cNvPr id="27" name="TextBox 26"/>
+          <p:cNvSpPr txBox="1"/>
+          <p:nvPr/>
+        </p:nvSpPr>
+        <p:spPr>
+          <a:xfrm>
+            <a:off x="316524" y="969979"/>
+            <a:ext cx="5249008" cy="369332"/>
+          </a:xfrm>
+          <a:prstGeom prst="rect">
+            <a:avLst/>
+          </a:prstGeom>
+          <a:noFill/>
+        </p:spPr>
+        <p:txBody>
+          <a:bodyPr wrap="square" rtlCol="0">
+            <a:spAutoFit/>
+          </a:bodyPr>
+          <a:lstStyle/>
+          <a:p>
+            <a:r>
+              <a:rPr lang="en-US" dirty="0" smtClean="0"/>
+              <a:t>1. In each container, run-follower.sh script will be run.</a:t>
+            </a:r>
+            <a:endParaRPr lang="en-US" dirty="0"/>
+          </a:p>
+        </p:txBody>
+      </p:sp>
+      <p:sp>
+        <p:nvSpPr>
+          <p:cNvPr id="28" name="TextBox 27"/>
+          <p:cNvSpPr txBox="1"/>
+          <p:nvPr/>
+        </p:nvSpPr>
+        <p:spPr>
+          <a:xfrm>
+            <a:off x="7973522" y="785313"/>
+            <a:ext cx="430824" cy="369332"/>
+          </a:xfrm>
+          <a:prstGeom prst="rect">
+            <a:avLst/>
+          </a:prstGeom>
+          <a:noFill/>
+        </p:spPr>
+        <p:txBody>
+          <a:bodyPr wrap="square" rtlCol="0">
+            <a:spAutoFit/>
+          </a:bodyPr>
+          <a:lstStyle/>
+          <a:p>
+            <a:r>
+              <a:rPr lang="en-US" dirty="0" smtClean="0"/>
+              <a:t>1.</a:t>
+            </a:r>
+            <a:endParaRPr lang="en-US" dirty="0"/>
+          </a:p>
+        </p:txBody>
+      </p:sp>
+      <p:sp>
+        <p:nvSpPr>
+          <p:cNvPr id="29" name="TextBox 28"/>
+          <p:cNvSpPr txBox="1"/>
+          <p:nvPr/>
+        </p:nvSpPr>
+        <p:spPr>
+          <a:xfrm>
+            <a:off x="331177" y="1538999"/>
+            <a:ext cx="5710604" cy="2031325"/>
+          </a:xfrm>
+          <a:prstGeom prst="rect">
+            <a:avLst/>
+          </a:prstGeom>
+          <a:noFill/>
+        </p:spPr>
+        <p:txBody>
+          <a:bodyPr wrap="square" rtlCol="0">
+            <a:spAutoFit/>
+          </a:bodyPr>
+          <a:lstStyle/>
+          <a:p>
+            <a:r>
+              <a:rPr lang="en-US" dirty="0" smtClean="0"/>
+              <a:t>2. </a:t>
+            </a:r>
+            <a:r>
+              <a:rPr lang="en-US" dirty="0" err="1" smtClean="0"/>
+              <a:t>FollowerStreamProcessorRunner</a:t>
+            </a:r>
+            <a:r>
+              <a:rPr lang="en-US" dirty="0" smtClean="0"/>
+              <a:t> will be started by run-follower.sh script. It will read job-</a:t>
+            </a:r>
+            <a:r>
+              <a:rPr lang="en-US" dirty="0" err="1" smtClean="0"/>
+              <a:t>config</a:t>
+            </a:r>
+            <a:r>
+              <a:rPr lang="en-US" dirty="0" smtClean="0"/>
+              <a:t> from </a:t>
+            </a:r>
+            <a:r>
+              <a:rPr lang="en-US" dirty="0" err="1" smtClean="0"/>
+              <a:t>JobModelManager</a:t>
+            </a:r>
+            <a:r>
+              <a:rPr lang="en-US" dirty="0" smtClean="0"/>
+              <a:t> server and run the </a:t>
+            </a:r>
+            <a:r>
+              <a:rPr lang="en-US" dirty="0" err="1" smtClean="0"/>
+              <a:t>StreamProcessor</a:t>
+            </a:r>
+            <a:r>
+              <a:rPr lang="en-US" dirty="0" smtClean="0"/>
+              <a:t>. </a:t>
+            </a:r>
+          </a:p>
+          <a:p>
+            <a:r>
+              <a:rPr lang="en-US" dirty="0" smtClean="0"/>
+              <a:t>The </a:t>
+            </a:r>
+            <a:r>
+              <a:rPr lang="en-US" dirty="0" err="1" smtClean="0"/>
+              <a:t>FollowerStreamProcessorLifeCycleListener</a:t>
+            </a:r>
+            <a:r>
+              <a:rPr lang="en-US" dirty="0" smtClean="0"/>
+              <a:t> is the callback function that will be called when </a:t>
+            </a:r>
+            <a:r>
+              <a:rPr lang="en-US" dirty="0" err="1" smtClean="0"/>
+              <a:t>StreamProcessor’s</a:t>
+            </a:r>
+            <a:r>
+              <a:rPr lang="en-US" dirty="0" smtClean="0"/>
+              <a:t> running status changing. In our current implementation, it will never be called.</a:t>
+            </a:r>
+            <a:endParaRPr lang="en-US" dirty="0"/>
+          </a:p>
+        </p:txBody>
+      </p:sp>
+      <p:sp>
+        <p:nvSpPr>
+          <p:cNvPr id="30" name="TextBox 29"/>
+          <p:cNvSpPr txBox="1"/>
+          <p:nvPr/>
+        </p:nvSpPr>
+        <p:spPr>
+          <a:xfrm>
+            <a:off x="331176" y="3739717"/>
+            <a:ext cx="5953125" cy="923330"/>
+          </a:xfrm>
+          <a:prstGeom prst="rect">
+            <a:avLst/>
+          </a:prstGeom>
+          <a:noFill/>
+        </p:spPr>
+        <p:txBody>
+          <a:bodyPr wrap="square" rtlCol="0">
+            <a:spAutoFit/>
+          </a:bodyPr>
+          <a:lstStyle/>
+          <a:p>
+            <a:r>
+              <a:rPr lang="en-US" dirty="0" smtClean="0"/>
+              <a:t>3. </a:t>
+            </a:r>
+            <a:r>
+              <a:rPr lang="en-US" dirty="0" err="1" smtClean="0"/>
+              <a:t>StreamProcessor</a:t>
+            </a:r>
+            <a:r>
+              <a:rPr lang="en-US" dirty="0" smtClean="0"/>
+              <a:t> will start </a:t>
+            </a:r>
+            <a:r>
+              <a:rPr lang="en-US" dirty="0" err="1" smtClean="0"/>
+              <a:t>FollowerJobCoordinator</a:t>
+            </a:r>
+            <a:r>
+              <a:rPr lang="en-US" dirty="0" smtClean="0"/>
+              <a:t>. </a:t>
+            </a:r>
+            <a:r>
+              <a:rPr lang="en-US" dirty="0" err="1" smtClean="0"/>
+              <a:t>FollowerJobCoordinator</a:t>
+            </a:r>
+            <a:r>
+              <a:rPr lang="en-US" dirty="0" smtClean="0"/>
+              <a:t> will register with </a:t>
+            </a:r>
+            <a:r>
+              <a:rPr lang="en-US" dirty="0" err="1" smtClean="0"/>
+              <a:t>ZooKeeper</a:t>
+            </a:r>
+            <a:r>
+              <a:rPr lang="en-US" dirty="0" smtClean="0"/>
+              <a:t> server and watch for </a:t>
+            </a:r>
+            <a:r>
+              <a:rPr lang="en-US" dirty="0" err="1" smtClean="0"/>
+              <a:t>JobModel</a:t>
+            </a:r>
+            <a:r>
+              <a:rPr lang="en-US" dirty="0" smtClean="0"/>
+              <a:t> changes. </a:t>
+            </a:r>
+            <a:endParaRPr lang="en-US" dirty="0"/>
+          </a:p>
+        </p:txBody>
+      </p:sp>
+      <p:sp>
+        <p:nvSpPr>
+          <p:cNvPr id="31" name="TextBox 30"/>
+          <p:cNvSpPr txBox="1"/>
+          <p:nvPr/>
+        </p:nvSpPr>
+        <p:spPr>
+          <a:xfrm>
+            <a:off x="6701935" y="1626977"/>
+            <a:ext cx="426427" cy="369332"/>
+          </a:xfrm>
+          <a:prstGeom prst="rect">
+            <a:avLst/>
+          </a:prstGeom>
+          <a:noFill/>
+        </p:spPr>
+        <p:txBody>
+          <a:bodyPr wrap="square" rtlCol="0">
+            <a:spAutoFit/>
+          </a:bodyPr>
+          <a:lstStyle/>
+          <a:p>
+            <a:r>
+              <a:rPr lang="en-US" dirty="0" smtClean="0"/>
+              <a:t>2.</a:t>
+            </a:r>
+            <a:endParaRPr lang="en-US" dirty="0"/>
+          </a:p>
+        </p:txBody>
+      </p:sp>
+      <p:sp>
+        <p:nvSpPr>
+          <p:cNvPr id="32" name="TextBox 31"/>
+          <p:cNvSpPr txBox="1"/>
+          <p:nvPr/>
+        </p:nvSpPr>
+        <p:spPr>
+          <a:xfrm>
+            <a:off x="316524" y="4981293"/>
+            <a:ext cx="6270746" cy="1200329"/>
+          </a:xfrm>
+          <a:prstGeom prst="rect">
+            <a:avLst/>
+          </a:prstGeom>
+          <a:noFill/>
+        </p:spPr>
+        <p:txBody>
+          <a:bodyPr wrap="square" rtlCol="0">
+            <a:spAutoFit/>
+          </a:bodyPr>
+          <a:lstStyle/>
+          <a:p>
+            <a:r>
+              <a:rPr lang="en-US" dirty="0" smtClean="0"/>
+              <a:t>4. </a:t>
+            </a:r>
+            <a:r>
+              <a:rPr lang="en-US" dirty="0" err="1" smtClean="0"/>
+              <a:t>JobCoordinatorListener</a:t>
+            </a:r>
+            <a:r>
+              <a:rPr lang="en-US" dirty="0" smtClean="0"/>
+              <a:t> is the callback function that will be called by </a:t>
+            </a:r>
+            <a:r>
+              <a:rPr lang="en-US" dirty="0" err="1" smtClean="0"/>
+              <a:t>FollowerJobCoordinator</a:t>
+            </a:r>
+            <a:r>
+              <a:rPr lang="en-US" dirty="0" smtClean="0"/>
+              <a:t> when </a:t>
+            </a:r>
+            <a:r>
+              <a:rPr lang="en-US" dirty="0" err="1" smtClean="0"/>
+              <a:t>JobModel</a:t>
+            </a:r>
+            <a:r>
+              <a:rPr lang="en-US" dirty="0" smtClean="0"/>
+              <a:t> changes. It will set up and run the new </a:t>
+            </a:r>
+            <a:r>
+              <a:rPr lang="en-US" dirty="0" err="1" smtClean="0"/>
+              <a:t>SamzaContainer</a:t>
+            </a:r>
+            <a:r>
+              <a:rPr lang="en-US" dirty="0"/>
+              <a:t> </a:t>
+            </a:r>
+            <a:r>
+              <a:rPr lang="en-US" dirty="0" smtClean="0"/>
+              <a:t>when </a:t>
+            </a:r>
+            <a:r>
+              <a:rPr lang="en-US" dirty="0" err="1" smtClean="0"/>
+              <a:t>FollowerJobCoordinator</a:t>
+            </a:r>
+            <a:r>
+              <a:rPr lang="en-US" dirty="0" smtClean="0"/>
+              <a:t> call </a:t>
+            </a:r>
+            <a:r>
+              <a:rPr lang="en-US" dirty="0" err="1" smtClean="0"/>
+              <a:t>onNewJobModel</a:t>
+            </a:r>
+            <a:r>
+              <a:rPr lang="en-US" dirty="0" smtClean="0"/>
+              <a:t>() method.</a:t>
+            </a:r>
+            <a:endParaRPr lang="en-US" dirty="0"/>
+          </a:p>
+        </p:txBody>
+      </p:sp>
+      <p:sp>
+        <p:nvSpPr>
+          <p:cNvPr id="33" name="TextBox 32"/>
+          <p:cNvSpPr txBox="1"/>
+          <p:nvPr/>
+        </p:nvSpPr>
+        <p:spPr>
+          <a:xfrm>
+            <a:off x="7480786" y="3370385"/>
+            <a:ext cx="442547" cy="369332"/>
+          </a:xfrm>
+          <a:prstGeom prst="rect">
+            <a:avLst/>
+          </a:prstGeom>
+          <a:noFill/>
+        </p:spPr>
+        <p:txBody>
+          <a:bodyPr wrap="square" rtlCol="0">
+            <a:spAutoFit/>
+          </a:bodyPr>
+          <a:lstStyle/>
+          <a:p>
+            <a:r>
+              <a:rPr lang="en-US" dirty="0" smtClean="0"/>
+              <a:t>3.</a:t>
+            </a:r>
+            <a:endParaRPr lang="en-US" dirty="0"/>
+          </a:p>
+        </p:txBody>
+      </p:sp>
+      <p:sp>
+        <p:nvSpPr>
+          <p:cNvPr id="34" name="TextBox 33"/>
+          <p:cNvSpPr txBox="1"/>
+          <p:nvPr/>
+        </p:nvSpPr>
+        <p:spPr>
+          <a:xfrm>
+            <a:off x="7429503" y="4544484"/>
+            <a:ext cx="442544" cy="369332"/>
+          </a:xfrm>
+          <a:prstGeom prst="rect">
+            <a:avLst/>
+          </a:prstGeom>
+          <a:noFill/>
+        </p:spPr>
+        <p:txBody>
+          <a:bodyPr wrap="square" rtlCol="0">
+            <a:spAutoFit/>
+          </a:bodyPr>
+          <a:lstStyle/>
+          <a:p>
+            <a:r>
+              <a:rPr lang="en-US" dirty="0" smtClean="0"/>
+              <a:t>4.</a:t>
+            </a:r>
+            <a:endParaRPr lang="en-US" dirty="0"/>
+          </a:p>
+        </p:txBody>
+      </p:sp>
+      <p:cxnSp>
+        <p:nvCxnSpPr>
+          <p:cNvPr id="38" name="Straight Arrow Connector 37"/>
+          <p:cNvCxnSpPr>
+            <a:stCxn id="16" idx="2"/>
+            <a:endCxn id="14" idx="0"/>
+          </p:cNvCxnSpPr>
+          <p:nvPr/>
+        </p:nvCxnSpPr>
+        <p:spPr>
+          <a:xfrm flipH="1">
+            <a:off x="9196752" y="4983912"/>
+            <a:ext cx="3667" cy="347369"/>
+          </a:xfrm>
+          <a:prstGeom prst="straightConnector1">
+            <a:avLst/>
+          </a:prstGeom>
+          <a:ln>
+            <a:tailEnd type="triangle"/>
+          </a:ln>
+        </p:spPr>
+        <p:style>
+          <a:lnRef idx="1">
+            <a:schemeClr val="accent1"/>
+          </a:lnRef>
+          <a:fillRef idx="0">
+            <a:schemeClr val="accent1"/>
+          </a:fillRef>
+          <a:effectRef idx="0">
+            <a:schemeClr val="accent1"/>
+          </a:effectRef>
+          <a:fontRef idx="minor">
+            <a:schemeClr val="tx1"/>
+          </a:fontRef>
+        </p:style>
+      </p:cxnSp>
     </p:spTree>
     <p:extLst>
       <p:ext uri="{BB962C8B-B14F-4D97-AF65-F5344CB8AC3E}">
         <p14:creationId xmlns:p14="http://schemas.microsoft.com/office/powerpoint/2010/main" val="2050268505"/>
+      </p:ext>
+    </p:extLst>
+  </p:cSld>
+  <p:clrMapOvr>
+    <a:masterClrMapping/>
+  </p:clrMapOvr>
+</p:sld>
+</file>
+
+<file path=ppt/slides/slide7.xml><?xml version="1.0" encoding="utf-8"?>
+<p:sld xmlns:a="http://schemas.openxmlformats.org/drawingml/2006/main" xmlns:r="http://schemas.openxmlformats.org/officeDocument/2006/relationships" xmlns:p="http://schemas.openxmlformats.org/presentationml/2006/main">
+  <p:cSld>
+    <p:spTree>
+      <p:nvGrpSpPr>
+        <p:cNvPr id="1" name=""/>
+        <p:cNvGrpSpPr/>
+        <p:nvPr/>
+      </p:nvGrpSpPr>
+      <p:grpSpPr>
+        <a:xfrm>
+          <a:off x="0" y="0"/>
+          <a:ext cx="0" cy="0"/>
+          <a:chOff x="0" y="0"/>
+          <a:chExt cx="0" cy="0"/>
+        </a:xfrm>
+      </p:grpSpPr>
+      <p:sp>
+        <p:nvSpPr>
+          <p:cNvPr id="4" name="Title 1"/>
+          <p:cNvSpPr>
+            <a:spLocks noGrp="1"/>
+          </p:cNvSpPr>
+          <p:nvPr>
+            <p:ph type="title"/>
+          </p:nvPr>
+        </p:nvSpPr>
+        <p:spPr>
+          <a:xfrm>
+            <a:off x="117231" y="-131885"/>
+            <a:ext cx="10515600" cy="1325563"/>
+          </a:xfrm>
+        </p:spPr>
+        <p:txBody>
+          <a:bodyPr/>
+          <a:lstStyle/>
+          <a:p>
+            <a:r>
+              <a:rPr lang="en-US" dirty="0" err="1" smtClean="0"/>
+              <a:t>FollowerJobCoordinator</a:t>
+            </a:r>
+            <a:endParaRPr lang="en-US" dirty="0"/>
+          </a:p>
+        </p:txBody>
+      </p:sp>
+      <p:sp>
+        <p:nvSpPr>
+          <p:cNvPr id="5" name="Rectangle 4"/>
+          <p:cNvSpPr/>
+          <p:nvPr/>
+        </p:nvSpPr>
+        <p:spPr>
+          <a:xfrm>
+            <a:off x="6356838" y="1439863"/>
+            <a:ext cx="3877408" cy="2015513"/>
+          </a:xfrm>
+          <a:prstGeom prst="rect">
+            <a:avLst/>
+          </a:prstGeom>
+        </p:spPr>
+        <p:style>
+          <a:lnRef idx="2">
+            <a:schemeClr val="accent1"/>
+          </a:lnRef>
+          <a:fillRef idx="1">
+            <a:schemeClr val="lt1"/>
+          </a:fillRef>
+          <a:effectRef idx="0">
+            <a:schemeClr val="accent1"/>
+          </a:effectRef>
+          <a:fontRef idx="minor">
+            <a:schemeClr val="dk1"/>
+          </a:fontRef>
+        </p:style>
+        <p:txBody>
+          <a:bodyPr rtlCol="0" anchor="ctr"/>
+          <a:lstStyle/>
+          <a:p>
+            <a:pPr algn="ctr"/>
+            <a:endParaRPr lang="en-US"/>
+          </a:p>
+        </p:txBody>
+      </p:sp>
+      <p:sp>
+        <p:nvSpPr>
+          <p:cNvPr id="6" name="TextBox 5"/>
+          <p:cNvSpPr txBox="1"/>
+          <p:nvPr/>
+        </p:nvSpPr>
+        <p:spPr>
+          <a:xfrm>
+            <a:off x="7053626" y="1428612"/>
+            <a:ext cx="2483828" cy="369332"/>
+          </a:xfrm>
+          <a:prstGeom prst="rect">
+            <a:avLst/>
+          </a:prstGeom>
+          <a:noFill/>
+        </p:spPr>
+        <p:txBody>
+          <a:bodyPr wrap="square" rtlCol="0">
+            <a:spAutoFit/>
+          </a:bodyPr>
+          <a:lstStyle/>
+          <a:p>
+            <a:r>
+              <a:rPr lang="en-US" dirty="0" err="1" smtClean="0"/>
+              <a:t>FollowerJobCoordinator</a:t>
+            </a:r>
+            <a:endParaRPr lang="en-US" dirty="0"/>
+          </a:p>
+        </p:txBody>
+      </p:sp>
+      <p:sp>
+        <p:nvSpPr>
+          <p:cNvPr id="7" name="Rectangle 6"/>
+          <p:cNvSpPr/>
+          <p:nvPr/>
+        </p:nvSpPr>
+        <p:spPr>
+          <a:xfrm>
+            <a:off x="6660171" y="982662"/>
+            <a:ext cx="3270739" cy="457201"/>
+          </a:xfrm>
+          <a:prstGeom prst="rect">
+            <a:avLst/>
+          </a:prstGeom>
+          <a:ln>
+            <a:solidFill>
+              <a:schemeClr val="tx1"/>
+            </a:solidFill>
+          </a:ln>
+        </p:spPr>
+        <p:style>
+          <a:lnRef idx="2">
+            <a:schemeClr val="accent1"/>
+          </a:lnRef>
+          <a:fillRef idx="1">
+            <a:schemeClr val="lt1"/>
+          </a:fillRef>
+          <a:effectRef idx="0">
+            <a:schemeClr val="accent1"/>
+          </a:effectRef>
+          <a:fontRef idx="minor">
+            <a:schemeClr val="dk1"/>
+          </a:fontRef>
+        </p:style>
+        <p:txBody>
+          <a:bodyPr rtlCol="0" anchor="ctr"/>
+          <a:lstStyle/>
+          <a:p>
+            <a:pPr algn="ctr"/>
+            <a:endParaRPr lang="en-US"/>
+          </a:p>
+        </p:txBody>
+      </p:sp>
+      <p:sp>
+        <p:nvSpPr>
+          <p:cNvPr id="8" name="Rectangle 7"/>
+          <p:cNvSpPr/>
+          <p:nvPr/>
+        </p:nvSpPr>
+        <p:spPr>
+          <a:xfrm>
+            <a:off x="6660171" y="2019171"/>
+            <a:ext cx="3270739" cy="465993"/>
+          </a:xfrm>
+          <a:prstGeom prst="rect">
+            <a:avLst/>
+          </a:prstGeom>
+        </p:spPr>
+        <p:style>
+          <a:lnRef idx="2">
+            <a:schemeClr val="accent1"/>
+          </a:lnRef>
+          <a:fillRef idx="1">
+            <a:schemeClr val="lt1"/>
+          </a:fillRef>
+          <a:effectRef idx="0">
+            <a:schemeClr val="accent1"/>
+          </a:effectRef>
+          <a:fontRef idx="minor">
+            <a:schemeClr val="dk1"/>
+          </a:fontRef>
+        </p:style>
+        <p:txBody>
+          <a:bodyPr rtlCol="0" anchor="ctr"/>
+          <a:lstStyle/>
+          <a:p>
+            <a:pPr algn="ctr"/>
+            <a:endParaRPr lang="en-US"/>
+          </a:p>
+        </p:txBody>
+      </p:sp>
+      <p:sp>
+        <p:nvSpPr>
+          <p:cNvPr id="9" name="TextBox 8"/>
+          <p:cNvSpPr txBox="1"/>
+          <p:nvPr/>
+        </p:nvSpPr>
+        <p:spPr>
+          <a:xfrm>
+            <a:off x="7776793" y="2067501"/>
+            <a:ext cx="1037494" cy="369332"/>
+          </a:xfrm>
+          <a:prstGeom prst="rect">
+            <a:avLst/>
+          </a:prstGeom>
+          <a:noFill/>
+        </p:spPr>
+        <p:txBody>
+          <a:bodyPr wrap="square" rtlCol="0">
+            <a:spAutoFit/>
+          </a:bodyPr>
+          <a:lstStyle/>
+          <a:p>
+            <a:r>
+              <a:rPr lang="en-US" dirty="0" err="1" smtClean="0"/>
+              <a:t>ZkUtils</a:t>
+            </a:r>
+            <a:endParaRPr lang="en-US" dirty="0"/>
+          </a:p>
+        </p:txBody>
+      </p:sp>
+      <p:sp>
+        <p:nvSpPr>
+          <p:cNvPr id="10" name="TextBox 9"/>
+          <p:cNvSpPr txBox="1"/>
+          <p:nvPr/>
+        </p:nvSpPr>
+        <p:spPr>
+          <a:xfrm>
+            <a:off x="7055825" y="1033178"/>
+            <a:ext cx="2875085" cy="369332"/>
+          </a:xfrm>
+          <a:prstGeom prst="rect">
+            <a:avLst/>
+          </a:prstGeom>
+          <a:noFill/>
+        </p:spPr>
+        <p:txBody>
+          <a:bodyPr wrap="square" rtlCol="0">
+            <a:spAutoFit/>
+          </a:bodyPr>
+          <a:lstStyle/>
+          <a:p>
+            <a:r>
+              <a:rPr lang="en-US" dirty="0" err="1" smtClean="0"/>
+              <a:t>JobCoordinatorListener</a:t>
+            </a:r>
+            <a:endParaRPr lang="en-US" dirty="0"/>
+          </a:p>
+        </p:txBody>
+      </p:sp>
+      <p:sp>
+        <p:nvSpPr>
+          <p:cNvPr id="11" name="Rectangle 10"/>
+          <p:cNvSpPr/>
+          <p:nvPr/>
+        </p:nvSpPr>
+        <p:spPr>
+          <a:xfrm>
+            <a:off x="6660171" y="2706391"/>
+            <a:ext cx="3270739" cy="502801"/>
+          </a:xfrm>
+          <a:prstGeom prst="rect">
+            <a:avLst/>
+          </a:prstGeom>
+        </p:spPr>
+        <p:style>
+          <a:lnRef idx="2">
+            <a:schemeClr val="accent1"/>
+          </a:lnRef>
+          <a:fillRef idx="1">
+            <a:schemeClr val="lt1"/>
+          </a:fillRef>
+          <a:effectRef idx="0">
+            <a:schemeClr val="accent1"/>
+          </a:effectRef>
+          <a:fontRef idx="minor">
+            <a:schemeClr val="dk1"/>
+          </a:fontRef>
+        </p:style>
+        <p:txBody>
+          <a:bodyPr rtlCol="0" anchor="ctr"/>
+          <a:lstStyle/>
+          <a:p>
+            <a:pPr algn="ctr"/>
+            <a:endParaRPr lang="en-US"/>
+          </a:p>
+        </p:txBody>
+      </p:sp>
+      <p:sp>
+        <p:nvSpPr>
+          <p:cNvPr id="12" name="TextBox 11"/>
+          <p:cNvSpPr txBox="1"/>
+          <p:nvPr/>
+        </p:nvSpPr>
+        <p:spPr>
+          <a:xfrm>
+            <a:off x="7058021" y="2773125"/>
+            <a:ext cx="2479433" cy="369332"/>
+          </a:xfrm>
+          <a:prstGeom prst="rect">
+            <a:avLst/>
+          </a:prstGeom>
+          <a:noFill/>
+        </p:spPr>
+        <p:txBody>
+          <a:bodyPr wrap="square" rtlCol="0">
+            <a:spAutoFit/>
+          </a:bodyPr>
+          <a:lstStyle/>
+          <a:p>
+            <a:r>
+              <a:rPr lang="en-US" dirty="0" err="1" smtClean="0"/>
+              <a:t>FollowerControllerImpl</a:t>
+            </a:r>
+            <a:endParaRPr lang="en-US" dirty="0"/>
+          </a:p>
+        </p:txBody>
+      </p:sp>
+      <p:cxnSp>
+        <p:nvCxnSpPr>
+          <p:cNvPr id="16" name="Straight Arrow Connector 15"/>
+          <p:cNvCxnSpPr/>
+          <p:nvPr/>
+        </p:nvCxnSpPr>
+        <p:spPr>
+          <a:xfrm>
+            <a:off x="7053626" y="3209192"/>
+            <a:ext cx="0" cy="1011116"/>
+          </a:xfrm>
+          <a:prstGeom prst="straightConnector1">
+            <a:avLst/>
+          </a:prstGeom>
+          <a:ln>
+            <a:tailEnd type="triangle"/>
+          </a:ln>
+        </p:spPr>
+        <p:style>
+          <a:lnRef idx="1">
+            <a:schemeClr val="accent1"/>
+          </a:lnRef>
+          <a:fillRef idx="0">
+            <a:schemeClr val="accent1"/>
+          </a:fillRef>
+          <a:effectRef idx="0">
+            <a:schemeClr val="accent1"/>
+          </a:effectRef>
+          <a:fontRef idx="minor">
+            <a:schemeClr val="tx1"/>
+          </a:fontRef>
+        </p:style>
+      </p:cxnSp>
+      <p:sp>
+        <p:nvSpPr>
+          <p:cNvPr id="17" name="TextBox 16"/>
+          <p:cNvSpPr txBox="1"/>
+          <p:nvPr/>
+        </p:nvSpPr>
+        <p:spPr>
+          <a:xfrm>
+            <a:off x="358653" y="1033178"/>
+            <a:ext cx="5365140" cy="369332"/>
+          </a:xfrm>
+          <a:prstGeom prst="rect">
+            <a:avLst/>
+          </a:prstGeom>
+          <a:noFill/>
+        </p:spPr>
+        <p:txBody>
+          <a:bodyPr wrap="square" rtlCol="0">
+            <a:spAutoFit/>
+          </a:bodyPr>
+          <a:lstStyle/>
+          <a:p>
+            <a:r>
+              <a:rPr lang="en-US" dirty="0" smtClean="0"/>
+              <a:t>3. Start </a:t>
+            </a:r>
+            <a:r>
+              <a:rPr lang="en-US" dirty="0" err="1" smtClean="0"/>
+              <a:t>FollowerJobCoordinator</a:t>
+            </a:r>
+            <a:r>
+              <a:rPr lang="en-US" dirty="0" smtClean="0"/>
+              <a:t>. </a:t>
+            </a:r>
+            <a:endParaRPr lang="en-US" dirty="0"/>
+          </a:p>
+        </p:txBody>
+      </p:sp>
+      <p:sp>
+        <p:nvSpPr>
+          <p:cNvPr id="18" name="TextBox 17"/>
+          <p:cNvSpPr txBox="1"/>
+          <p:nvPr/>
+        </p:nvSpPr>
+        <p:spPr>
+          <a:xfrm>
+            <a:off x="560514" y="1402510"/>
+            <a:ext cx="5163279" cy="646331"/>
+          </a:xfrm>
+          <a:prstGeom prst="rect">
+            <a:avLst/>
+          </a:prstGeom>
+          <a:noFill/>
+        </p:spPr>
+        <p:txBody>
+          <a:bodyPr wrap="square" rtlCol="0">
+            <a:spAutoFit/>
+          </a:bodyPr>
+          <a:lstStyle/>
+          <a:p>
+            <a:r>
+              <a:rPr lang="en-US" dirty="0" smtClean="0"/>
+              <a:t>1) Use </a:t>
+            </a:r>
+            <a:r>
+              <a:rPr lang="en-US" dirty="0" err="1" smtClean="0"/>
+              <a:t>ZkUtils</a:t>
+            </a:r>
+            <a:r>
+              <a:rPr lang="en-US" dirty="0" smtClean="0"/>
+              <a:t> and </a:t>
+            </a:r>
+            <a:r>
+              <a:rPr lang="en-US" dirty="0" err="1" smtClean="0"/>
+              <a:t>FollowerControllerImpl</a:t>
+            </a:r>
+            <a:r>
+              <a:rPr lang="en-US" dirty="0" smtClean="0"/>
+              <a:t> to register with </a:t>
+            </a:r>
+            <a:r>
+              <a:rPr lang="en-US" dirty="0" err="1" smtClean="0"/>
+              <a:t>ZooKeeper</a:t>
+            </a:r>
+            <a:r>
+              <a:rPr lang="en-US" dirty="0" smtClean="0"/>
+              <a:t> server. </a:t>
+            </a:r>
+            <a:endParaRPr lang="en-US" dirty="0"/>
+          </a:p>
+        </p:txBody>
+      </p:sp>
+      <p:sp>
+        <p:nvSpPr>
+          <p:cNvPr id="19" name="TextBox 18"/>
+          <p:cNvSpPr txBox="1"/>
+          <p:nvPr/>
+        </p:nvSpPr>
+        <p:spPr>
+          <a:xfrm>
+            <a:off x="560512" y="2244407"/>
+            <a:ext cx="5464780" cy="4524315"/>
+          </a:xfrm>
+          <a:prstGeom prst="rect">
+            <a:avLst/>
+          </a:prstGeom>
+          <a:noFill/>
+        </p:spPr>
+        <p:txBody>
+          <a:bodyPr wrap="square" rtlCol="0">
+            <a:spAutoFit/>
+          </a:bodyPr>
+          <a:lstStyle/>
+          <a:p>
+            <a:r>
+              <a:rPr lang="en-US" dirty="0" smtClean="0"/>
+              <a:t>2) </a:t>
+            </a:r>
+            <a:r>
+              <a:rPr lang="en-US" dirty="0" err="1" smtClean="0"/>
+              <a:t>FollowerControllerImpl</a:t>
+            </a:r>
+            <a:r>
+              <a:rPr lang="en-US" dirty="0" smtClean="0"/>
+              <a:t> will subscribe to </a:t>
+            </a:r>
+            <a:r>
+              <a:rPr lang="en-US" dirty="0" err="1" smtClean="0"/>
+              <a:t>JobModel</a:t>
+            </a:r>
+            <a:r>
+              <a:rPr lang="en-US" dirty="0" smtClean="0"/>
+              <a:t> changes. If the </a:t>
+            </a:r>
+            <a:r>
+              <a:rPr lang="en-US" dirty="0" err="1" smtClean="0"/>
+              <a:t>JobModel</a:t>
+            </a:r>
+            <a:r>
+              <a:rPr lang="en-US" dirty="0" smtClean="0"/>
+              <a:t> in </a:t>
+            </a:r>
+            <a:r>
+              <a:rPr lang="en-US" dirty="0" err="1" smtClean="0"/>
+              <a:t>ZooKeeper</a:t>
+            </a:r>
+            <a:r>
+              <a:rPr lang="en-US" dirty="0" smtClean="0"/>
+              <a:t> server changed (by </a:t>
+            </a:r>
+            <a:r>
+              <a:rPr lang="en-US" dirty="0" err="1" smtClean="0"/>
+              <a:t>LeaderJobCoordinator</a:t>
+            </a:r>
+            <a:r>
+              <a:rPr lang="en-US" dirty="0" smtClean="0"/>
+              <a:t>, step 3) ),  </a:t>
+            </a:r>
+            <a:r>
+              <a:rPr lang="en-US" dirty="0" err="1" smtClean="0"/>
+              <a:t>FollowerControllerImpl</a:t>
+            </a:r>
+            <a:r>
+              <a:rPr lang="en-US" dirty="0" smtClean="0"/>
+              <a:t> will be notified. </a:t>
+            </a:r>
+          </a:p>
+          <a:p>
+            <a:endParaRPr lang="en-US" dirty="0" smtClean="0"/>
+          </a:p>
+          <a:p>
+            <a:r>
+              <a:rPr lang="en-US" dirty="0" smtClean="0"/>
+              <a:t>3) It then calls </a:t>
+            </a:r>
+            <a:r>
+              <a:rPr lang="en-US" dirty="0" err="1" smtClean="0"/>
+              <a:t>onNewJobModelAvailable</a:t>
+            </a:r>
+            <a:r>
+              <a:rPr lang="en-US" dirty="0" smtClean="0"/>
+              <a:t>() method in </a:t>
+            </a:r>
+            <a:r>
+              <a:rPr lang="en-US" dirty="0" err="1" smtClean="0"/>
+              <a:t>FollowerJobCoordinator</a:t>
+            </a:r>
+            <a:r>
+              <a:rPr lang="en-US" dirty="0" smtClean="0"/>
+              <a:t>, which will stop current </a:t>
+            </a:r>
+            <a:r>
+              <a:rPr lang="en-US" dirty="0" err="1" smtClean="0"/>
+              <a:t>SamzaContainer</a:t>
+            </a:r>
+            <a:r>
+              <a:rPr lang="en-US" dirty="0" smtClean="0"/>
+              <a:t> through </a:t>
+            </a:r>
+            <a:r>
+              <a:rPr lang="en-US" dirty="0" err="1" smtClean="0"/>
+              <a:t>JobCoordinatorListener’s</a:t>
+            </a:r>
+            <a:r>
+              <a:rPr lang="en-US" dirty="0" smtClean="0"/>
+              <a:t> </a:t>
+            </a:r>
+            <a:r>
+              <a:rPr lang="en-US" dirty="0" err="1" smtClean="0"/>
+              <a:t>onJobModelExpired</a:t>
+            </a:r>
+            <a:r>
+              <a:rPr lang="en-US" dirty="0" smtClean="0"/>
+              <a:t>() method and update the Barrier in </a:t>
+            </a:r>
+            <a:r>
+              <a:rPr lang="en-US" dirty="0" err="1" smtClean="0"/>
+              <a:t>ZooKeeper</a:t>
+            </a:r>
+            <a:r>
+              <a:rPr lang="en-US" dirty="0" smtClean="0"/>
+              <a:t> server.</a:t>
+            </a:r>
+          </a:p>
+          <a:p>
+            <a:endParaRPr lang="en-US" dirty="0"/>
+          </a:p>
+          <a:p>
+            <a:r>
+              <a:rPr lang="en-US" dirty="0" smtClean="0"/>
+              <a:t>4) When the Barrier is done(all </a:t>
+            </a:r>
+            <a:r>
+              <a:rPr lang="en-US" dirty="0" err="1" smtClean="0"/>
+              <a:t>StreamProcessors</a:t>
+            </a:r>
+            <a:r>
+              <a:rPr lang="en-US" dirty="0" smtClean="0"/>
+              <a:t> are notified), it will call the </a:t>
+            </a:r>
+            <a:r>
+              <a:rPr lang="en-US" dirty="0" err="1" smtClean="0"/>
+              <a:t>onNewJobModelConfirmed</a:t>
+            </a:r>
+            <a:r>
+              <a:rPr lang="en-US" dirty="0" smtClean="0"/>
+              <a:t>() method through </a:t>
+            </a:r>
+            <a:r>
+              <a:rPr lang="en-US" dirty="0" err="1" smtClean="0"/>
+              <a:t>ZkBarrierListenerImpl</a:t>
+            </a:r>
+            <a:r>
+              <a:rPr lang="en-US" dirty="0" smtClean="0"/>
+              <a:t>. This method will start a new </a:t>
+            </a:r>
+            <a:r>
+              <a:rPr lang="en-US" dirty="0" err="1" smtClean="0"/>
+              <a:t>SamzaContainer</a:t>
+            </a:r>
+            <a:r>
+              <a:rPr lang="en-US" dirty="0" smtClean="0"/>
+              <a:t> through </a:t>
+            </a:r>
+            <a:r>
+              <a:rPr lang="en-US" dirty="0" err="1" smtClean="0"/>
+              <a:t>JobCoordinatorListener’s</a:t>
+            </a:r>
+            <a:r>
+              <a:rPr lang="en-US" dirty="0" smtClean="0"/>
+              <a:t> </a:t>
+            </a:r>
+            <a:r>
+              <a:rPr lang="en-US" dirty="0" err="1" smtClean="0"/>
+              <a:t>onNewJobModel</a:t>
+            </a:r>
+            <a:r>
+              <a:rPr lang="en-US" dirty="0" smtClean="0"/>
+              <a:t>() method.</a:t>
+            </a:r>
+          </a:p>
+        </p:txBody>
+      </p:sp>
+      <p:sp>
+        <p:nvSpPr>
+          <p:cNvPr id="20" name="TextBox 19"/>
+          <p:cNvSpPr txBox="1"/>
+          <p:nvPr/>
+        </p:nvSpPr>
+        <p:spPr>
+          <a:xfrm>
+            <a:off x="6660170" y="3622374"/>
+            <a:ext cx="393456" cy="369332"/>
+          </a:xfrm>
+          <a:prstGeom prst="rect">
+            <a:avLst/>
+          </a:prstGeom>
+          <a:noFill/>
+        </p:spPr>
+        <p:txBody>
+          <a:bodyPr wrap="square" rtlCol="0">
+            <a:spAutoFit/>
+          </a:bodyPr>
+          <a:lstStyle/>
+          <a:p>
+            <a:r>
+              <a:rPr lang="en-US" dirty="0" smtClean="0"/>
+              <a:t>1)</a:t>
+            </a:r>
+            <a:endParaRPr lang="en-US" dirty="0"/>
+          </a:p>
+        </p:txBody>
+      </p:sp>
+      <p:sp>
+        <p:nvSpPr>
+          <p:cNvPr id="24" name="TextBox 23"/>
+          <p:cNvSpPr txBox="1"/>
+          <p:nvPr/>
+        </p:nvSpPr>
+        <p:spPr>
+          <a:xfrm>
+            <a:off x="7558457" y="3644860"/>
+            <a:ext cx="369277" cy="369332"/>
+          </a:xfrm>
+          <a:prstGeom prst="rect">
+            <a:avLst/>
+          </a:prstGeom>
+          <a:noFill/>
+        </p:spPr>
+        <p:txBody>
+          <a:bodyPr wrap="square" rtlCol="0">
+            <a:spAutoFit/>
+          </a:bodyPr>
+          <a:lstStyle/>
+          <a:p>
+            <a:r>
+              <a:rPr lang="en-US" dirty="0" smtClean="0"/>
+              <a:t>2)</a:t>
+            </a:r>
+            <a:endParaRPr lang="en-US" dirty="0"/>
+          </a:p>
+        </p:txBody>
+      </p:sp>
+      <p:sp>
+        <p:nvSpPr>
+          <p:cNvPr id="25" name="Rectangle 24"/>
+          <p:cNvSpPr/>
+          <p:nvPr/>
+        </p:nvSpPr>
+        <p:spPr>
+          <a:xfrm>
+            <a:off x="6105332" y="4220308"/>
+            <a:ext cx="4011136" cy="1271470"/>
+          </a:xfrm>
+          <a:prstGeom prst="rect">
+            <a:avLst/>
+          </a:prstGeom>
+        </p:spPr>
+        <p:style>
+          <a:lnRef idx="2">
+            <a:schemeClr val="accent1"/>
+          </a:lnRef>
+          <a:fillRef idx="1">
+            <a:schemeClr val="lt1"/>
+          </a:fillRef>
+          <a:effectRef idx="0">
+            <a:schemeClr val="accent1"/>
+          </a:effectRef>
+          <a:fontRef idx="minor">
+            <a:schemeClr val="dk1"/>
+          </a:fontRef>
+        </p:style>
+        <p:txBody>
+          <a:bodyPr rtlCol="0" anchor="ctr"/>
+          <a:lstStyle/>
+          <a:p>
+            <a:pPr algn="ctr"/>
+            <a:endParaRPr lang="en-US"/>
+          </a:p>
+        </p:txBody>
+      </p:sp>
+      <p:sp>
+        <p:nvSpPr>
+          <p:cNvPr id="26" name="TextBox 25"/>
+          <p:cNvSpPr txBox="1"/>
+          <p:nvPr/>
+        </p:nvSpPr>
+        <p:spPr>
+          <a:xfrm>
+            <a:off x="7021731" y="4211992"/>
+            <a:ext cx="1912697" cy="369332"/>
+          </a:xfrm>
+          <a:prstGeom prst="rect">
+            <a:avLst/>
+          </a:prstGeom>
+          <a:noFill/>
+        </p:spPr>
+        <p:txBody>
+          <a:bodyPr wrap="square" rtlCol="0">
+            <a:spAutoFit/>
+          </a:bodyPr>
+          <a:lstStyle/>
+          <a:p>
+            <a:r>
+              <a:rPr lang="en-US" dirty="0" err="1" smtClean="0"/>
+              <a:t>ZooKeeper</a:t>
+            </a:r>
+            <a:r>
+              <a:rPr lang="en-US" dirty="0" smtClean="0"/>
+              <a:t> Server</a:t>
+            </a:r>
+            <a:endParaRPr lang="en-US" dirty="0"/>
+          </a:p>
+        </p:txBody>
+      </p:sp>
+      <p:sp>
+        <p:nvSpPr>
+          <p:cNvPr id="27" name="Rounded Rectangle 26"/>
+          <p:cNvSpPr/>
+          <p:nvPr/>
+        </p:nvSpPr>
+        <p:spPr>
+          <a:xfrm>
+            <a:off x="6247854" y="4751778"/>
+            <a:ext cx="1151053" cy="469936"/>
+          </a:xfrm>
+          <a:prstGeom prst="roundRect">
+            <a:avLst/>
+          </a:prstGeom>
+        </p:spPr>
+        <p:style>
+          <a:lnRef idx="2">
+            <a:schemeClr val="accent1"/>
+          </a:lnRef>
+          <a:fillRef idx="1">
+            <a:schemeClr val="lt1"/>
+          </a:fillRef>
+          <a:effectRef idx="0">
+            <a:schemeClr val="accent1"/>
+          </a:effectRef>
+          <a:fontRef idx="minor">
+            <a:schemeClr val="dk1"/>
+          </a:fontRef>
+        </p:style>
+        <p:txBody>
+          <a:bodyPr rtlCol="0" anchor="ctr"/>
+          <a:lstStyle/>
+          <a:p>
+            <a:pPr algn="ctr"/>
+            <a:endParaRPr lang="en-US"/>
+          </a:p>
+        </p:txBody>
+      </p:sp>
+      <p:sp>
+        <p:nvSpPr>
+          <p:cNvPr id="28" name="TextBox 27"/>
+          <p:cNvSpPr txBox="1"/>
+          <p:nvPr/>
+        </p:nvSpPr>
+        <p:spPr>
+          <a:xfrm>
+            <a:off x="6247854" y="4810370"/>
+            <a:ext cx="1230566" cy="369332"/>
+          </a:xfrm>
+          <a:prstGeom prst="rect">
+            <a:avLst/>
+          </a:prstGeom>
+          <a:noFill/>
+        </p:spPr>
+        <p:txBody>
+          <a:bodyPr wrap="square" rtlCol="0">
+            <a:spAutoFit/>
+          </a:bodyPr>
+          <a:lstStyle/>
+          <a:p>
+            <a:r>
+              <a:rPr lang="en-US" dirty="0" smtClean="0"/>
+              <a:t>Processors</a:t>
+            </a:r>
+            <a:endParaRPr lang="en-US" dirty="0"/>
+          </a:p>
+        </p:txBody>
+      </p:sp>
+      <p:sp>
+        <p:nvSpPr>
+          <p:cNvPr id="29" name="Rounded Rectangle 28"/>
+          <p:cNvSpPr/>
+          <p:nvPr/>
+        </p:nvSpPr>
+        <p:spPr>
+          <a:xfrm>
+            <a:off x="7541429" y="4751778"/>
+            <a:ext cx="1175331" cy="469936"/>
+          </a:xfrm>
+          <a:prstGeom prst="roundRect">
+            <a:avLst/>
+          </a:prstGeom>
+        </p:spPr>
+        <p:style>
+          <a:lnRef idx="2">
+            <a:schemeClr val="accent1"/>
+          </a:lnRef>
+          <a:fillRef idx="1">
+            <a:schemeClr val="lt1"/>
+          </a:fillRef>
+          <a:effectRef idx="0">
+            <a:schemeClr val="accent1"/>
+          </a:effectRef>
+          <a:fontRef idx="minor">
+            <a:schemeClr val="dk1"/>
+          </a:fontRef>
+        </p:style>
+        <p:txBody>
+          <a:bodyPr rtlCol="0" anchor="ctr"/>
+          <a:lstStyle/>
+          <a:p>
+            <a:pPr algn="ctr"/>
+            <a:endParaRPr lang="en-US"/>
+          </a:p>
+        </p:txBody>
+      </p:sp>
+      <p:sp>
+        <p:nvSpPr>
+          <p:cNvPr id="30" name="TextBox 29"/>
+          <p:cNvSpPr txBox="1"/>
+          <p:nvPr/>
+        </p:nvSpPr>
+        <p:spPr>
+          <a:xfrm>
+            <a:off x="7558457" y="4810370"/>
+            <a:ext cx="1221393" cy="369332"/>
+          </a:xfrm>
+          <a:prstGeom prst="rect">
+            <a:avLst/>
+          </a:prstGeom>
+          <a:noFill/>
+        </p:spPr>
+        <p:txBody>
+          <a:bodyPr wrap="square" rtlCol="0">
+            <a:spAutoFit/>
+          </a:bodyPr>
+          <a:lstStyle/>
+          <a:p>
+            <a:r>
+              <a:rPr lang="en-US" dirty="0" err="1" smtClean="0"/>
+              <a:t>JobModel</a:t>
+            </a:r>
+            <a:endParaRPr lang="en-US" dirty="0"/>
+          </a:p>
+        </p:txBody>
+      </p:sp>
+      <p:sp>
+        <p:nvSpPr>
+          <p:cNvPr id="31" name="Rounded Rectangle 30"/>
+          <p:cNvSpPr/>
+          <p:nvPr/>
+        </p:nvSpPr>
+        <p:spPr>
+          <a:xfrm>
+            <a:off x="8811736" y="4751778"/>
+            <a:ext cx="1175331" cy="469936"/>
+          </a:xfrm>
+          <a:prstGeom prst="roundRect">
+            <a:avLst/>
+          </a:prstGeom>
+        </p:spPr>
+        <p:style>
+          <a:lnRef idx="2">
+            <a:schemeClr val="accent1"/>
+          </a:lnRef>
+          <a:fillRef idx="1">
+            <a:schemeClr val="lt1"/>
+          </a:fillRef>
+          <a:effectRef idx="0">
+            <a:schemeClr val="accent1"/>
+          </a:effectRef>
+          <a:fontRef idx="minor">
+            <a:schemeClr val="dk1"/>
+          </a:fontRef>
+        </p:style>
+        <p:txBody>
+          <a:bodyPr rtlCol="0" anchor="ctr"/>
+          <a:lstStyle/>
+          <a:p>
+            <a:pPr algn="ctr"/>
+            <a:endParaRPr lang="en-US"/>
+          </a:p>
+        </p:txBody>
+      </p:sp>
+      <p:sp>
+        <p:nvSpPr>
+          <p:cNvPr id="32" name="TextBox 31"/>
+          <p:cNvSpPr txBox="1"/>
+          <p:nvPr/>
+        </p:nvSpPr>
+        <p:spPr>
+          <a:xfrm>
+            <a:off x="8971728" y="4810370"/>
+            <a:ext cx="907339" cy="369332"/>
+          </a:xfrm>
+          <a:prstGeom prst="rect">
+            <a:avLst/>
+          </a:prstGeom>
+          <a:noFill/>
+        </p:spPr>
+        <p:txBody>
+          <a:bodyPr wrap="square" rtlCol="0">
+            <a:spAutoFit/>
+          </a:bodyPr>
+          <a:lstStyle/>
+          <a:p>
+            <a:r>
+              <a:rPr lang="en-US" dirty="0" smtClean="0"/>
+              <a:t>Barrier</a:t>
+            </a:r>
+            <a:endParaRPr lang="en-US" dirty="0"/>
+          </a:p>
+        </p:txBody>
+      </p:sp>
+      <p:cxnSp>
+        <p:nvCxnSpPr>
+          <p:cNvPr id="34" name="Straight Arrow Connector 33"/>
+          <p:cNvCxnSpPr/>
+          <p:nvPr/>
+        </p:nvCxnSpPr>
+        <p:spPr>
+          <a:xfrm flipV="1">
+            <a:off x="7323992" y="518158"/>
+            <a:ext cx="0" cy="477667"/>
+          </a:xfrm>
+          <a:prstGeom prst="straightConnector1">
+            <a:avLst/>
+          </a:prstGeom>
+          <a:ln>
+            <a:tailEnd type="triangle"/>
+          </a:ln>
+        </p:spPr>
+        <p:style>
+          <a:lnRef idx="1">
+            <a:schemeClr val="accent1"/>
+          </a:lnRef>
+          <a:fillRef idx="0">
+            <a:schemeClr val="accent1"/>
+          </a:fillRef>
+          <a:effectRef idx="0">
+            <a:schemeClr val="accent1"/>
+          </a:effectRef>
+          <a:fontRef idx="minor">
+            <a:schemeClr val="tx1"/>
+          </a:fontRef>
+        </p:style>
+      </p:cxnSp>
+      <p:sp>
+        <p:nvSpPr>
+          <p:cNvPr id="35" name="TextBox 34"/>
+          <p:cNvSpPr txBox="1"/>
+          <p:nvPr/>
+        </p:nvSpPr>
+        <p:spPr>
+          <a:xfrm>
+            <a:off x="7021731" y="616260"/>
+            <a:ext cx="448408" cy="369332"/>
+          </a:xfrm>
+          <a:prstGeom prst="rect">
+            <a:avLst/>
+          </a:prstGeom>
+          <a:noFill/>
+        </p:spPr>
+        <p:txBody>
+          <a:bodyPr wrap="square" rtlCol="0">
+            <a:spAutoFit/>
+          </a:bodyPr>
+          <a:lstStyle/>
+          <a:p>
+            <a:r>
+              <a:rPr lang="en-US" dirty="0" smtClean="0"/>
+              <a:t>3)</a:t>
+            </a:r>
+            <a:endParaRPr lang="en-US" dirty="0"/>
+          </a:p>
+        </p:txBody>
+      </p:sp>
+      <p:cxnSp>
+        <p:nvCxnSpPr>
+          <p:cNvPr id="37" name="Straight Arrow Connector 36"/>
+          <p:cNvCxnSpPr/>
+          <p:nvPr/>
+        </p:nvCxnSpPr>
+        <p:spPr>
+          <a:xfrm>
+            <a:off x="8682335" y="3449015"/>
+            <a:ext cx="655096" cy="1302763"/>
+          </a:xfrm>
+          <a:prstGeom prst="straightConnector1">
+            <a:avLst/>
+          </a:prstGeom>
+          <a:ln>
+            <a:tailEnd type="triangle"/>
+          </a:ln>
+        </p:spPr>
+        <p:style>
+          <a:lnRef idx="1">
+            <a:schemeClr val="accent1"/>
+          </a:lnRef>
+          <a:fillRef idx="0">
+            <a:schemeClr val="accent1"/>
+          </a:fillRef>
+          <a:effectRef idx="0">
+            <a:schemeClr val="accent1"/>
+          </a:effectRef>
+          <a:fontRef idx="minor">
+            <a:schemeClr val="tx1"/>
+          </a:fontRef>
+        </p:style>
+      </p:cxnSp>
+      <p:sp>
+        <p:nvSpPr>
+          <p:cNvPr id="40" name="TextBox 39"/>
+          <p:cNvSpPr txBox="1"/>
+          <p:nvPr/>
+        </p:nvSpPr>
+        <p:spPr>
+          <a:xfrm>
+            <a:off x="8560778" y="3653836"/>
+            <a:ext cx="390082" cy="369332"/>
+          </a:xfrm>
+          <a:prstGeom prst="rect">
+            <a:avLst/>
+          </a:prstGeom>
+          <a:noFill/>
+        </p:spPr>
+        <p:txBody>
+          <a:bodyPr wrap="square" rtlCol="0">
+            <a:spAutoFit/>
+          </a:bodyPr>
+          <a:lstStyle/>
+          <a:p>
+            <a:r>
+              <a:rPr lang="en-US" dirty="0" smtClean="0"/>
+              <a:t>3)</a:t>
+            </a:r>
+            <a:endParaRPr lang="en-US" dirty="0"/>
+          </a:p>
+        </p:txBody>
+      </p:sp>
+      <p:cxnSp>
+        <p:nvCxnSpPr>
+          <p:cNvPr id="42" name="Straight Arrow Connector 41"/>
+          <p:cNvCxnSpPr/>
+          <p:nvPr/>
+        </p:nvCxnSpPr>
+        <p:spPr>
+          <a:xfrm flipV="1">
+            <a:off x="9593178" y="3444857"/>
+            <a:ext cx="6190" cy="1306921"/>
+          </a:xfrm>
+          <a:prstGeom prst="straightConnector1">
+            <a:avLst/>
+          </a:prstGeom>
+          <a:ln>
+            <a:tailEnd type="triangle"/>
+          </a:ln>
+        </p:spPr>
+        <p:style>
+          <a:lnRef idx="1">
+            <a:schemeClr val="accent1"/>
+          </a:lnRef>
+          <a:fillRef idx="0">
+            <a:schemeClr val="accent1"/>
+          </a:fillRef>
+          <a:effectRef idx="0">
+            <a:schemeClr val="accent1"/>
+          </a:effectRef>
+          <a:fontRef idx="minor">
+            <a:schemeClr val="tx1"/>
+          </a:fontRef>
+        </p:style>
+      </p:cxnSp>
+      <p:sp>
+        <p:nvSpPr>
+          <p:cNvPr id="43" name="TextBox 42"/>
+          <p:cNvSpPr txBox="1"/>
+          <p:nvPr/>
+        </p:nvSpPr>
+        <p:spPr>
+          <a:xfrm>
+            <a:off x="9555507" y="3637014"/>
+            <a:ext cx="441279" cy="369332"/>
+          </a:xfrm>
+          <a:prstGeom prst="rect">
+            <a:avLst/>
+          </a:prstGeom>
+          <a:noFill/>
+        </p:spPr>
+        <p:txBody>
+          <a:bodyPr wrap="square" rtlCol="0">
+            <a:spAutoFit/>
+          </a:bodyPr>
+          <a:lstStyle/>
+          <a:p>
+            <a:r>
+              <a:rPr lang="en-US" dirty="0" smtClean="0"/>
+              <a:t>4)</a:t>
+            </a:r>
+            <a:endParaRPr lang="en-US" dirty="0"/>
+          </a:p>
+        </p:txBody>
+      </p:sp>
+      <p:cxnSp>
+        <p:nvCxnSpPr>
+          <p:cNvPr id="22" name="Straight Arrow Connector 21"/>
+          <p:cNvCxnSpPr>
+            <a:stCxn id="29" idx="0"/>
+          </p:cNvCxnSpPr>
+          <p:nvPr/>
+        </p:nvCxnSpPr>
+        <p:spPr>
+          <a:xfrm flipH="1" flipV="1">
+            <a:off x="7686671" y="3209192"/>
+            <a:ext cx="442424" cy="1542586"/>
+          </a:xfrm>
+          <a:prstGeom prst="straightConnector1">
+            <a:avLst/>
+          </a:prstGeom>
+          <a:ln>
+            <a:tailEnd type="triangle"/>
+          </a:ln>
+        </p:spPr>
+        <p:style>
+          <a:lnRef idx="1">
+            <a:schemeClr val="accent1"/>
+          </a:lnRef>
+          <a:fillRef idx="0">
+            <a:schemeClr val="accent1"/>
+          </a:fillRef>
+          <a:effectRef idx="0">
+            <a:schemeClr val="accent1"/>
+          </a:effectRef>
+          <a:fontRef idx="minor">
+            <a:schemeClr val="tx1"/>
+          </a:fontRef>
+        </p:style>
+      </p:cxnSp>
+      <p:cxnSp>
+        <p:nvCxnSpPr>
+          <p:cNvPr id="48" name="Straight Arrow Connector 47"/>
+          <p:cNvCxnSpPr/>
+          <p:nvPr/>
+        </p:nvCxnSpPr>
+        <p:spPr>
+          <a:xfrm flipV="1">
+            <a:off x="8129095" y="518158"/>
+            <a:ext cx="0" cy="464504"/>
+          </a:xfrm>
+          <a:prstGeom prst="straightConnector1">
+            <a:avLst/>
+          </a:prstGeom>
+          <a:ln>
+            <a:tailEnd type="triangle"/>
+          </a:ln>
+        </p:spPr>
+        <p:style>
+          <a:lnRef idx="1">
+            <a:schemeClr val="accent1"/>
+          </a:lnRef>
+          <a:fillRef idx="0">
+            <a:schemeClr val="accent1"/>
+          </a:fillRef>
+          <a:effectRef idx="0">
+            <a:schemeClr val="accent1"/>
+          </a:effectRef>
+          <a:fontRef idx="minor">
+            <a:schemeClr val="tx1"/>
+          </a:fontRef>
+        </p:style>
+      </p:cxnSp>
+      <p:sp>
+        <p:nvSpPr>
+          <p:cNvPr id="49" name="TextBox 48"/>
+          <p:cNvSpPr txBox="1"/>
+          <p:nvPr/>
+        </p:nvSpPr>
+        <p:spPr>
+          <a:xfrm>
+            <a:off x="7799876" y="596211"/>
+            <a:ext cx="375875" cy="369332"/>
+          </a:xfrm>
+          <a:prstGeom prst="rect">
+            <a:avLst/>
+          </a:prstGeom>
+          <a:noFill/>
+        </p:spPr>
+        <p:txBody>
+          <a:bodyPr wrap="square" rtlCol="0">
+            <a:spAutoFit/>
+          </a:bodyPr>
+          <a:lstStyle/>
+          <a:p>
+            <a:r>
+              <a:rPr lang="en-US" dirty="0" smtClean="0"/>
+              <a:t>4)</a:t>
+            </a:r>
+            <a:endParaRPr lang="en-US" dirty="0"/>
+          </a:p>
+        </p:txBody>
+      </p:sp>
+      <p:sp>
+        <p:nvSpPr>
+          <p:cNvPr id="50" name="Rectangle 49"/>
+          <p:cNvSpPr/>
+          <p:nvPr/>
+        </p:nvSpPr>
+        <p:spPr>
+          <a:xfrm>
+            <a:off x="6356838" y="72209"/>
+            <a:ext cx="3759630" cy="458688"/>
+          </a:xfrm>
+          <a:prstGeom prst="rect">
+            <a:avLst/>
+          </a:prstGeom>
+        </p:spPr>
+        <p:style>
+          <a:lnRef idx="2">
+            <a:schemeClr val="accent1"/>
+          </a:lnRef>
+          <a:fillRef idx="1">
+            <a:schemeClr val="lt1"/>
+          </a:fillRef>
+          <a:effectRef idx="0">
+            <a:schemeClr val="accent1"/>
+          </a:effectRef>
+          <a:fontRef idx="minor">
+            <a:schemeClr val="dk1"/>
+          </a:fontRef>
+        </p:style>
+        <p:txBody>
+          <a:bodyPr rtlCol="0" anchor="ctr"/>
+          <a:lstStyle/>
+          <a:p>
+            <a:pPr algn="ctr"/>
+            <a:endParaRPr lang="en-US"/>
+          </a:p>
+        </p:txBody>
+      </p:sp>
+      <p:sp>
+        <p:nvSpPr>
+          <p:cNvPr id="51" name="TextBox 50"/>
+          <p:cNvSpPr txBox="1"/>
+          <p:nvPr/>
+        </p:nvSpPr>
+        <p:spPr>
+          <a:xfrm>
+            <a:off x="7267943" y="83580"/>
+            <a:ext cx="1815615" cy="369332"/>
+          </a:xfrm>
+          <a:prstGeom prst="rect">
+            <a:avLst/>
+          </a:prstGeom>
+          <a:noFill/>
+        </p:spPr>
+        <p:txBody>
+          <a:bodyPr wrap="square" rtlCol="0">
+            <a:spAutoFit/>
+          </a:bodyPr>
+          <a:lstStyle/>
+          <a:p>
+            <a:r>
+              <a:rPr lang="en-US" dirty="0" err="1" smtClean="0"/>
+              <a:t>StreamProcessor</a:t>
+            </a:r>
+            <a:endParaRPr lang="en-US" dirty="0"/>
+          </a:p>
+        </p:txBody>
+      </p:sp>
+    </p:spTree>
+    <p:extLst>
+      <p:ext uri="{BB962C8B-B14F-4D97-AF65-F5344CB8AC3E}">
+        <p14:creationId xmlns:p14="http://schemas.microsoft.com/office/powerpoint/2010/main" val="476013817"/>
+      </p:ext>
+    </p:extLst>
+  </p:cSld>
+  <p:clrMapOvr>
+    <a:masterClrMapping/>
+  </p:clrMapOvr>
+</p:sld>
+</file>
+
+<file path=ppt/slides/slide8.xml><?xml version="1.0" encoding="utf-8"?>
+<p:sld xmlns:a="http://schemas.openxmlformats.org/drawingml/2006/main" xmlns:r="http://schemas.openxmlformats.org/officeDocument/2006/relationships" xmlns:p="http://schemas.openxmlformats.org/presentationml/2006/main">
+  <p:cSld>
+    <p:spTree>
+      <p:nvGrpSpPr>
+        <p:cNvPr id="1" name=""/>
+        <p:cNvGrpSpPr/>
+        <p:nvPr/>
+      </p:nvGrpSpPr>
+      <p:grpSpPr>
+        <a:xfrm>
+          <a:off x="0" y="0"/>
+          <a:ext cx="0" cy="0"/>
+          <a:chOff x="0" y="0"/>
+          <a:chExt cx="0" cy="0"/>
+        </a:xfrm>
+      </p:grpSpPr>
+      <p:sp>
+        <p:nvSpPr>
+          <p:cNvPr id="2" name="Title 1"/>
+          <p:cNvSpPr>
+            <a:spLocks noGrp="1"/>
+          </p:cNvSpPr>
+          <p:nvPr>
+            <p:ph type="title"/>
+          </p:nvPr>
+        </p:nvSpPr>
+        <p:spPr>
+          <a:xfrm>
+            <a:off x="117231" y="-131885"/>
+            <a:ext cx="10515600" cy="1325563"/>
+          </a:xfrm>
+        </p:spPr>
+        <p:txBody>
+          <a:bodyPr/>
+          <a:lstStyle/>
+          <a:p>
+            <a:r>
+              <a:rPr lang="en-US" dirty="0" err="1" smtClean="0"/>
+              <a:t>StreamProcessor</a:t>
+            </a:r>
+            <a:endParaRPr lang="en-US" dirty="0"/>
+          </a:p>
+        </p:txBody>
+      </p:sp>
+      <p:sp>
+        <p:nvSpPr>
+          <p:cNvPr id="27" name="TextBox 26"/>
+          <p:cNvSpPr txBox="1"/>
+          <p:nvPr/>
+        </p:nvSpPr>
+        <p:spPr>
+          <a:xfrm>
+            <a:off x="316524" y="969979"/>
+            <a:ext cx="5249008" cy="369332"/>
+          </a:xfrm>
+          <a:prstGeom prst="rect">
+            <a:avLst/>
+          </a:prstGeom>
+          <a:noFill/>
+        </p:spPr>
+        <p:txBody>
+          <a:bodyPr wrap="square" rtlCol="0">
+            <a:spAutoFit/>
+          </a:bodyPr>
+          <a:lstStyle/>
+          <a:p>
+            <a:r>
+              <a:rPr lang="en-US" dirty="0" smtClean="0"/>
+              <a:t>1. In each container, run-follower.sh script will be run.</a:t>
+            </a:r>
+            <a:endParaRPr lang="en-US" dirty="0"/>
+          </a:p>
+        </p:txBody>
+      </p:sp>
+      <p:sp>
+        <p:nvSpPr>
+          <p:cNvPr id="29" name="TextBox 28"/>
+          <p:cNvSpPr txBox="1"/>
+          <p:nvPr/>
+        </p:nvSpPr>
+        <p:spPr>
+          <a:xfrm>
+            <a:off x="331177" y="1538999"/>
+            <a:ext cx="5710604" cy="2031325"/>
+          </a:xfrm>
+          <a:prstGeom prst="rect">
+            <a:avLst/>
+          </a:prstGeom>
+          <a:noFill/>
+        </p:spPr>
+        <p:txBody>
+          <a:bodyPr wrap="square" rtlCol="0">
+            <a:spAutoFit/>
+          </a:bodyPr>
+          <a:lstStyle/>
+          <a:p>
+            <a:r>
+              <a:rPr lang="en-US" dirty="0" smtClean="0"/>
+              <a:t>2. </a:t>
+            </a:r>
+            <a:r>
+              <a:rPr lang="en-US" dirty="0" err="1" smtClean="0"/>
+              <a:t>FollowerStreamProcessorRunner</a:t>
+            </a:r>
+            <a:r>
+              <a:rPr lang="en-US" dirty="0" smtClean="0"/>
+              <a:t> will be started by run-follower.sh script. It will read job-</a:t>
+            </a:r>
+            <a:r>
+              <a:rPr lang="en-US" dirty="0" err="1" smtClean="0"/>
+              <a:t>config</a:t>
+            </a:r>
+            <a:r>
+              <a:rPr lang="en-US" dirty="0" smtClean="0"/>
+              <a:t> from </a:t>
+            </a:r>
+            <a:r>
+              <a:rPr lang="en-US" dirty="0" err="1" smtClean="0"/>
+              <a:t>JobModelManager</a:t>
+            </a:r>
+            <a:r>
+              <a:rPr lang="en-US" dirty="0" smtClean="0"/>
+              <a:t> server and run the </a:t>
+            </a:r>
+            <a:r>
+              <a:rPr lang="en-US" dirty="0" err="1" smtClean="0"/>
+              <a:t>StreamProcessor</a:t>
+            </a:r>
+            <a:r>
+              <a:rPr lang="en-US" dirty="0" smtClean="0"/>
+              <a:t>. </a:t>
+            </a:r>
+          </a:p>
+          <a:p>
+            <a:r>
+              <a:rPr lang="en-US" dirty="0" smtClean="0"/>
+              <a:t>The </a:t>
+            </a:r>
+            <a:r>
+              <a:rPr lang="en-US" dirty="0" err="1" smtClean="0"/>
+              <a:t>FollowerStreamProcessorLifeCycleListener</a:t>
+            </a:r>
+            <a:r>
+              <a:rPr lang="en-US" dirty="0" smtClean="0"/>
+              <a:t> is the callback function that will be called when </a:t>
+            </a:r>
+            <a:r>
+              <a:rPr lang="en-US" dirty="0" err="1" smtClean="0"/>
+              <a:t>StreamProcessor’s</a:t>
+            </a:r>
+            <a:r>
+              <a:rPr lang="en-US" dirty="0" smtClean="0"/>
+              <a:t> running status changing. In our current implementation, it will never be called.</a:t>
+            </a:r>
+            <a:endParaRPr lang="en-US" dirty="0"/>
+          </a:p>
+        </p:txBody>
+      </p:sp>
+      <p:sp>
+        <p:nvSpPr>
+          <p:cNvPr id="30" name="TextBox 29"/>
+          <p:cNvSpPr txBox="1"/>
+          <p:nvPr/>
+        </p:nvSpPr>
+        <p:spPr>
+          <a:xfrm>
+            <a:off x="331176" y="3739717"/>
+            <a:ext cx="5953125" cy="923330"/>
+          </a:xfrm>
+          <a:prstGeom prst="rect">
+            <a:avLst/>
+          </a:prstGeom>
+          <a:noFill/>
+        </p:spPr>
+        <p:txBody>
+          <a:bodyPr wrap="square" rtlCol="0">
+            <a:spAutoFit/>
+          </a:bodyPr>
+          <a:lstStyle/>
+          <a:p>
+            <a:r>
+              <a:rPr lang="en-US" dirty="0" smtClean="0"/>
+              <a:t>3. </a:t>
+            </a:r>
+            <a:r>
+              <a:rPr lang="en-US" dirty="0" err="1" smtClean="0"/>
+              <a:t>StreamProcessor</a:t>
+            </a:r>
+            <a:r>
+              <a:rPr lang="en-US" dirty="0" smtClean="0"/>
+              <a:t> will start </a:t>
+            </a:r>
+            <a:r>
+              <a:rPr lang="en-US" dirty="0" err="1" smtClean="0"/>
+              <a:t>FollowerJobCoordinator</a:t>
+            </a:r>
+            <a:r>
+              <a:rPr lang="en-US" dirty="0" smtClean="0"/>
+              <a:t>. </a:t>
+            </a:r>
+            <a:r>
+              <a:rPr lang="en-US" dirty="0" err="1" smtClean="0"/>
+              <a:t>FollowerJobCoordinator</a:t>
+            </a:r>
+            <a:r>
+              <a:rPr lang="en-US" dirty="0" smtClean="0"/>
+              <a:t> will register with </a:t>
+            </a:r>
+            <a:r>
+              <a:rPr lang="en-US" dirty="0" err="1" smtClean="0"/>
+              <a:t>ZooKeeper</a:t>
+            </a:r>
+            <a:r>
+              <a:rPr lang="en-US" dirty="0" smtClean="0"/>
+              <a:t> server and watch for </a:t>
+            </a:r>
+            <a:r>
+              <a:rPr lang="en-US" dirty="0" err="1" smtClean="0"/>
+              <a:t>JobModel</a:t>
+            </a:r>
+            <a:r>
+              <a:rPr lang="en-US" dirty="0" smtClean="0"/>
+              <a:t> changes. </a:t>
+            </a:r>
+            <a:endParaRPr lang="en-US" dirty="0"/>
+          </a:p>
+        </p:txBody>
+      </p:sp>
+      <p:sp>
+        <p:nvSpPr>
+          <p:cNvPr id="32" name="TextBox 31"/>
+          <p:cNvSpPr txBox="1"/>
+          <p:nvPr/>
+        </p:nvSpPr>
+        <p:spPr>
+          <a:xfrm>
+            <a:off x="316524" y="4981293"/>
+            <a:ext cx="6270746" cy="1200329"/>
+          </a:xfrm>
+          <a:prstGeom prst="rect">
+            <a:avLst/>
+          </a:prstGeom>
+          <a:noFill/>
+        </p:spPr>
+        <p:txBody>
+          <a:bodyPr wrap="square" rtlCol="0">
+            <a:spAutoFit/>
+          </a:bodyPr>
+          <a:lstStyle/>
+          <a:p>
+            <a:r>
+              <a:rPr lang="en-US" dirty="0" smtClean="0"/>
+              <a:t>4. </a:t>
+            </a:r>
+            <a:r>
+              <a:rPr lang="en-US" dirty="0" err="1" smtClean="0"/>
+              <a:t>JobCoordinatorListener</a:t>
+            </a:r>
+            <a:r>
+              <a:rPr lang="en-US" dirty="0" smtClean="0"/>
+              <a:t> is the callback function that will be called by </a:t>
+            </a:r>
+            <a:r>
+              <a:rPr lang="en-US" dirty="0" err="1" smtClean="0"/>
+              <a:t>FollowerJobCoordinator</a:t>
+            </a:r>
+            <a:r>
+              <a:rPr lang="en-US" dirty="0" smtClean="0"/>
+              <a:t> when </a:t>
+            </a:r>
+            <a:r>
+              <a:rPr lang="en-US" dirty="0" err="1" smtClean="0"/>
+              <a:t>JobModel</a:t>
+            </a:r>
+            <a:r>
+              <a:rPr lang="en-US" dirty="0" smtClean="0"/>
+              <a:t> changes. It will set up and run the new </a:t>
+            </a:r>
+            <a:r>
+              <a:rPr lang="en-US" dirty="0" err="1" smtClean="0"/>
+              <a:t>SamzaContainer</a:t>
+            </a:r>
+            <a:r>
+              <a:rPr lang="en-US" dirty="0"/>
+              <a:t> </a:t>
+            </a:r>
+            <a:r>
+              <a:rPr lang="en-US" dirty="0" smtClean="0"/>
+              <a:t>when </a:t>
+            </a:r>
+            <a:r>
+              <a:rPr lang="en-US" dirty="0" err="1" smtClean="0"/>
+              <a:t>FollowerJobCoordinator</a:t>
+            </a:r>
+            <a:r>
+              <a:rPr lang="en-US" dirty="0" smtClean="0"/>
+              <a:t> call </a:t>
+            </a:r>
+            <a:r>
+              <a:rPr lang="en-US" dirty="0" err="1" smtClean="0"/>
+              <a:t>onNewJobModel</a:t>
+            </a:r>
+            <a:r>
+              <a:rPr lang="en-US" dirty="0" smtClean="0"/>
+              <a:t>() method.</a:t>
+            </a:r>
+            <a:endParaRPr lang="en-US" dirty="0"/>
+          </a:p>
+        </p:txBody>
+      </p:sp>
+      <p:pic>
+        <p:nvPicPr>
+          <p:cNvPr id="6" name="Picture 5"/>
+          <p:cNvPicPr>
+            <a:picLocks noChangeAspect="1"/>
+          </p:cNvPicPr>
+          <p:nvPr/>
+        </p:nvPicPr>
+        <p:blipFill>
+          <a:blip r:embed="rId2"/>
+          <a:stretch>
+            <a:fillRect/>
+          </a:stretch>
+        </p:blipFill>
+        <p:spPr>
+          <a:xfrm>
+            <a:off x="6010275" y="146999"/>
+            <a:ext cx="6181725" cy="304800"/>
+          </a:xfrm>
+          <a:prstGeom prst="rect">
+            <a:avLst/>
+          </a:prstGeom>
+        </p:spPr>
+      </p:pic>
+      <p:cxnSp>
+        <p:nvCxnSpPr>
+          <p:cNvPr id="9" name="Straight Arrow Connector 8"/>
+          <p:cNvCxnSpPr>
+            <a:endCxn id="6" idx="1"/>
+          </p:cNvCxnSpPr>
+          <p:nvPr/>
+        </p:nvCxnSpPr>
+        <p:spPr>
+          <a:xfrm flipV="1">
+            <a:off x="5389685" y="299399"/>
+            <a:ext cx="620590" cy="894279"/>
+          </a:xfrm>
+          <a:prstGeom prst="straightConnector1">
+            <a:avLst/>
+          </a:prstGeom>
+          <a:ln>
+            <a:tailEnd type="triangle"/>
+          </a:ln>
+        </p:spPr>
+        <p:style>
+          <a:lnRef idx="1">
+            <a:schemeClr val="accent1"/>
+          </a:lnRef>
+          <a:fillRef idx="0">
+            <a:schemeClr val="accent1"/>
+          </a:fillRef>
+          <a:effectRef idx="0">
+            <a:schemeClr val="accent1"/>
+          </a:effectRef>
+          <a:fontRef idx="minor">
+            <a:schemeClr val="tx1"/>
+          </a:fontRef>
+        </p:style>
+      </p:cxnSp>
+      <p:pic>
+        <p:nvPicPr>
+          <p:cNvPr id="36" name="Picture 35"/>
+          <p:cNvPicPr>
+            <a:picLocks noChangeAspect="1"/>
+          </p:cNvPicPr>
+          <p:nvPr/>
+        </p:nvPicPr>
+        <p:blipFill>
+          <a:blip r:embed="rId3"/>
+          <a:stretch>
+            <a:fillRect/>
+          </a:stretch>
+        </p:blipFill>
+        <p:spPr>
+          <a:xfrm>
+            <a:off x="6212314" y="439371"/>
+            <a:ext cx="3683611" cy="188214"/>
+          </a:xfrm>
+          <a:prstGeom prst="rect">
+            <a:avLst/>
+          </a:prstGeom>
+        </p:spPr>
+      </p:pic>
+      <p:pic>
+        <p:nvPicPr>
+          <p:cNvPr id="37" name="Picture 36"/>
+          <p:cNvPicPr>
+            <a:picLocks noChangeAspect="1"/>
+          </p:cNvPicPr>
+          <p:nvPr/>
+        </p:nvPicPr>
+        <p:blipFill>
+          <a:blip r:embed="rId4"/>
+          <a:stretch>
+            <a:fillRect/>
+          </a:stretch>
+        </p:blipFill>
+        <p:spPr>
+          <a:xfrm>
+            <a:off x="6441647" y="639162"/>
+            <a:ext cx="4005995" cy="925456"/>
+          </a:xfrm>
+          <a:prstGeom prst="rect">
+            <a:avLst/>
+          </a:prstGeom>
+        </p:spPr>
+      </p:pic>
+      <p:cxnSp>
+        <p:nvCxnSpPr>
+          <p:cNvPr id="40" name="Straight Arrow Connector 39"/>
+          <p:cNvCxnSpPr>
+            <a:endCxn id="36" idx="1"/>
+          </p:cNvCxnSpPr>
+          <p:nvPr/>
+        </p:nvCxnSpPr>
+        <p:spPr>
+          <a:xfrm flipV="1">
+            <a:off x="5764825" y="533478"/>
+            <a:ext cx="447489" cy="1163437"/>
+          </a:xfrm>
+          <a:prstGeom prst="straightConnector1">
+            <a:avLst/>
+          </a:prstGeom>
+          <a:ln>
+            <a:tailEnd type="triangle"/>
+          </a:ln>
+        </p:spPr>
+        <p:style>
+          <a:lnRef idx="1">
+            <a:schemeClr val="accent1"/>
+          </a:lnRef>
+          <a:fillRef idx="0">
+            <a:schemeClr val="accent1"/>
+          </a:fillRef>
+          <a:effectRef idx="0">
+            <a:schemeClr val="accent1"/>
+          </a:effectRef>
+          <a:fontRef idx="minor">
+            <a:schemeClr val="tx1"/>
+          </a:fontRef>
+        </p:style>
+      </p:cxnSp>
+      <p:cxnSp>
+        <p:nvCxnSpPr>
+          <p:cNvPr id="43" name="Straight Arrow Connector 42"/>
+          <p:cNvCxnSpPr/>
+          <p:nvPr/>
+        </p:nvCxnSpPr>
+        <p:spPr>
+          <a:xfrm flipV="1">
+            <a:off x="4659923" y="1369606"/>
+            <a:ext cx="1781724" cy="660921"/>
+          </a:xfrm>
+          <a:prstGeom prst="straightConnector1">
+            <a:avLst/>
+          </a:prstGeom>
+          <a:ln>
+            <a:tailEnd type="triangle"/>
+          </a:ln>
+        </p:spPr>
+        <p:style>
+          <a:lnRef idx="1">
+            <a:schemeClr val="accent1"/>
+          </a:lnRef>
+          <a:fillRef idx="0">
+            <a:schemeClr val="accent1"/>
+          </a:fillRef>
+          <a:effectRef idx="0">
+            <a:schemeClr val="accent1"/>
+          </a:effectRef>
+          <a:fontRef idx="minor">
+            <a:schemeClr val="tx1"/>
+          </a:fontRef>
+        </p:style>
+      </p:cxnSp>
+      <p:pic>
+        <p:nvPicPr>
+          <p:cNvPr id="46" name="Picture 45"/>
+          <p:cNvPicPr>
+            <a:picLocks noChangeAspect="1"/>
+          </p:cNvPicPr>
+          <p:nvPr/>
+        </p:nvPicPr>
+        <p:blipFill>
+          <a:blip r:embed="rId5"/>
+          <a:stretch>
+            <a:fillRect/>
+          </a:stretch>
+        </p:blipFill>
+        <p:spPr>
+          <a:xfrm>
+            <a:off x="6448974" y="1594485"/>
+            <a:ext cx="5304325" cy="489272"/>
+          </a:xfrm>
+          <a:prstGeom prst="rect">
+            <a:avLst/>
+          </a:prstGeom>
+        </p:spPr>
+      </p:pic>
+      <p:cxnSp>
+        <p:nvCxnSpPr>
+          <p:cNvPr id="48" name="Straight Arrow Connector 47"/>
+          <p:cNvCxnSpPr>
+            <a:endCxn id="46" idx="1"/>
+          </p:cNvCxnSpPr>
+          <p:nvPr/>
+        </p:nvCxnSpPr>
+        <p:spPr>
+          <a:xfrm flipV="1">
+            <a:off x="5593740" y="1839121"/>
+            <a:ext cx="855234" cy="456422"/>
+          </a:xfrm>
+          <a:prstGeom prst="straightConnector1">
+            <a:avLst/>
+          </a:prstGeom>
+          <a:ln>
+            <a:tailEnd type="triangle"/>
+          </a:ln>
+        </p:spPr>
+        <p:style>
+          <a:lnRef idx="1">
+            <a:schemeClr val="accent1"/>
+          </a:lnRef>
+          <a:fillRef idx="0">
+            <a:schemeClr val="accent1"/>
+          </a:fillRef>
+          <a:effectRef idx="0">
+            <a:schemeClr val="accent1"/>
+          </a:effectRef>
+          <a:fontRef idx="minor">
+            <a:schemeClr val="tx1"/>
+          </a:fontRef>
+        </p:style>
+      </p:cxnSp>
+      <p:pic>
+        <p:nvPicPr>
+          <p:cNvPr id="51" name="Picture 50"/>
+          <p:cNvPicPr>
+            <a:picLocks noChangeAspect="1"/>
+          </p:cNvPicPr>
+          <p:nvPr/>
+        </p:nvPicPr>
+        <p:blipFill>
+          <a:blip r:embed="rId6"/>
+          <a:stretch>
+            <a:fillRect/>
+          </a:stretch>
+        </p:blipFill>
+        <p:spPr>
+          <a:xfrm>
+            <a:off x="6448974" y="2175993"/>
+            <a:ext cx="2724150" cy="152400"/>
+          </a:xfrm>
+          <a:prstGeom prst="rect">
+            <a:avLst/>
+          </a:prstGeom>
+        </p:spPr>
+      </p:pic>
+      <p:cxnSp>
+        <p:nvCxnSpPr>
+          <p:cNvPr id="54" name="Straight Arrow Connector 53"/>
+          <p:cNvCxnSpPr/>
+          <p:nvPr/>
+        </p:nvCxnSpPr>
+        <p:spPr>
+          <a:xfrm flipV="1">
+            <a:off x="5375031" y="2392105"/>
+            <a:ext cx="1292924" cy="177942"/>
+          </a:xfrm>
+          <a:prstGeom prst="straightConnector1">
+            <a:avLst/>
+          </a:prstGeom>
+          <a:ln>
+            <a:tailEnd type="triangle"/>
+          </a:ln>
+        </p:spPr>
+        <p:style>
+          <a:lnRef idx="1">
+            <a:schemeClr val="accent1"/>
+          </a:lnRef>
+          <a:fillRef idx="0">
+            <a:schemeClr val="accent1"/>
+          </a:fillRef>
+          <a:effectRef idx="0">
+            <a:schemeClr val="accent1"/>
+          </a:effectRef>
+          <a:fontRef idx="minor">
+            <a:schemeClr val="tx1"/>
+          </a:fontRef>
+        </p:style>
+      </p:cxnSp>
+      <p:pic>
+        <p:nvPicPr>
+          <p:cNvPr id="56" name="Picture 55"/>
+          <p:cNvPicPr>
+            <a:picLocks noChangeAspect="1"/>
+          </p:cNvPicPr>
+          <p:nvPr/>
+        </p:nvPicPr>
+        <p:blipFill>
+          <a:blip r:embed="rId7"/>
+          <a:stretch>
+            <a:fillRect/>
+          </a:stretch>
+        </p:blipFill>
+        <p:spPr>
+          <a:xfrm>
+            <a:off x="6667955" y="2336364"/>
+            <a:ext cx="7276277" cy="754288"/>
+          </a:xfrm>
+          <a:prstGeom prst="rect">
+            <a:avLst/>
+          </a:prstGeom>
+        </p:spPr>
+      </p:pic>
+      <p:cxnSp>
+        <p:nvCxnSpPr>
+          <p:cNvPr id="59" name="Straight Arrow Connector 58"/>
+          <p:cNvCxnSpPr/>
+          <p:nvPr/>
+        </p:nvCxnSpPr>
+        <p:spPr>
+          <a:xfrm>
+            <a:off x="6974541" y="1909482"/>
+            <a:ext cx="349624" cy="266511"/>
+          </a:xfrm>
+          <a:prstGeom prst="straightConnector1">
+            <a:avLst/>
+          </a:prstGeom>
+          <a:ln>
+            <a:tailEnd type="triangle"/>
+          </a:ln>
+        </p:spPr>
+        <p:style>
+          <a:lnRef idx="1">
+            <a:schemeClr val="accent1"/>
+          </a:lnRef>
+          <a:fillRef idx="0">
+            <a:schemeClr val="accent1"/>
+          </a:fillRef>
+          <a:effectRef idx="0">
+            <a:schemeClr val="accent1"/>
+          </a:effectRef>
+          <a:fontRef idx="minor">
+            <a:schemeClr val="tx1"/>
+          </a:fontRef>
+        </p:style>
+      </p:cxnSp>
+      <p:cxnSp>
+        <p:nvCxnSpPr>
+          <p:cNvPr id="61" name="Straight Arrow Connector 60"/>
+          <p:cNvCxnSpPr/>
+          <p:nvPr/>
+        </p:nvCxnSpPr>
+        <p:spPr>
+          <a:xfrm>
+            <a:off x="5550785" y="2328393"/>
+            <a:ext cx="1117170" cy="710438"/>
+          </a:xfrm>
+          <a:prstGeom prst="straightConnector1">
+            <a:avLst/>
+          </a:prstGeom>
+          <a:ln>
+            <a:tailEnd type="triangle"/>
+          </a:ln>
+        </p:spPr>
+        <p:style>
+          <a:lnRef idx="1">
+            <a:schemeClr val="accent1"/>
+          </a:lnRef>
+          <a:fillRef idx="0">
+            <a:schemeClr val="accent1"/>
+          </a:fillRef>
+          <a:effectRef idx="0">
+            <a:schemeClr val="accent1"/>
+          </a:effectRef>
+          <a:fontRef idx="minor">
+            <a:schemeClr val="tx1"/>
+          </a:fontRef>
+        </p:style>
+      </p:cxnSp>
+      <p:pic>
+        <p:nvPicPr>
+          <p:cNvPr id="63" name="Picture 62"/>
+          <p:cNvPicPr>
+            <a:picLocks noChangeAspect="1"/>
+          </p:cNvPicPr>
+          <p:nvPr/>
+        </p:nvPicPr>
+        <p:blipFill>
+          <a:blip r:embed="rId8"/>
+          <a:stretch>
+            <a:fillRect/>
+          </a:stretch>
+        </p:blipFill>
+        <p:spPr>
+          <a:xfrm>
+            <a:off x="7149353" y="4337023"/>
+            <a:ext cx="4481001" cy="1371609"/>
+          </a:xfrm>
+          <a:prstGeom prst="rect">
+            <a:avLst/>
+          </a:prstGeom>
+        </p:spPr>
+      </p:pic>
+      <p:pic>
+        <p:nvPicPr>
+          <p:cNvPr id="66" name="Picture 65"/>
+          <p:cNvPicPr>
+            <a:picLocks noChangeAspect="1"/>
+          </p:cNvPicPr>
+          <p:nvPr/>
+        </p:nvPicPr>
+        <p:blipFill>
+          <a:blip r:embed="rId9"/>
+          <a:stretch>
+            <a:fillRect/>
+          </a:stretch>
+        </p:blipFill>
+        <p:spPr>
+          <a:xfrm>
+            <a:off x="6671768" y="3213400"/>
+            <a:ext cx="4202702" cy="1027327"/>
+          </a:xfrm>
+          <a:prstGeom prst="rect">
+            <a:avLst/>
+          </a:prstGeom>
+        </p:spPr>
+      </p:pic>
+      <p:cxnSp>
+        <p:nvCxnSpPr>
+          <p:cNvPr id="65" name="Straight Arrow Connector 64"/>
+          <p:cNvCxnSpPr/>
+          <p:nvPr/>
+        </p:nvCxnSpPr>
+        <p:spPr>
+          <a:xfrm flipH="1">
+            <a:off x="7811049" y="2570047"/>
+            <a:ext cx="768177" cy="656396"/>
+          </a:xfrm>
+          <a:prstGeom prst="straightConnector1">
+            <a:avLst/>
+          </a:prstGeom>
+          <a:ln>
+            <a:tailEnd type="triangle"/>
+          </a:ln>
+        </p:spPr>
+        <p:style>
+          <a:lnRef idx="1">
+            <a:schemeClr val="accent1"/>
+          </a:lnRef>
+          <a:fillRef idx="0">
+            <a:schemeClr val="accent1"/>
+          </a:fillRef>
+          <a:effectRef idx="0">
+            <a:schemeClr val="accent1"/>
+          </a:effectRef>
+          <a:fontRef idx="minor">
+            <a:schemeClr val="tx1"/>
+          </a:fontRef>
+        </p:style>
+      </p:cxnSp>
+      <p:cxnSp>
+        <p:nvCxnSpPr>
+          <p:cNvPr id="71" name="Straight Arrow Connector 70"/>
+          <p:cNvCxnSpPr/>
+          <p:nvPr/>
+        </p:nvCxnSpPr>
+        <p:spPr>
+          <a:xfrm>
+            <a:off x="7584141" y="3872753"/>
+            <a:ext cx="53788" cy="490722"/>
+          </a:xfrm>
+          <a:prstGeom prst="straightConnector1">
+            <a:avLst/>
+          </a:prstGeom>
+          <a:ln>
+            <a:tailEnd type="triangle"/>
+          </a:ln>
+        </p:spPr>
+        <p:style>
+          <a:lnRef idx="1">
+            <a:schemeClr val="accent1"/>
+          </a:lnRef>
+          <a:fillRef idx="0">
+            <a:schemeClr val="accent1"/>
+          </a:fillRef>
+          <a:effectRef idx="0">
+            <a:schemeClr val="accent1"/>
+          </a:effectRef>
+          <a:fontRef idx="minor">
+            <a:schemeClr val="tx1"/>
+          </a:fontRef>
+        </p:style>
+      </p:cxnSp>
+      <p:pic>
+        <p:nvPicPr>
+          <p:cNvPr id="74" name="Picture 73"/>
+          <p:cNvPicPr>
+            <a:picLocks noChangeAspect="1"/>
+          </p:cNvPicPr>
+          <p:nvPr/>
+        </p:nvPicPr>
+        <p:blipFill>
+          <a:blip r:embed="rId10"/>
+          <a:stretch>
+            <a:fillRect/>
+          </a:stretch>
+        </p:blipFill>
+        <p:spPr>
+          <a:xfrm>
+            <a:off x="12419893" y="3453342"/>
+            <a:ext cx="2523394" cy="838821"/>
+          </a:xfrm>
+          <a:prstGeom prst="rect">
+            <a:avLst/>
+          </a:prstGeom>
+        </p:spPr>
+      </p:pic>
+      <p:cxnSp>
+        <p:nvCxnSpPr>
+          <p:cNvPr id="76" name="Straight Arrow Connector 75"/>
+          <p:cNvCxnSpPr/>
+          <p:nvPr/>
+        </p:nvCxnSpPr>
+        <p:spPr>
+          <a:xfrm flipV="1">
+            <a:off x="11044518" y="3570324"/>
+            <a:ext cx="1375375" cy="1557488"/>
+          </a:xfrm>
+          <a:prstGeom prst="straightConnector1">
+            <a:avLst/>
+          </a:prstGeom>
+          <a:ln>
+            <a:tailEnd type="triangle"/>
+          </a:ln>
+        </p:spPr>
+        <p:style>
+          <a:lnRef idx="1">
+            <a:schemeClr val="accent1"/>
+          </a:lnRef>
+          <a:fillRef idx="0">
+            <a:schemeClr val="accent1"/>
+          </a:fillRef>
+          <a:effectRef idx="0">
+            <a:schemeClr val="accent1"/>
+          </a:effectRef>
+          <a:fontRef idx="minor">
+            <a:schemeClr val="tx1"/>
+          </a:fontRef>
+        </p:style>
+      </p:cxnSp>
+      <p:pic>
+        <p:nvPicPr>
+          <p:cNvPr id="82" name="Picture 81"/>
+          <p:cNvPicPr>
+            <a:picLocks noChangeAspect="1"/>
+          </p:cNvPicPr>
+          <p:nvPr/>
+        </p:nvPicPr>
+        <p:blipFill>
+          <a:blip r:embed="rId11"/>
+          <a:stretch>
+            <a:fillRect/>
+          </a:stretch>
+        </p:blipFill>
+        <p:spPr>
+          <a:xfrm>
+            <a:off x="12419893" y="4323434"/>
+            <a:ext cx="4102473" cy="209615"/>
+          </a:xfrm>
+          <a:prstGeom prst="rect">
+            <a:avLst/>
+          </a:prstGeom>
+        </p:spPr>
+      </p:pic>
+      <p:pic>
+        <p:nvPicPr>
+          <p:cNvPr id="84" name="Picture 83"/>
+          <p:cNvPicPr>
+            <a:picLocks noChangeAspect="1"/>
+          </p:cNvPicPr>
+          <p:nvPr/>
+        </p:nvPicPr>
+        <p:blipFill>
+          <a:blip r:embed="rId12"/>
+          <a:stretch>
+            <a:fillRect/>
+          </a:stretch>
+        </p:blipFill>
+        <p:spPr>
+          <a:xfrm>
+            <a:off x="12589941" y="4533049"/>
+            <a:ext cx="4474403" cy="806860"/>
+          </a:xfrm>
+          <a:prstGeom prst="rect">
+            <a:avLst/>
+          </a:prstGeom>
+        </p:spPr>
+      </p:pic>
+      <p:cxnSp>
+        <p:nvCxnSpPr>
+          <p:cNvPr id="86" name="Straight Arrow Connector 85"/>
+          <p:cNvCxnSpPr/>
+          <p:nvPr/>
+        </p:nvCxnSpPr>
+        <p:spPr>
+          <a:xfrm flipH="1">
+            <a:off x="13402235" y="4118114"/>
+            <a:ext cx="26894" cy="446206"/>
+          </a:xfrm>
+          <a:prstGeom prst="straightConnector1">
+            <a:avLst/>
+          </a:prstGeom>
+          <a:ln>
+            <a:tailEnd type="triangle"/>
+          </a:ln>
+        </p:spPr>
+        <p:style>
+          <a:lnRef idx="1">
+            <a:schemeClr val="accent1"/>
+          </a:lnRef>
+          <a:fillRef idx="0">
+            <a:schemeClr val="accent1"/>
+          </a:fillRef>
+          <a:effectRef idx="0">
+            <a:schemeClr val="accent1"/>
+          </a:effectRef>
+          <a:fontRef idx="minor">
+            <a:schemeClr val="tx1"/>
+          </a:fontRef>
+        </p:style>
+      </p:cxnSp>
+      <p:pic>
+        <p:nvPicPr>
+          <p:cNvPr id="90" name="Picture 89"/>
+          <p:cNvPicPr>
+            <a:picLocks noChangeAspect="1"/>
+          </p:cNvPicPr>
+          <p:nvPr/>
+        </p:nvPicPr>
+        <p:blipFill>
+          <a:blip r:embed="rId13"/>
+          <a:stretch>
+            <a:fillRect/>
+          </a:stretch>
+        </p:blipFill>
+        <p:spPr>
+          <a:xfrm>
+            <a:off x="6942033" y="5708632"/>
+            <a:ext cx="3238500" cy="238125"/>
+          </a:xfrm>
+          <a:prstGeom prst="rect">
+            <a:avLst/>
+          </a:prstGeom>
+        </p:spPr>
+      </p:pic>
+      <p:cxnSp>
+        <p:nvCxnSpPr>
+          <p:cNvPr id="92" name="Straight Arrow Connector 91"/>
+          <p:cNvCxnSpPr>
+            <a:stCxn id="30" idx="3"/>
+          </p:cNvCxnSpPr>
+          <p:nvPr/>
+        </p:nvCxnSpPr>
+        <p:spPr>
+          <a:xfrm>
+            <a:off x="6284301" y="4201382"/>
+            <a:ext cx="1039864" cy="926430"/>
+          </a:xfrm>
+          <a:prstGeom prst="straightConnector1">
+            <a:avLst/>
+          </a:prstGeom>
+          <a:ln>
+            <a:tailEnd type="triangle"/>
+          </a:ln>
+        </p:spPr>
+        <p:style>
+          <a:lnRef idx="1">
+            <a:schemeClr val="accent1"/>
+          </a:lnRef>
+          <a:fillRef idx="0">
+            <a:schemeClr val="accent1"/>
+          </a:fillRef>
+          <a:effectRef idx="0">
+            <a:schemeClr val="accent1"/>
+          </a:effectRef>
+          <a:fontRef idx="minor">
+            <a:schemeClr val="tx1"/>
+          </a:fontRef>
+        </p:style>
+      </p:cxnSp>
+      <p:cxnSp>
+        <p:nvCxnSpPr>
+          <p:cNvPr id="94" name="Straight Arrow Connector 93"/>
+          <p:cNvCxnSpPr>
+            <a:stCxn id="30" idx="3"/>
+            <a:endCxn id="90" idx="1"/>
+          </p:cNvCxnSpPr>
+          <p:nvPr/>
+        </p:nvCxnSpPr>
+        <p:spPr>
+          <a:xfrm>
+            <a:off x="6284301" y="4201382"/>
+            <a:ext cx="657732" cy="1626313"/>
+          </a:xfrm>
+          <a:prstGeom prst="straightConnector1">
+            <a:avLst/>
+          </a:prstGeom>
+          <a:ln>
+            <a:tailEnd type="triangle"/>
+          </a:ln>
+        </p:spPr>
+        <p:style>
+          <a:lnRef idx="1">
+            <a:schemeClr val="accent1"/>
+          </a:lnRef>
+          <a:fillRef idx="0">
+            <a:schemeClr val="accent1"/>
+          </a:fillRef>
+          <a:effectRef idx="0">
+            <a:schemeClr val="accent1"/>
+          </a:effectRef>
+          <a:fontRef idx="minor">
+            <a:schemeClr val="tx1"/>
+          </a:fontRef>
+        </p:style>
+      </p:cxnSp>
+      <p:pic>
+        <p:nvPicPr>
+          <p:cNvPr id="95" name="Picture 94"/>
+          <p:cNvPicPr>
+            <a:picLocks noChangeAspect="1"/>
+          </p:cNvPicPr>
+          <p:nvPr/>
+        </p:nvPicPr>
+        <p:blipFill>
+          <a:blip r:embed="rId14"/>
+          <a:stretch>
+            <a:fillRect/>
+          </a:stretch>
+        </p:blipFill>
+        <p:spPr>
+          <a:xfrm>
+            <a:off x="6888287" y="6031283"/>
+            <a:ext cx="3762375" cy="342900"/>
+          </a:xfrm>
+          <a:prstGeom prst="rect">
+            <a:avLst/>
+          </a:prstGeom>
+        </p:spPr>
+      </p:pic>
+      <p:cxnSp>
+        <p:nvCxnSpPr>
+          <p:cNvPr id="97" name="Straight Arrow Connector 96"/>
+          <p:cNvCxnSpPr/>
+          <p:nvPr/>
+        </p:nvCxnSpPr>
+        <p:spPr>
+          <a:xfrm>
+            <a:off x="8964706" y="5306303"/>
+            <a:ext cx="136430" cy="724980"/>
+          </a:xfrm>
+          <a:prstGeom prst="straightConnector1">
+            <a:avLst/>
+          </a:prstGeom>
+          <a:ln>
+            <a:tailEnd type="triangle"/>
+          </a:ln>
+        </p:spPr>
+        <p:style>
+          <a:lnRef idx="1">
+            <a:schemeClr val="accent1"/>
+          </a:lnRef>
+          <a:fillRef idx="0">
+            <a:schemeClr val="accent1"/>
+          </a:fillRef>
+          <a:effectRef idx="0">
+            <a:schemeClr val="accent1"/>
+          </a:effectRef>
+          <a:fontRef idx="minor">
+            <a:schemeClr val="tx1"/>
+          </a:fontRef>
+        </p:style>
+      </p:cxnSp>
+      <p:pic>
+        <p:nvPicPr>
+          <p:cNvPr id="99" name="Picture 98"/>
+          <p:cNvPicPr>
+            <a:picLocks noChangeAspect="1"/>
+          </p:cNvPicPr>
+          <p:nvPr/>
+        </p:nvPicPr>
+        <p:blipFill>
+          <a:blip r:embed="rId15"/>
+          <a:stretch>
+            <a:fillRect/>
+          </a:stretch>
+        </p:blipFill>
+        <p:spPr>
+          <a:xfrm>
+            <a:off x="7324165" y="6358696"/>
+            <a:ext cx="2343150" cy="200025"/>
+          </a:xfrm>
+          <a:prstGeom prst="rect">
+            <a:avLst/>
+          </a:prstGeom>
+        </p:spPr>
+      </p:pic>
+      <p:pic>
+        <p:nvPicPr>
+          <p:cNvPr id="100" name="Picture 99"/>
+          <p:cNvPicPr>
+            <a:picLocks noChangeAspect="1"/>
+          </p:cNvPicPr>
+          <p:nvPr/>
+        </p:nvPicPr>
+        <p:blipFill>
+          <a:blip r:embed="rId16"/>
+          <a:stretch>
+            <a:fillRect/>
+          </a:stretch>
+        </p:blipFill>
+        <p:spPr>
+          <a:xfrm>
+            <a:off x="7537965" y="6558721"/>
+            <a:ext cx="6143625" cy="1447800"/>
+          </a:xfrm>
+          <a:prstGeom prst="rect">
+            <a:avLst/>
+          </a:prstGeom>
+        </p:spPr>
+      </p:pic>
+      <p:cxnSp>
+        <p:nvCxnSpPr>
+          <p:cNvPr id="102" name="Straight Arrow Connector 101"/>
+          <p:cNvCxnSpPr/>
+          <p:nvPr/>
+        </p:nvCxnSpPr>
+        <p:spPr>
+          <a:xfrm flipV="1">
+            <a:off x="6041781" y="5339909"/>
+            <a:ext cx="1210666" cy="691374"/>
+          </a:xfrm>
+          <a:prstGeom prst="straightConnector1">
+            <a:avLst/>
+          </a:prstGeom>
+          <a:ln>
+            <a:tailEnd type="triangle"/>
+          </a:ln>
+        </p:spPr>
+        <p:style>
+          <a:lnRef idx="1">
+            <a:schemeClr val="accent1"/>
+          </a:lnRef>
+          <a:fillRef idx="0">
+            <a:schemeClr val="accent1"/>
+          </a:fillRef>
+          <a:effectRef idx="0">
+            <a:schemeClr val="accent1"/>
+          </a:effectRef>
+          <a:fontRef idx="minor">
+            <a:schemeClr val="tx1"/>
+          </a:fontRef>
+        </p:style>
+      </p:cxnSp>
+      <p:cxnSp>
+        <p:nvCxnSpPr>
+          <p:cNvPr id="104" name="Straight Arrow Connector 103"/>
+          <p:cNvCxnSpPr/>
+          <p:nvPr/>
+        </p:nvCxnSpPr>
+        <p:spPr>
+          <a:xfrm>
+            <a:off x="6041781" y="6031283"/>
+            <a:ext cx="1769268" cy="226082"/>
+          </a:xfrm>
+          <a:prstGeom prst="straightConnector1">
+            <a:avLst/>
+          </a:prstGeom>
+          <a:ln>
+            <a:tailEnd type="triangle"/>
+          </a:ln>
+        </p:spPr>
+        <p:style>
+          <a:lnRef idx="1">
+            <a:schemeClr val="accent1"/>
+          </a:lnRef>
+          <a:fillRef idx="0">
+            <a:schemeClr val="accent1"/>
+          </a:fillRef>
+          <a:effectRef idx="0">
+            <a:schemeClr val="accent1"/>
+          </a:effectRef>
+          <a:fontRef idx="minor">
+            <a:schemeClr val="tx1"/>
+          </a:fontRef>
+        </p:style>
+      </p:cxnSp>
+      <p:pic>
+        <p:nvPicPr>
+          <p:cNvPr id="105" name="Picture 104"/>
+          <p:cNvPicPr>
+            <a:picLocks noChangeAspect="1"/>
+          </p:cNvPicPr>
+          <p:nvPr/>
+        </p:nvPicPr>
+        <p:blipFill>
+          <a:blip r:embed="rId17"/>
+          <a:stretch>
+            <a:fillRect/>
+          </a:stretch>
+        </p:blipFill>
+        <p:spPr>
+          <a:xfrm>
+            <a:off x="13944232" y="6259883"/>
+            <a:ext cx="4533900" cy="228600"/>
+          </a:xfrm>
+          <a:prstGeom prst="rect">
+            <a:avLst/>
+          </a:prstGeom>
+        </p:spPr>
+      </p:pic>
+      <p:pic>
+        <p:nvPicPr>
+          <p:cNvPr id="106" name="Picture 105"/>
+          <p:cNvPicPr>
+            <a:picLocks noChangeAspect="1"/>
+          </p:cNvPicPr>
+          <p:nvPr/>
+        </p:nvPicPr>
+        <p:blipFill>
+          <a:blip r:embed="rId18"/>
+          <a:stretch>
+            <a:fillRect/>
+          </a:stretch>
+        </p:blipFill>
+        <p:spPr>
+          <a:xfrm>
+            <a:off x="14213174" y="6458708"/>
+            <a:ext cx="5286375" cy="1066800"/>
+          </a:xfrm>
+          <a:prstGeom prst="rect">
+            <a:avLst/>
+          </a:prstGeom>
+        </p:spPr>
+      </p:pic>
+      <p:cxnSp>
+        <p:nvCxnSpPr>
+          <p:cNvPr id="108" name="Straight Arrow Connector 107"/>
+          <p:cNvCxnSpPr>
+            <a:endCxn id="105" idx="1"/>
+          </p:cNvCxnSpPr>
+          <p:nvPr/>
+        </p:nvCxnSpPr>
+        <p:spPr>
+          <a:xfrm>
+            <a:off x="9547412" y="6317835"/>
+            <a:ext cx="4396820" cy="56348"/>
+          </a:xfrm>
+          <a:prstGeom prst="straightConnector1">
+            <a:avLst/>
+          </a:prstGeom>
+          <a:ln>
+            <a:tailEnd type="triangle"/>
+          </a:ln>
+        </p:spPr>
+        <p:style>
+          <a:lnRef idx="1">
+            <a:schemeClr val="accent1"/>
+          </a:lnRef>
+          <a:fillRef idx="0">
+            <a:schemeClr val="accent1"/>
+          </a:fillRef>
+          <a:effectRef idx="0">
+            <a:schemeClr val="accent1"/>
+          </a:effectRef>
+          <a:fontRef idx="minor">
+            <a:schemeClr val="tx1"/>
+          </a:fontRef>
+        </p:style>
+      </p:cxnSp>
+      <p:cxnSp>
+        <p:nvCxnSpPr>
+          <p:cNvPr id="112" name="Straight Arrow Connector 111"/>
+          <p:cNvCxnSpPr/>
+          <p:nvPr/>
+        </p:nvCxnSpPr>
+        <p:spPr>
+          <a:xfrm flipH="1">
+            <a:off x="9260541" y="6315480"/>
+            <a:ext cx="215502" cy="121615"/>
+          </a:xfrm>
+          <a:prstGeom prst="straightConnector1">
+            <a:avLst/>
+          </a:prstGeom>
+          <a:ln>
+            <a:tailEnd type="triangle"/>
+          </a:ln>
+        </p:spPr>
+        <p:style>
+          <a:lnRef idx="1">
+            <a:schemeClr val="accent1"/>
+          </a:lnRef>
+          <a:fillRef idx="0">
+            <a:schemeClr val="accent1"/>
+          </a:fillRef>
+          <a:effectRef idx="0">
+            <a:schemeClr val="accent1"/>
+          </a:effectRef>
+          <a:fontRef idx="minor">
+            <a:schemeClr val="tx1"/>
+          </a:fontRef>
+        </p:style>
+      </p:cxnSp>
+    </p:spTree>
+    <p:extLst>
+      <p:ext uri="{BB962C8B-B14F-4D97-AF65-F5344CB8AC3E}">
+        <p14:creationId xmlns:p14="http://schemas.microsoft.com/office/powerpoint/2010/main" val="217982373"/>
+      </p:ext>
+    </p:extLst>
+  </p:cSld>
+  <p:clrMapOvr>
+    <a:masterClrMapping/>
+  </p:clrMapOvr>
+</p:sld>
+</file>
+
+<file path=ppt/slides/slide9.xml><?xml version="1.0" encoding="utf-8"?>
+<p:sld xmlns:a="http://schemas.openxmlformats.org/drawingml/2006/main" xmlns:r="http://schemas.openxmlformats.org/officeDocument/2006/relationships" xmlns:p="http://schemas.openxmlformats.org/presentationml/2006/main">
+  <p:cSld>
+    <p:spTree>
+      <p:nvGrpSpPr>
+        <p:cNvPr id="1" name=""/>
+        <p:cNvGrpSpPr/>
+        <p:nvPr/>
+      </p:nvGrpSpPr>
+      <p:grpSpPr>
+        <a:xfrm>
+          <a:off x="0" y="0"/>
+          <a:ext cx="0" cy="0"/>
+          <a:chOff x="0" y="0"/>
+          <a:chExt cx="0" cy="0"/>
+        </a:xfrm>
+      </p:grpSpPr>
+      <p:sp>
+        <p:nvSpPr>
+          <p:cNvPr id="4" name="Title 1"/>
+          <p:cNvSpPr>
+            <a:spLocks noGrp="1"/>
+          </p:cNvSpPr>
+          <p:nvPr>
+            <p:ph type="title"/>
+          </p:nvPr>
+        </p:nvSpPr>
+        <p:spPr>
+          <a:xfrm>
+            <a:off x="117231" y="-131885"/>
+            <a:ext cx="10515600" cy="1325563"/>
+          </a:xfrm>
+        </p:spPr>
+        <p:txBody>
+          <a:bodyPr/>
+          <a:lstStyle/>
+          <a:p>
+            <a:r>
+              <a:rPr lang="en-US" dirty="0" err="1" smtClean="0"/>
+              <a:t>FollowerJobCoordinator</a:t>
+            </a:r>
+            <a:endParaRPr lang="en-US" dirty="0"/>
+          </a:p>
+        </p:txBody>
+      </p:sp>
+      <p:sp>
+        <p:nvSpPr>
+          <p:cNvPr id="17" name="TextBox 16"/>
+          <p:cNvSpPr txBox="1"/>
+          <p:nvPr/>
+        </p:nvSpPr>
+        <p:spPr>
+          <a:xfrm>
+            <a:off x="358653" y="1033178"/>
+            <a:ext cx="5365140" cy="369332"/>
+          </a:xfrm>
+          <a:prstGeom prst="rect">
+            <a:avLst/>
+          </a:prstGeom>
+          <a:noFill/>
+        </p:spPr>
+        <p:txBody>
+          <a:bodyPr wrap="square" rtlCol="0">
+            <a:spAutoFit/>
+          </a:bodyPr>
+          <a:lstStyle/>
+          <a:p>
+            <a:r>
+              <a:rPr lang="en-US" dirty="0" smtClean="0"/>
+              <a:t>3. Start </a:t>
+            </a:r>
+            <a:r>
+              <a:rPr lang="en-US" dirty="0" err="1" smtClean="0"/>
+              <a:t>FollowerJobCoordinator</a:t>
+            </a:r>
+            <a:r>
+              <a:rPr lang="en-US" dirty="0" smtClean="0"/>
+              <a:t>. </a:t>
+            </a:r>
+            <a:endParaRPr lang="en-US" dirty="0"/>
+          </a:p>
+        </p:txBody>
+      </p:sp>
+      <p:sp>
+        <p:nvSpPr>
+          <p:cNvPr id="18" name="TextBox 17"/>
+          <p:cNvSpPr txBox="1"/>
+          <p:nvPr/>
+        </p:nvSpPr>
+        <p:spPr>
+          <a:xfrm>
+            <a:off x="560514" y="1402510"/>
+            <a:ext cx="5163279" cy="646331"/>
+          </a:xfrm>
+          <a:prstGeom prst="rect">
+            <a:avLst/>
+          </a:prstGeom>
+          <a:noFill/>
+        </p:spPr>
+        <p:txBody>
+          <a:bodyPr wrap="square" rtlCol="0">
+            <a:spAutoFit/>
+          </a:bodyPr>
+          <a:lstStyle/>
+          <a:p>
+            <a:r>
+              <a:rPr lang="en-US" dirty="0" smtClean="0"/>
+              <a:t>1) Use </a:t>
+            </a:r>
+            <a:r>
+              <a:rPr lang="en-US" dirty="0" err="1" smtClean="0"/>
+              <a:t>ZkUtils</a:t>
+            </a:r>
+            <a:r>
+              <a:rPr lang="en-US" dirty="0" smtClean="0"/>
+              <a:t> and </a:t>
+            </a:r>
+            <a:r>
+              <a:rPr lang="en-US" dirty="0" err="1" smtClean="0"/>
+              <a:t>FollowerControllerImpl</a:t>
+            </a:r>
+            <a:r>
+              <a:rPr lang="en-US" dirty="0" smtClean="0"/>
+              <a:t> to register with </a:t>
+            </a:r>
+            <a:r>
+              <a:rPr lang="en-US" dirty="0" err="1" smtClean="0"/>
+              <a:t>ZooKeeper</a:t>
+            </a:r>
+            <a:r>
+              <a:rPr lang="en-US" dirty="0" smtClean="0"/>
+              <a:t> server. </a:t>
+            </a:r>
+            <a:endParaRPr lang="en-US" dirty="0"/>
+          </a:p>
+        </p:txBody>
+      </p:sp>
+      <p:sp>
+        <p:nvSpPr>
+          <p:cNvPr id="19" name="TextBox 18"/>
+          <p:cNvSpPr txBox="1"/>
+          <p:nvPr/>
+        </p:nvSpPr>
+        <p:spPr>
+          <a:xfrm>
+            <a:off x="560512" y="2244407"/>
+            <a:ext cx="5464780" cy="4524315"/>
+          </a:xfrm>
+          <a:prstGeom prst="rect">
+            <a:avLst/>
+          </a:prstGeom>
+          <a:noFill/>
+        </p:spPr>
+        <p:txBody>
+          <a:bodyPr wrap="square" rtlCol="0">
+            <a:spAutoFit/>
+          </a:bodyPr>
+          <a:lstStyle/>
+          <a:p>
+            <a:r>
+              <a:rPr lang="en-US" dirty="0" smtClean="0"/>
+              <a:t>2) </a:t>
+            </a:r>
+            <a:r>
+              <a:rPr lang="en-US" dirty="0" err="1" smtClean="0"/>
+              <a:t>FollowerControllerImpl</a:t>
+            </a:r>
+            <a:r>
+              <a:rPr lang="en-US" dirty="0" smtClean="0"/>
+              <a:t> will subscribe to </a:t>
+            </a:r>
+            <a:r>
+              <a:rPr lang="en-US" dirty="0" err="1" smtClean="0"/>
+              <a:t>JobModel</a:t>
+            </a:r>
+            <a:r>
+              <a:rPr lang="en-US" dirty="0" smtClean="0"/>
+              <a:t> changes. If the </a:t>
+            </a:r>
+            <a:r>
+              <a:rPr lang="en-US" dirty="0" err="1" smtClean="0"/>
+              <a:t>JobModel</a:t>
+            </a:r>
+            <a:r>
+              <a:rPr lang="en-US" dirty="0" smtClean="0"/>
+              <a:t> in </a:t>
+            </a:r>
+            <a:r>
+              <a:rPr lang="en-US" dirty="0" err="1" smtClean="0"/>
+              <a:t>ZooKeeper</a:t>
+            </a:r>
+            <a:r>
+              <a:rPr lang="en-US" dirty="0" smtClean="0"/>
+              <a:t> server changed (by </a:t>
+            </a:r>
+            <a:r>
+              <a:rPr lang="en-US" dirty="0" err="1" smtClean="0"/>
+              <a:t>LeaderJobCoordinator</a:t>
+            </a:r>
+            <a:r>
+              <a:rPr lang="en-US" dirty="0" smtClean="0"/>
+              <a:t>, step 3) ),  </a:t>
+            </a:r>
+            <a:r>
+              <a:rPr lang="en-US" dirty="0" err="1" smtClean="0"/>
+              <a:t>FollowerControllerImpl</a:t>
+            </a:r>
+            <a:r>
+              <a:rPr lang="en-US" dirty="0" smtClean="0"/>
+              <a:t> will be notified. </a:t>
+            </a:r>
+          </a:p>
+          <a:p>
+            <a:endParaRPr lang="en-US" dirty="0" smtClean="0"/>
+          </a:p>
+          <a:p>
+            <a:r>
+              <a:rPr lang="en-US" dirty="0" smtClean="0"/>
+              <a:t>3) It then calls </a:t>
+            </a:r>
+            <a:r>
+              <a:rPr lang="en-US" dirty="0" err="1" smtClean="0"/>
+              <a:t>onNewJobModelAvailable</a:t>
+            </a:r>
+            <a:r>
+              <a:rPr lang="en-US" dirty="0" smtClean="0"/>
+              <a:t>() method in </a:t>
+            </a:r>
+            <a:r>
+              <a:rPr lang="en-US" dirty="0" err="1" smtClean="0"/>
+              <a:t>FollowerJobCoordinator</a:t>
+            </a:r>
+            <a:r>
+              <a:rPr lang="en-US" dirty="0" smtClean="0"/>
+              <a:t>, which will stop current </a:t>
+            </a:r>
+            <a:r>
+              <a:rPr lang="en-US" dirty="0" err="1" smtClean="0"/>
+              <a:t>SamzaContainer</a:t>
+            </a:r>
+            <a:r>
+              <a:rPr lang="en-US" dirty="0" smtClean="0"/>
+              <a:t> through </a:t>
+            </a:r>
+            <a:r>
+              <a:rPr lang="en-US" dirty="0" err="1" smtClean="0"/>
+              <a:t>JobCoordinatorListener’s</a:t>
+            </a:r>
+            <a:r>
+              <a:rPr lang="en-US" dirty="0" smtClean="0"/>
+              <a:t> </a:t>
+            </a:r>
+            <a:r>
+              <a:rPr lang="en-US" dirty="0" err="1" smtClean="0"/>
+              <a:t>onJobModelExpired</a:t>
+            </a:r>
+            <a:r>
+              <a:rPr lang="en-US" dirty="0" smtClean="0"/>
+              <a:t>() method and update the Barrier in </a:t>
+            </a:r>
+            <a:r>
+              <a:rPr lang="en-US" dirty="0" err="1" smtClean="0"/>
+              <a:t>ZooKeeper</a:t>
+            </a:r>
+            <a:r>
+              <a:rPr lang="en-US" dirty="0" smtClean="0"/>
+              <a:t> server.</a:t>
+            </a:r>
+          </a:p>
+          <a:p>
+            <a:endParaRPr lang="en-US" dirty="0"/>
+          </a:p>
+          <a:p>
+            <a:r>
+              <a:rPr lang="en-US" dirty="0" smtClean="0"/>
+              <a:t>4) When the Barrier is done(all </a:t>
+            </a:r>
+            <a:r>
+              <a:rPr lang="en-US" dirty="0" err="1" smtClean="0"/>
+              <a:t>StreamProcessors</a:t>
+            </a:r>
+            <a:r>
+              <a:rPr lang="en-US" dirty="0" smtClean="0"/>
+              <a:t> are notified), it will call the </a:t>
+            </a:r>
+            <a:r>
+              <a:rPr lang="en-US" dirty="0" err="1" smtClean="0"/>
+              <a:t>onNewJobModelConfirmed</a:t>
+            </a:r>
+            <a:r>
+              <a:rPr lang="en-US" dirty="0" smtClean="0"/>
+              <a:t>() method through </a:t>
+            </a:r>
+            <a:r>
+              <a:rPr lang="en-US" dirty="0" err="1" smtClean="0"/>
+              <a:t>ZkBarrierListenerImpl</a:t>
+            </a:r>
+            <a:r>
+              <a:rPr lang="en-US" dirty="0" smtClean="0"/>
+              <a:t>. This method will start a new </a:t>
+            </a:r>
+            <a:r>
+              <a:rPr lang="en-US" dirty="0" err="1" smtClean="0"/>
+              <a:t>SamzaContainer</a:t>
+            </a:r>
+            <a:r>
+              <a:rPr lang="en-US" dirty="0" smtClean="0"/>
+              <a:t> through </a:t>
+            </a:r>
+            <a:r>
+              <a:rPr lang="en-US" dirty="0" err="1" smtClean="0"/>
+              <a:t>JobCoordinatorListener’s</a:t>
+            </a:r>
+            <a:r>
+              <a:rPr lang="en-US" dirty="0" smtClean="0"/>
+              <a:t> </a:t>
+            </a:r>
+            <a:r>
+              <a:rPr lang="en-US" dirty="0" err="1" smtClean="0"/>
+              <a:t>onNewJobModel</a:t>
+            </a:r>
+            <a:r>
+              <a:rPr lang="en-US" dirty="0" smtClean="0"/>
+              <a:t>() method.</a:t>
+            </a:r>
+          </a:p>
+        </p:txBody>
+      </p:sp>
+      <p:pic>
+        <p:nvPicPr>
+          <p:cNvPr id="2" name="Picture 1"/>
+          <p:cNvPicPr>
+            <a:picLocks noChangeAspect="1"/>
+          </p:cNvPicPr>
+          <p:nvPr/>
+        </p:nvPicPr>
+        <p:blipFill>
+          <a:blip r:embed="rId2"/>
+          <a:stretch>
+            <a:fillRect/>
+          </a:stretch>
+        </p:blipFill>
+        <p:spPr>
+          <a:xfrm>
+            <a:off x="6380285" y="0"/>
+            <a:ext cx="6096000" cy="257175"/>
+          </a:xfrm>
+          <a:prstGeom prst="rect">
+            <a:avLst/>
+          </a:prstGeom>
+        </p:spPr>
+      </p:pic>
+      <p:pic>
+        <p:nvPicPr>
+          <p:cNvPr id="3" name="Picture 2"/>
+          <p:cNvPicPr>
+            <a:picLocks noChangeAspect="1"/>
+          </p:cNvPicPr>
+          <p:nvPr/>
+        </p:nvPicPr>
+        <p:blipFill>
+          <a:blip r:embed="rId3"/>
+          <a:stretch>
+            <a:fillRect/>
+          </a:stretch>
+        </p:blipFill>
+        <p:spPr>
+          <a:xfrm>
+            <a:off x="6716224" y="233048"/>
+            <a:ext cx="4767995" cy="1092515"/>
+          </a:xfrm>
+          <a:prstGeom prst="rect">
+            <a:avLst/>
+          </a:prstGeom>
+        </p:spPr>
+      </p:pic>
+      <p:pic>
+        <p:nvPicPr>
+          <p:cNvPr id="13" name="Picture 12"/>
+          <p:cNvPicPr>
+            <a:picLocks noChangeAspect="1"/>
+          </p:cNvPicPr>
+          <p:nvPr/>
+        </p:nvPicPr>
+        <p:blipFill>
+          <a:blip r:embed="rId4"/>
+          <a:stretch>
+            <a:fillRect/>
+          </a:stretch>
+        </p:blipFill>
+        <p:spPr>
+          <a:xfrm>
+            <a:off x="6488722" y="1354704"/>
+            <a:ext cx="4331677" cy="746336"/>
+          </a:xfrm>
+          <a:prstGeom prst="rect">
+            <a:avLst/>
+          </a:prstGeom>
+        </p:spPr>
+      </p:pic>
+      <p:cxnSp>
+        <p:nvCxnSpPr>
+          <p:cNvPr id="15" name="Straight Arrow Connector 14"/>
+          <p:cNvCxnSpPr/>
+          <p:nvPr/>
+        </p:nvCxnSpPr>
+        <p:spPr>
+          <a:xfrm flipV="1">
+            <a:off x="5375031" y="888023"/>
+            <a:ext cx="1341193" cy="837652"/>
+          </a:xfrm>
+          <a:prstGeom prst="straightConnector1">
+            <a:avLst/>
+          </a:prstGeom>
+          <a:ln>
+            <a:tailEnd type="triangle"/>
+          </a:ln>
+        </p:spPr>
+        <p:style>
+          <a:lnRef idx="1">
+            <a:schemeClr val="accent1"/>
+          </a:lnRef>
+          <a:fillRef idx="0">
+            <a:schemeClr val="accent1"/>
+          </a:fillRef>
+          <a:effectRef idx="0">
+            <a:schemeClr val="accent1"/>
+          </a:effectRef>
+          <a:fontRef idx="minor">
+            <a:schemeClr val="tx1"/>
+          </a:fontRef>
+        </p:style>
+      </p:cxnSp>
+      <p:cxnSp>
+        <p:nvCxnSpPr>
+          <p:cNvPr id="23" name="Straight Arrow Connector 22"/>
+          <p:cNvCxnSpPr/>
+          <p:nvPr/>
+        </p:nvCxnSpPr>
+        <p:spPr>
+          <a:xfrm>
+            <a:off x="5375031" y="1725675"/>
+            <a:ext cx="1341193" cy="208633"/>
+          </a:xfrm>
+          <a:prstGeom prst="straightConnector1">
+            <a:avLst/>
+          </a:prstGeom>
+          <a:ln>
+            <a:tailEnd type="triangle"/>
+          </a:ln>
+        </p:spPr>
+        <p:style>
+          <a:lnRef idx="1">
+            <a:schemeClr val="accent1"/>
+          </a:lnRef>
+          <a:fillRef idx="0">
+            <a:schemeClr val="accent1"/>
+          </a:fillRef>
+          <a:effectRef idx="0">
+            <a:schemeClr val="accent1"/>
+          </a:effectRef>
+          <a:fontRef idx="minor">
+            <a:schemeClr val="tx1"/>
+          </a:fontRef>
+        </p:style>
+      </p:cxnSp>
+      <p:pic>
+        <p:nvPicPr>
+          <p:cNvPr id="33" name="Picture 32"/>
+          <p:cNvPicPr>
+            <a:picLocks noChangeAspect="1"/>
+          </p:cNvPicPr>
+          <p:nvPr/>
+        </p:nvPicPr>
+        <p:blipFill>
+          <a:blip r:embed="rId5"/>
+          <a:stretch>
+            <a:fillRect/>
+          </a:stretch>
+        </p:blipFill>
+        <p:spPr>
+          <a:xfrm>
+            <a:off x="6716224" y="2034931"/>
+            <a:ext cx="1704975" cy="190500"/>
+          </a:xfrm>
+          <a:prstGeom prst="rect">
+            <a:avLst/>
+          </a:prstGeom>
+        </p:spPr>
+      </p:pic>
+      <p:pic>
+        <p:nvPicPr>
+          <p:cNvPr id="36" name="Picture 35"/>
+          <p:cNvPicPr>
+            <a:picLocks noChangeAspect="1"/>
+          </p:cNvPicPr>
+          <p:nvPr/>
+        </p:nvPicPr>
+        <p:blipFill>
+          <a:blip r:embed="rId6"/>
+          <a:stretch>
+            <a:fillRect/>
+          </a:stretch>
+        </p:blipFill>
+        <p:spPr>
+          <a:xfrm>
+            <a:off x="6788394" y="2201663"/>
+            <a:ext cx="6000750" cy="381000"/>
+          </a:xfrm>
+          <a:prstGeom prst="rect">
+            <a:avLst/>
+          </a:prstGeom>
+        </p:spPr>
+      </p:pic>
+      <p:cxnSp>
+        <p:nvCxnSpPr>
+          <p:cNvPr id="39" name="Straight Arrow Connector 38"/>
+          <p:cNvCxnSpPr/>
+          <p:nvPr/>
+        </p:nvCxnSpPr>
+        <p:spPr>
+          <a:xfrm>
+            <a:off x="7568711" y="1946567"/>
+            <a:ext cx="124558" cy="102274"/>
+          </a:xfrm>
+          <a:prstGeom prst="straightConnector1">
+            <a:avLst/>
+          </a:prstGeom>
+          <a:ln>
+            <a:tailEnd type="triangle"/>
+          </a:ln>
+        </p:spPr>
+        <p:style>
+          <a:lnRef idx="1">
+            <a:schemeClr val="accent1"/>
+          </a:lnRef>
+          <a:fillRef idx="0">
+            <a:schemeClr val="accent1"/>
+          </a:fillRef>
+          <a:effectRef idx="0">
+            <a:schemeClr val="accent1"/>
+          </a:effectRef>
+          <a:fontRef idx="minor">
+            <a:schemeClr val="tx1"/>
+          </a:fontRef>
+        </p:style>
+      </p:cxnSp>
+      <p:cxnSp>
+        <p:nvCxnSpPr>
+          <p:cNvPr id="46" name="Straight Arrow Connector 45"/>
+          <p:cNvCxnSpPr/>
+          <p:nvPr/>
+        </p:nvCxnSpPr>
+        <p:spPr>
+          <a:xfrm flipV="1">
+            <a:off x="5646308" y="2514601"/>
+            <a:ext cx="1325992" cy="376137"/>
+          </a:xfrm>
+          <a:prstGeom prst="straightConnector1">
+            <a:avLst/>
+          </a:prstGeom>
+          <a:ln>
+            <a:tailEnd type="triangle"/>
+          </a:ln>
+        </p:spPr>
+        <p:style>
+          <a:lnRef idx="1">
+            <a:schemeClr val="accent1"/>
+          </a:lnRef>
+          <a:fillRef idx="0">
+            <a:schemeClr val="accent1"/>
+          </a:fillRef>
+          <a:effectRef idx="0">
+            <a:schemeClr val="accent1"/>
+          </a:effectRef>
+          <a:fontRef idx="minor">
+            <a:schemeClr val="tx1"/>
+          </a:fontRef>
+        </p:style>
+      </p:cxnSp>
+      <p:pic>
+        <p:nvPicPr>
+          <p:cNvPr id="52" name="Picture 51"/>
+          <p:cNvPicPr>
+            <a:picLocks noChangeAspect="1"/>
+          </p:cNvPicPr>
+          <p:nvPr/>
+        </p:nvPicPr>
+        <p:blipFill>
+          <a:blip r:embed="rId7"/>
+          <a:stretch>
+            <a:fillRect/>
+          </a:stretch>
+        </p:blipFill>
+        <p:spPr>
+          <a:xfrm>
+            <a:off x="6716224" y="2658008"/>
+            <a:ext cx="5019675" cy="247650"/>
+          </a:xfrm>
+          <a:prstGeom prst="rect">
+            <a:avLst/>
+          </a:prstGeom>
+        </p:spPr>
+      </p:pic>
+      <p:cxnSp>
+        <p:nvCxnSpPr>
+          <p:cNvPr id="54" name="Straight Arrow Connector 53"/>
+          <p:cNvCxnSpPr/>
+          <p:nvPr/>
+        </p:nvCxnSpPr>
+        <p:spPr>
+          <a:xfrm flipH="1">
+            <a:off x="8654560" y="2534687"/>
+            <a:ext cx="2080848" cy="194381"/>
+          </a:xfrm>
+          <a:prstGeom prst="straightConnector1">
+            <a:avLst/>
+          </a:prstGeom>
+          <a:ln>
+            <a:tailEnd type="triangle"/>
+          </a:ln>
+        </p:spPr>
+        <p:style>
+          <a:lnRef idx="1">
+            <a:schemeClr val="accent1"/>
+          </a:lnRef>
+          <a:fillRef idx="0">
+            <a:schemeClr val="accent1"/>
+          </a:fillRef>
+          <a:effectRef idx="0">
+            <a:schemeClr val="accent1"/>
+          </a:effectRef>
+          <a:fontRef idx="minor">
+            <a:schemeClr val="tx1"/>
+          </a:fontRef>
+        </p:style>
+      </p:cxnSp>
+      <p:pic>
+        <p:nvPicPr>
+          <p:cNvPr id="55" name="Picture 54"/>
+          <p:cNvPicPr>
+            <a:picLocks noChangeAspect="1"/>
+          </p:cNvPicPr>
+          <p:nvPr/>
+        </p:nvPicPr>
+        <p:blipFill>
+          <a:blip r:embed="rId8"/>
+          <a:stretch>
+            <a:fillRect/>
+          </a:stretch>
+        </p:blipFill>
+        <p:spPr>
+          <a:xfrm>
+            <a:off x="6972300" y="2852389"/>
+            <a:ext cx="3168235" cy="796419"/>
+          </a:xfrm>
+          <a:prstGeom prst="rect">
+            <a:avLst/>
+          </a:prstGeom>
+        </p:spPr>
+      </p:pic>
+      <p:cxnSp>
+        <p:nvCxnSpPr>
+          <p:cNvPr id="57" name="Straight Arrow Connector 56"/>
+          <p:cNvCxnSpPr/>
+          <p:nvPr/>
+        </p:nvCxnSpPr>
+        <p:spPr>
+          <a:xfrm flipV="1">
+            <a:off x="5646308" y="3525716"/>
+            <a:ext cx="1484254" cy="519812"/>
+          </a:xfrm>
+          <a:prstGeom prst="straightConnector1">
+            <a:avLst/>
+          </a:prstGeom>
+          <a:ln>
+            <a:tailEnd type="triangle"/>
+          </a:ln>
+        </p:spPr>
+        <p:style>
+          <a:lnRef idx="1">
+            <a:schemeClr val="accent1"/>
+          </a:lnRef>
+          <a:fillRef idx="0">
+            <a:schemeClr val="accent1"/>
+          </a:fillRef>
+          <a:effectRef idx="0">
+            <a:schemeClr val="accent1"/>
+          </a:effectRef>
+          <a:fontRef idx="minor">
+            <a:schemeClr val="tx1"/>
+          </a:fontRef>
+        </p:style>
+      </p:cxnSp>
+      <p:pic>
+        <p:nvPicPr>
+          <p:cNvPr id="60" name="Picture 59"/>
+          <p:cNvPicPr>
+            <a:picLocks noChangeAspect="1"/>
+          </p:cNvPicPr>
+          <p:nvPr/>
+        </p:nvPicPr>
+        <p:blipFill>
+          <a:blip r:embed="rId9"/>
+          <a:stretch>
+            <a:fillRect/>
+          </a:stretch>
+        </p:blipFill>
+        <p:spPr>
+          <a:xfrm>
+            <a:off x="6435237" y="3756209"/>
+            <a:ext cx="3842972" cy="193531"/>
+          </a:xfrm>
+          <a:prstGeom prst="rect">
+            <a:avLst/>
+          </a:prstGeom>
+        </p:spPr>
+      </p:pic>
+      <p:cxnSp>
+        <p:nvCxnSpPr>
+          <p:cNvPr id="64" name="Straight Arrow Connector 63"/>
+          <p:cNvCxnSpPr/>
+          <p:nvPr/>
+        </p:nvCxnSpPr>
+        <p:spPr>
+          <a:xfrm flipH="1">
+            <a:off x="8203224" y="3525716"/>
+            <a:ext cx="360484" cy="246413"/>
+          </a:xfrm>
+          <a:prstGeom prst="straightConnector1">
+            <a:avLst/>
+          </a:prstGeom>
+          <a:ln>
+            <a:tailEnd type="triangle"/>
+          </a:ln>
+        </p:spPr>
+        <p:style>
+          <a:lnRef idx="1">
+            <a:schemeClr val="accent1"/>
+          </a:lnRef>
+          <a:fillRef idx="0">
+            <a:schemeClr val="accent1"/>
+          </a:fillRef>
+          <a:effectRef idx="0">
+            <a:schemeClr val="accent1"/>
+          </a:effectRef>
+          <a:fontRef idx="minor">
+            <a:schemeClr val="tx1"/>
+          </a:fontRef>
+        </p:style>
+      </p:cxnSp>
+      <p:pic>
+        <p:nvPicPr>
+          <p:cNvPr id="66" name="Picture 65"/>
+          <p:cNvPicPr>
+            <a:picLocks noChangeAspect="1"/>
+          </p:cNvPicPr>
+          <p:nvPr/>
+        </p:nvPicPr>
+        <p:blipFill>
+          <a:blip r:embed="rId10"/>
+          <a:stretch>
+            <a:fillRect/>
+          </a:stretch>
+        </p:blipFill>
+        <p:spPr>
+          <a:xfrm>
+            <a:off x="6716224" y="3951667"/>
+            <a:ext cx="2501958" cy="138998"/>
+          </a:xfrm>
+          <a:prstGeom prst="rect">
+            <a:avLst/>
+          </a:prstGeom>
+        </p:spPr>
+      </p:pic>
+      <p:pic>
+        <p:nvPicPr>
+          <p:cNvPr id="67" name="Picture 66"/>
+          <p:cNvPicPr>
+            <a:picLocks noChangeAspect="1"/>
+          </p:cNvPicPr>
+          <p:nvPr/>
+        </p:nvPicPr>
+        <p:blipFill>
+          <a:blip r:embed="rId11"/>
+          <a:stretch>
+            <a:fillRect/>
+          </a:stretch>
+        </p:blipFill>
+        <p:spPr>
+          <a:xfrm>
+            <a:off x="6668277" y="4045528"/>
+            <a:ext cx="4442811" cy="1346707"/>
+          </a:xfrm>
+          <a:prstGeom prst="rect">
+            <a:avLst/>
+          </a:prstGeom>
+        </p:spPr>
+      </p:pic>
+      <p:cxnSp>
+        <p:nvCxnSpPr>
+          <p:cNvPr id="69" name="Straight Arrow Connector 68"/>
+          <p:cNvCxnSpPr/>
+          <p:nvPr/>
+        </p:nvCxnSpPr>
+        <p:spPr>
+          <a:xfrm>
+            <a:off x="2611315" y="4713078"/>
+            <a:ext cx="4519247" cy="183001"/>
+          </a:xfrm>
+          <a:prstGeom prst="straightConnector1">
+            <a:avLst/>
+          </a:prstGeom>
+          <a:ln>
+            <a:tailEnd type="triangle"/>
+          </a:ln>
+        </p:spPr>
+        <p:style>
+          <a:lnRef idx="1">
+            <a:schemeClr val="accent1"/>
+          </a:lnRef>
+          <a:fillRef idx="0">
+            <a:schemeClr val="accent1"/>
+          </a:fillRef>
+          <a:effectRef idx="0">
+            <a:schemeClr val="accent1"/>
+          </a:effectRef>
+          <a:fontRef idx="minor">
+            <a:schemeClr val="tx1"/>
+          </a:fontRef>
+        </p:style>
+      </p:cxnSp>
+      <p:cxnSp>
+        <p:nvCxnSpPr>
+          <p:cNvPr id="71" name="Straight Arrow Connector 70"/>
+          <p:cNvCxnSpPr/>
+          <p:nvPr/>
+        </p:nvCxnSpPr>
+        <p:spPr>
+          <a:xfrm>
+            <a:off x="5352499" y="4698158"/>
+            <a:ext cx="1435895" cy="532377"/>
+          </a:xfrm>
+          <a:prstGeom prst="straightConnector1">
+            <a:avLst/>
+          </a:prstGeom>
+          <a:ln>
+            <a:tailEnd type="triangle"/>
+          </a:ln>
+        </p:spPr>
+        <p:style>
+          <a:lnRef idx="1">
+            <a:schemeClr val="accent1"/>
+          </a:lnRef>
+          <a:fillRef idx="0">
+            <a:schemeClr val="accent1"/>
+          </a:fillRef>
+          <a:effectRef idx="0">
+            <a:schemeClr val="accent1"/>
+          </a:effectRef>
+          <a:fontRef idx="minor">
+            <a:schemeClr val="tx1"/>
+          </a:fontRef>
+        </p:style>
+      </p:cxnSp>
+      <p:pic>
+        <p:nvPicPr>
+          <p:cNvPr id="75" name="Picture 74"/>
+          <p:cNvPicPr>
+            <a:picLocks noChangeAspect="1"/>
+          </p:cNvPicPr>
+          <p:nvPr/>
+        </p:nvPicPr>
+        <p:blipFill>
+          <a:blip r:embed="rId12"/>
+          <a:stretch>
+            <a:fillRect/>
+          </a:stretch>
+        </p:blipFill>
+        <p:spPr>
+          <a:xfrm>
+            <a:off x="6792058" y="5452585"/>
+            <a:ext cx="3943350" cy="219075"/>
+          </a:xfrm>
+          <a:prstGeom prst="rect">
+            <a:avLst/>
+          </a:prstGeom>
+        </p:spPr>
+      </p:pic>
+      <p:cxnSp>
+        <p:nvCxnSpPr>
+          <p:cNvPr id="77" name="Straight Arrow Connector 76"/>
+          <p:cNvCxnSpPr/>
+          <p:nvPr/>
+        </p:nvCxnSpPr>
+        <p:spPr>
+          <a:xfrm flipH="1">
+            <a:off x="8007495" y="1316999"/>
+            <a:ext cx="28674" cy="4245123"/>
+          </a:xfrm>
+          <a:prstGeom prst="straightConnector1">
+            <a:avLst/>
+          </a:prstGeom>
+          <a:ln>
+            <a:tailEnd type="triangle"/>
+          </a:ln>
+        </p:spPr>
+        <p:style>
+          <a:lnRef idx="1">
+            <a:schemeClr val="accent1"/>
+          </a:lnRef>
+          <a:fillRef idx="0">
+            <a:schemeClr val="accent1"/>
+          </a:fillRef>
+          <a:effectRef idx="0">
+            <a:schemeClr val="accent1"/>
+          </a:effectRef>
+          <a:fontRef idx="minor">
+            <a:schemeClr val="tx1"/>
+          </a:fontRef>
+        </p:style>
+      </p:cxnSp>
+      <p:pic>
+        <p:nvPicPr>
+          <p:cNvPr id="80" name="Picture 79"/>
+          <p:cNvPicPr>
+            <a:picLocks noChangeAspect="1"/>
+          </p:cNvPicPr>
+          <p:nvPr/>
+        </p:nvPicPr>
+        <p:blipFill>
+          <a:blip r:embed="rId13"/>
+          <a:stretch>
+            <a:fillRect/>
+          </a:stretch>
+        </p:blipFill>
+        <p:spPr>
+          <a:xfrm>
+            <a:off x="7005453" y="5657910"/>
+            <a:ext cx="6581775" cy="171450"/>
+          </a:xfrm>
+          <a:prstGeom prst="rect">
+            <a:avLst/>
+          </a:prstGeom>
+        </p:spPr>
+      </p:pic>
+      <p:pic>
+        <p:nvPicPr>
+          <p:cNvPr id="81" name="Picture 80"/>
+          <p:cNvPicPr>
+            <a:picLocks noChangeAspect="1"/>
+          </p:cNvPicPr>
+          <p:nvPr/>
+        </p:nvPicPr>
+        <p:blipFill>
+          <a:blip r:embed="rId14"/>
+          <a:stretch>
+            <a:fillRect/>
+          </a:stretch>
+        </p:blipFill>
+        <p:spPr>
+          <a:xfrm>
+            <a:off x="7225445" y="5770840"/>
+            <a:ext cx="7553325" cy="342900"/>
+          </a:xfrm>
+          <a:prstGeom prst="rect">
+            <a:avLst/>
+          </a:prstGeom>
+        </p:spPr>
+      </p:pic>
+      <p:cxnSp>
+        <p:nvCxnSpPr>
+          <p:cNvPr id="83" name="Straight Arrow Connector 82"/>
+          <p:cNvCxnSpPr>
+            <a:endCxn id="80" idx="1"/>
+          </p:cNvCxnSpPr>
+          <p:nvPr/>
+        </p:nvCxnSpPr>
+        <p:spPr>
+          <a:xfrm>
+            <a:off x="5646308" y="5743635"/>
+            <a:ext cx="1359145" cy="0"/>
+          </a:xfrm>
+          <a:prstGeom prst="straightConnector1">
+            <a:avLst/>
+          </a:prstGeom>
+          <a:ln>
+            <a:tailEnd type="triangle"/>
+          </a:ln>
+        </p:spPr>
+        <p:style>
+          <a:lnRef idx="1">
+            <a:schemeClr val="accent1"/>
+          </a:lnRef>
+          <a:fillRef idx="0">
+            <a:schemeClr val="accent1"/>
+          </a:fillRef>
+          <a:effectRef idx="0">
+            <a:schemeClr val="accent1"/>
+          </a:effectRef>
+          <a:fontRef idx="minor">
+            <a:schemeClr val="tx1"/>
+          </a:fontRef>
+        </p:style>
+      </p:cxnSp>
+      <p:pic>
+        <p:nvPicPr>
+          <p:cNvPr id="86" name="Picture 85"/>
+          <p:cNvPicPr>
+            <a:picLocks noChangeAspect="1"/>
+          </p:cNvPicPr>
+          <p:nvPr/>
+        </p:nvPicPr>
+        <p:blipFill>
+          <a:blip r:embed="rId15"/>
+          <a:stretch>
+            <a:fillRect/>
+          </a:stretch>
+        </p:blipFill>
+        <p:spPr>
+          <a:xfrm>
+            <a:off x="6388435" y="6091982"/>
+            <a:ext cx="3590925" cy="200025"/>
+          </a:xfrm>
+          <a:prstGeom prst="rect">
+            <a:avLst/>
+          </a:prstGeom>
+        </p:spPr>
+      </p:pic>
+      <p:pic>
+        <p:nvPicPr>
+          <p:cNvPr id="87" name="Picture 86"/>
+          <p:cNvPicPr>
+            <a:picLocks noChangeAspect="1"/>
+          </p:cNvPicPr>
+          <p:nvPr/>
+        </p:nvPicPr>
+        <p:blipFill>
+          <a:blip r:embed="rId16"/>
+          <a:stretch>
+            <a:fillRect/>
+          </a:stretch>
+        </p:blipFill>
+        <p:spPr>
+          <a:xfrm>
+            <a:off x="6833311" y="6266910"/>
+            <a:ext cx="3046824" cy="719389"/>
+          </a:xfrm>
+          <a:prstGeom prst="rect">
+            <a:avLst/>
+          </a:prstGeom>
+        </p:spPr>
+      </p:pic>
+      <p:cxnSp>
+        <p:nvCxnSpPr>
+          <p:cNvPr id="89" name="Straight Arrow Connector 88"/>
+          <p:cNvCxnSpPr>
+            <a:endCxn id="86" idx="3"/>
+          </p:cNvCxnSpPr>
+          <p:nvPr/>
+        </p:nvCxnSpPr>
+        <p:spPr>
+          <a:xfrm flipH="1">
+            <a:off x="9979360" y="6091982"/>
+            <a:ext cx="2589158" cy="100013"/>
+          </a:xfrm>
+          <a:prstGeom prst="straightConnector1">
+            <a:avLst/>
+          </a:prstGeom>
+          <a:ln>
+            <a:tailEnd type="triangle"/>
+          </a:ln>
+        </p:spPr>
+        <p:style>
+          <a:lnRef idx="1">
+            <a:schemeClr val="accent1"/>
+          </a:lnRef>
+          <a:fillRef idx="0">
+            <a:schemeClr val="accent1"/>
+          </a:fillRef>
+          <a:effectRef idx="0">
+            <a:schemeClr val="accent1"/>
+          </a:effectRef>
+          <a:fontRef idx="minor">
+            <a:schemeClr val="tx1"/>
+          </a:fontRef>
+        </p:style>
+      </p:cxnSp>
+      <p:cxnSp>
+        <p:nvCxnSpPr>
+          <p:cNvPr id="91" name="Straight Arrow Connector 90"/>
+          <p:cNvCxnSpPr/>
+          <p:nvPr/>
+        </p:nvCxnSpPr>
+        <p:spPr>
+          <a:xfrm>
+            <a:off x="4751294" y="6499412"/>
+            <a:ext cx="2254159" cy="269310"/>
+          </a:xfrm>
+          <a:prstGeom prst="straightConnector1">
+            <a:avLst/>
+          </a:prstGeom>
+          <a:ln>
+            <a:tailEnd type="triangle"/>
+          </a:ln>
+        </p:spPr>
+        <p:style>
+          <a:lnRef idx="1">
+            <a:schemeClr val="accent1"/>
+          </a:lnRef>
+          <a:fillRef idx="0">
+            <a:schemeClr val="accent1"/>
+          </a:fillRef>
+          <a:effectRef idx="0">
+            <a:schemeClr val="accent1"/>
+          </a:effectRef>
+          <a:fontRef idx="minor">
+            <a:schemeClr val="tx1"/>
+          </a:fontRef>
+        </p:style>
+      </p:cxnSp>
+    </p:spTree>
+    <p:extLst>
+      <p:ext uri="{BB962C8B-B14F-4D97-AF65-F5344CB8AC3E}">
+        <p14:creationId xmlns:p14="http://schemas.microsoft.com/office/powerpoint/2010/main" val="3108085255"/>
       </p:ext>
     </p:extLst>
   </p:cSld>
